--- a/doc/Build your own gas turbine performance model from scratch.pptx
+++ b/doc/Build your own gas turbine performance model from scratch.pptx
@@ -26198,8 +26198,8 @@
             </a:fontRef>
           </p:style>
         </p:cxnSp>
-        <mc:AlternateContent xmlns:mc="http://schemas.openxmlformats.org/markup-compatibility/2006">
-          <mc:Choice xmlns:a14="http://schemas.microsoft.com/office/drawing/2010/main" Requires="a14">
+        <mc:AlternateContent xmlns:mc="http://schemas.openxmlformats.org/markup-compatibility/2006" xmlns:a14="http://schemas.microsoft.com/office/drawing/2010/main">
+          <mc:Choice Requires="a14">
             <p:sp>
               <p:nvSpPr>
                 <p:cNvPr id="36" name="Flowchart: Process 35">
@@ -26504,7 +26504,7 @@
               </p:txBody>
             </p:sp>
           </mc:Choice>
-          <mc:Fallback>
+          <mc:Fallback xmlns="">
             <p:sp>
               <p:nvSpPr>
                 <p:cNvPr id="36" name="Flowchart: Process 35">
@@ -27322,8 +27322,8 @@
             </a:p>
           </p:txBody>
         </p:sp>
-        <mc:AlternateContent xmlns:mc="http://schemas.openxmlformats.org/markup-compatibility/2006">
-          <mc:Choice xmlns:a14="http://schemas.microsoft.com/office/drawing/2010/main" Requires="a14">
+        <mc:AlternateContent xmlns:mc="http://schemas.openxmlformats.org/markup-compatibility/2006" xmlns:a14="http://schemas.microsoft.com/office/drawing/2010/main">
+          <mc:Choice Requires="a14">
             <p:sp>
               <p:nvSpPr>
                 <p:cNvPr id="48" name="Flowchart: Process 47">
@@ -27914,7 +27914,7 @@
               </p:txBody>
             </p:sp>
           </mc:Choice>
-          <mc:Fallback>
+          <mc:Fallback xmlns="">
             <p:sp>
               <p:nvSpPr>
                 <p:cNvPr id="48" name="Flowchart: Process 47">
@@ -27964,8 +27964,8 @@
             </p:sp>
           </mc:Fallback>
         </mc:AlternateContent>
-        <mc:AlternateContent xmlns:mc="http://schemas.openxmlformats.org/markup-compatibility/2006">
-          <mc:Choice xmlns:a14="http://schemas.microsoft.com/office/drawing/2010/main" Requires="a14">
+        <mc:AlternateContent xmlns:mc="http://schemas.openxmlformats.org/markup-compatibility/2006" xmlns:a14="http://schemas.microsoft.com/office/drawing/2010/main">
+          <mc:Choice Requires="a14">
             <p:sp>
               <p:nvSpPr>
                 <p:cNvPr id="49" name="Flowchart: Process 48">
@@ -28262,7 +28262,7 @@
               </p:txBody>
             </p:sp>
           </mc:Choice>
-          <mc:Fallback>
+          <mc:Fallback xmlns="">
             <p:sp>
               <p:nvSpPr>
                 <p:cNvPr id="49" name="Flowchart: Process 48">
@@ -28312,8 +28312,8 @@
             </p:sp>
           </mc:Fallback>
         </mc:AlternateContent>
-        <mc:AlternateContent xmlns:mc="http://schemas.openxmlformats.org/markup-compatibility/2006">
-          <mc:Choice xmlns:a14="http://schemas.microsoft.com/office/drawing/2010/main" Requires="a14">
+        <mc:AlternateContent xmlns:mc="http://schemas.openxmlformats.org/markup-compatibility/2006" xmlns:a14="http://schemas.microsoft.com/office/drawing/2010/main">
+          <mc:Choice Requires="a14">
             <p:sp>
               <p:nvSpPr>
                 <p:cNvPr id="50" name="Flowchart: Decision 49">
@@ -28488,7 +28488,7 @@
               </p:txBody>
             </p:sp>
           </mc:Choice>
-          <mc:Fallback>
+          <mc:Fallback xmlns="">
             <p:sp>
               <p:nvSpPr>
                 <p:cNvPr id="50" name="Flowchart: Decision 49">
@@ -28845,8 +28845,8 @@
             </a:p>
           </p:txBody>
         </p:sp>
-        <mc:AlternateContent xmlns:mc="http://schemas.openxmlformats.org/markup-compatibility/2006">
-          <mc:Choice xmlns:a14="http://schemas.microsoft.com/office/drawing/2010/main" Requires="a14">
+        <mc:AlternateContent xmlns:mc="http://schemas.openxmlformats.org/markup-compatibility/2006" xmlns:a14="http://schemas.microsoft.com/office/drawing/2010/main">
+          <mc:Choice Requires="a14">
             <p:sp>
               <p:nvSpPr>
                 <p:cNvPr id="55" name="Flowchart: Process 54">
@@ -29205,7 +29205,7 @@
               </p:txBody>
             </p:sp>
           </mc:Choice>
-          <mc:Fallback>
+          <mc:Fallback xmlns="">
             <p:sp>
               <p:nvSpPr>
                 <p:cNvPr id="55" name="Flowchart: Process 54">
@@ -29298,8 +29298,8 @@
             </a:fontRef>
           </p:style>
         </p:cxnSp>
-        <mc:AlternateContent xmlns:mc="http://schemas.openxmlformats.org/markup-compatibility/2006">
-          <mc:Choice xmlns:a14="http://schemas.microsoft.com/office/drawing/2010/main" Requires="a14">
+        <mc:AlternateContent xmlns:mc="http://schemas.openxmlformats.org/markup-compatibility/2006" xmlns:a14="http://schemas.microsoft.com/office/drawing/2010/main">
+          <mc:Choice Requires="a14">
             <p:sp>
               <p:nvSpPr>
                 <p:cNvPr id="57" name="Flowchart: Decision 56">
@@ -29654,7 +29654,7 @@
               </p:txBody>
             </p:sp>
           </mc:Choice>
-          <mc:Fallback>
+          <mc:Fallback xmlns="">
             <p:sp>
               <p:nvSpPr>
                 <p:cNvPr id="57" name="Flowchart: Decision 56">
@@ -33168,31 +33168,6 @@
       </p:sp>
       <p:sp>
         <p:nvSpPr>
-          <p:cNvPr id="3" name="Content Placeholder 2">
-            <a:extLst>
-              <a:ext uri="{FF2B5EF4-FFF2-40B4-BE49-F238E27FC236}">
-                <a16:creationId xmlns:a16="http://schemas.microsoft.com/office/drawing/2014/main" id="{847E348A-96C9-F3AE-749A-BABF00FD7DD8}"/>
-              </a:ext>
-            </a:extLst>
-          </p:cNvPr>
-          <p:cNvSpPr>
-            <a:spLocks noGrp="1"/>
-          </p:cNvSpPr>
-          <p:nvPr>
-            <p:ph idx="1"/>
-          </p:nvPr>
-        </p:nvSpPr>
-        <p:spPr/>
-        <p:txBody>
-          <a:bodyPr/>
-          <a:lstStyle/>
-          <a:p>
-            <a:endParaRPr lang="en-US"/>
-          </a:p>
-        </p:txBody>
-      </p:sp>
-      <p:sp>
-        <p:nvSpPr>
           <p:cNvPr id="2" name="Title 1">
             <a:extLst>
               <a:ext uri="{FF2B5EF4-FFF2-40B4-BE49-F238E27FC236}">
@@ -35853,31 +35828,6 @@
       </p:grpSpPr>
       <p:sp>
         <p:nvSpPr>
-          <p:cNvPr id="2" name="Content Placeholder 1">
-            <a:extLst>
-              <a:ext uri="{FF2B5EF4-FFF2-40B4-BE49-F238E27FC236}">
-                <a16:creationId xmlns:a16="http://schemas.microsoft.com/office/drawing/2014/main" id="{F2177ABB-09F2-0334-2739-84893BB1024F}"/>
-              </a:ext>
-            </a:extLst>
-          </p:cNvPr>
-          <p:cNvSpPr>
-            <a:spLocks noGrp="1"/>
-          </p:cNvSpPr>
-          <p:nvPr>
-            <p:ph idx="1"/>
-          </p:nvPr>
-        </p:nvSpPr>
-        <p:spPr/>
-        <p:txBody>
-          <a:bodyPr/>
-          <a:lstStyle/>
-          <a:p>
-            <a:endParaRPr lang="en-US"/>
-          </a:p>
-        </p:txBody>
-      </p:sp>
-      <p:sp>
-        <p:nvSpPr>
           <p:cNvPr id="3" name="Title 2">
             <a:extLst>
               <a:ext uri="{FF2B5EF4-FFF2-40B4-BE49-F238E27FC236}">
@@ -35892,14 +35842,19 @@
             <p:ph type="title"/>
           </p:nvPr>
         </p:nvSpPr>
-        <p:spPr/>
+        <p:spPr>
+          <a:xfrm>
+            <a:off x="769728" y="230733"/>
+            <a:ext cx="8906684" cy="631800"/>
+          </a:xfrm>
+        </p:spPr>
         <p:txBody>
           <a:bodyPr/>
           <a:lstStyle/>
           <a:p>
             <a:r>
-              <a:rPr lang="en-US" dirty="0"/>
-              <a:t>Main program</a:t>
+              <a:rPr lang="en-US" sz="2400" dirty="0"/>
+              <a:t>Main program for turbojet DP &amp; OD simulation</a:t>
             </a:r>
           </a:p>
         </p:txBody>
@@ -35928,6 +35883,346 @@
             <a:r>
               <a:rPr lang="en-US" dirty="0"/>
               <a:t>Software implementation</a:t>
+            </a:r>
+          </a:p>
+        </p:txBody>
+      </p:sp>
+      <p:sp>
+        <p:nvSpPr>
+          <p:cNvPr id="8" name="TextBox 7">
+            <a:extLst>
+              <a:ext uri="{FF2B5EF4-FFF2-40B4-BE49-F238E27FC236}">
+                <a16:creationId xmlns:a16="http://schemas.microsoft.com/office/drawing/2014/main" id="{C6754E64-29F3-501D-E2CA-B37F04D688AD}"/>
+              </a:ext>
+            </a:extLst>
+          </p:cNvPr>
+          <p:cNvSpPr txBox="1"/>
+          <p:nvPr/>
+        </p:nvSpPr>
+        <p:spPr>
+          <a:xfrm>
+            <a:off x="7966412" y="642602"/>
+            <a:ext cx="1691793" cy="276999"/>
+          </a:xfrm>
+          <a:prstGeom prst="rect">
+            <a:avLst/>
+          </a:prstGeom>
+          <a:solidFill>
+            <a:schemeClr val="bg1"/>
+          </a:solidFill>
+        </p:spPr>
+        <p:txBody>
+          <a:bodyPr wrap="square" rtlCol="0">
+            <a:spAutoFit/>
+          </a:bodyPr>
+          <a:lstStyle/>
+          <a:p>
+            <a:r>
+              <a:rPr lang="en-US" sz="1200" dirty="0"/>
+              <a:t>(key code lines only)</a:t>
+            </a:r>
+          </a:p>
+        </p:txBody>
+      </p:sp>
+      <p:pic>
+        <p:nvPicPr>
+          <p:cNvPr id="10" name="Picture 9">
+            <a:extLst>
+              <a:ext uri="{FF2B5EF4-FFF2-40B4-BE49-F238E27FC236}">
+                <a16:creationId xmlns:a16="http://schemas.microsoft.com/office/drawing/2014/main" id="{2602F4C7-08C7-7F3C-6952-1FDC7ACE9B03}"/>
+              </a:ext>
+            </a:extLst>
+          </p:cNvPr>
+          <p:cNvPicPr>
+            <a:picLocks noChangeAspect="1"/>
+          </p:cNvPicPr>
+          <p:nvPr/>
+        </p:nvPicPr>
+        <p:blipFill>
+          <a:blip r:embed="rId2"/>
+          <a:stretch>
+            <a:fillRect/>
+          </a:stretch>
+        </p:blipFill>
+        <p:spPr>
+          <a:xfrm>
+            <a:off x="1801412" y="919601"/>
+            <a:ext cx="7740000" cy="4720559"/>
+          </a:xfrm>
+          <a:prstGeom prst="rect">
+            <a:avLst/>
+          </a:prstGeom>
+        </p:spPr>
+      </p:pic>
+      <p:sp>
+        <p:nvSpPr>
+          <p:cNvPr id="11" name="TextBox 10">
+            <a:extLst>
+              <a:ext uri="{FF2B5EF4-FFF2-40B4-BE49-F238E27FC236}">
+                <a16:creationId xmlns:a16="http://schemas.microsoft.com/office/drawing/2014/main" id="{E028BF52-FF93-E57F-ED23-43B5EC532ADC}"/>
+              </a:ext>
+            </a:extLst>
+          </p:cNvPr>
+          <p:cNvSpPr txBox="1"/>
+          <p:nvPr/>
+        </p:nvSpPr>
+        <p:spPr>
+          <a:xfrm>
+            <a:off x="617537" y="918308"/>
+            <a:ext cx="6223875" cy="485691"/>
+          </a:xfrm>
+          <a:prstGeom prst="rect">
+            <a:avLst/>
+          </a:prstGeom>
+          <a:noFill/>
+          <a:ln w="28575">
+            <a:solidFill>
+              <a:srgbClr val="FF0000"/>
+            </a:solidFill>
+          </a:ln>
+        </p:spPr>
+        <p:txBody>
+          <a:bodyPr wrap="square" rtlCol="0">
+            <a:noAutofit/>
+          </a:bodyPr>
+          <a:lstStyle/>
+          <a:p>
+            <a:r>
+              <a:rPr lang="en-US" sz="1400" dirty="0"/>
+              <a:t>Create </a:t>
+            </a:r>
+            <a:br>
+              <a:rPr lang="en-US" sz="1400" dirty="0"/>
+            </a:br>
+            <a:r>
+              <a:rPr lang="en-US" sz="1400" dirty="0" err="1"/>
+              <a:t>Oper.conds</a:t>
+            </a:r>
+            <a:r>
+              <a:rPr lang="en-US" sz="1400" dirty="0"/>
+              <a:t>.</a:t>
+            </a:r>
+          </a:p>
+        </p:txBody>
+      </p:sp>
+      <p:sp>
+        <p:nvSpPr>
+          <p:cNvPr id="12" name="TextBox 11">
+            <a:extLst>
+              <a:ext uri="{FF2B5EF4-FFF2-40B4-BE49-F238E27FC236}">
+                <a16:creationId xmlns:a16="http://schemas.microsoft.com/office/drawing/2014/main" id="{59953D23-24D8-F979-57E2-8B16C2494153}"/>
+              </a:ext>
+            </a:extLst>
+          </p:cNvPr>
+          <p:cNvSpPr txBox="1"/>
+          <p:nvPr/>
+        </p:nvSpPr>
+        <p:spPr>
+          <a:xfrm>
+            <a:off x="617536" y="1515296"/>
+            <a:ext cx="8923876" cy="1148704"/>
+          </a:xfrm>
+          <a:prstGeom prst="rect">
+            <a:avLst/>
+          </a:prstGeom>
+          <a:noFill/>
+          <a:ln w="28575">
+            <a:solidFill>
+              <a:srgbClr val="FF0000"/>
+            </a:solidFill>
+          </a:ln>
+        </p:spPr>
+        <p:txBody>
+          <a:bodyPr wrap="square" rtlCol="0">
+            <a:noAutofit/>
+          </a:bodyPr>
+          <a:lstStyle/>
+          <a:p>
+            <a:r>
+              <a:rPr lang="en-US" sz="1400" dirty="0"/>
+              <a:t>Model </a:t>
+            </a:r>
+            <a:br>
+              <a:rPr lang="en-US" sz="1400" dirty="0"/>
+            </a:br>
+            <a:r>
+              <a:rPr lang="en-US" sz="1400" dirty="0"/>
+              <a:t>creation</a:t>
+            </a:r>
+            <a:br>
+              <a:rPr lang="en-US" sz="1400" dirty="0"/>
+            </a:br>
+            <a:r>
+              <a:rPr lang="en-US" sz="1400" dirty="0"/>
+              <a:t>&amp;</a:t>
+            </a:r>
+          </a:p>
+          <a:p>
+            <a:r>
+              <a:rPr lang="en-US" sz="1400" dirty="0"/>
+              <a:t>definition</a:t>
+            </a:r>
+            <a:br>
+              <a:rPr lang="en-US" sz="1400" dirty="0"/>
+            </a:br>
+            <a:endParaRPr lang="en-US" sz="1400" dirty="0"/>
+          </a:p>
+        </p:txBody>
+      </p:sp>
+      <p:sp>
+        <p:nvSpPr>
+          <p:cNvPr id="13" name="TextBox 12">
+            <a:extLst>
+              <a:ext uri="{FF2B5EF4-FFF2-40B4-BE49-F238E27FC236}">
+                <a16:creationId xmlns:a16="http://schemas.microsoft.com/office/drawing/2014/main" id="{829E2BBC-322C-E308-69CE-B12FFFBAD86F}"/>
+              </a:ext>
+            </a:extLst>
+          </p:cNvPr>
+          <p:cNvSpPr txBox="1"/>
+          <p:nvPr/>
+        </p:nvSpPr>
+        <p:spPr>
+          <a:xfrm>
+            <a:off x="279000" y="2731026"/>
+            <a:ext cx="8362412" cy="787974"/>
+          </a:xfrm>
+          <a:prstGeom prst="rect">
+            <a:avLst/>
+          </a:prstGeom>
+          <a:noFill/>
+          <a:ln w="28575">
+            <a:solidFill>
+              <a:srgbClr val="FF0000"/>
+            </a:solidFill>
+          </a:ln>
+        </p:spPr>
+        <p:txBody>
+          <a:bodyPr wrap="square" rtlCol="0">
+            <a:noAutofit/>
+          </a:bodyPr>
+          <a:lstStyle/>
+          <a:p>
+            <a:r>
+              <a:rPr lang="en-US" sz="1400" dirty="0"/>
+              <a:t>Procedure</a:t>
+            </a:r>
+            <a:br>
+              <a:rPr lang="en-US" sz="1400" dirty="0"/>
+            </a:br>
+            <a:r>
+              <a:rPr lang="en-US" sz="1400" dirty="0"/>
+              <a:t>running</a:t>
+            </a:r>
+          </a:p>
+          <a:p>
+            <a:r>
+              <a:rPr lang="en-US" sz="1400" dirty="0"/>
+              <a:t>all comps.</a:t>
+            </a:r>
+          </a:p>
+          <a:p>
+            <a:endParaRPr lang="en-US" sz="1400" dirty="0"/>
+          </a:p>
+        </p:txBody>
+      </p:sp>
+      <p:sp>
+        <p:nvSpPr>
+          <p:cNvPr id="14" name="TextBox 13">
+            <a:extLst>
+              <a:ext uri="{FF2B5EF4-FFF2-40B4-BE49-F238E27FC236}">
+                <a16:creationId xmlns:a16="http://schemas.microsoft.com/office/drawing/2014/main" id="{F783C2B0-ED9B-41F3-5A49-5714DDFAAD80}"/>
+              </a:ext>
+            </a:extLst>
+          </p:cNvPr>
+          <p:cNvSpPr txBox="1"/>
+          <p:nvPr/>
+        </p:nvSpPr>
+        <p:spPr>
+          <a:xfrm>
+            <a:off x="271412" y="3699000"/>
+            <a:ext cx="8362412" cy="399454"/>
+          </a:xfrm>
+          <a:prstGeom prst="rect">
+            <a:avLst/>
+          </a:prstGeom>
+          <a:noFill/>
+          <a:ln w="28575">
+            <a:solidFill>
+              <a:srgbClr val="FF0000"/>
+            </a:solidFill>
+          </a:ln>
+        </p:spPr>
+        <p:txBody>
+          <a:bodyPr wrap="square" rtlCol="0">
+            <a:noAutofit/>
+          </a:bodyPr>
+          <a:lstStyle/>
+          <a:p>
+            <a:r>
+              <a:rPr lang="en-US" sz="1400" dirty="0"/>
+              <a:t>DP simulation</a:t>
+            </a:r>
+          </a:p>
+        </p:txBody>
+      </p:sp>
+      <p:sp>
+        <p:nvSpPr>
+          <p:cNvPr id="15" name="TextBox 14">
+            <a:extLst>
+              <a:ext uri="{FF2B5EF4-FFF2-40B4-BE49-F238E27FC236}">
+                <a16:creationId xmlns:a16="http://schemas.microsoft.com/office/drawing/2014/main" id="{28CC1448-019A-1235-12FF-989CB1DB9E57}"/>
+              </a:ext>
+            </a:extLst>
+          </p:cNvPr>
+          <p:cNvSpPr txBox="1"/>
+          <p:nvPr/>
+        </p:nvSpPr>
+        <p:spPr>
+          <a:xfrm>
+            <a:off x="271412" y="4270126"/>
+            <a:ext cx="8370000" cy="1370034"/>
+          </a:xfrm>
+          <a:prstGeom prst="rect">
+            <a:avLst/>
+          </a:prstGeom>
+          <a:noFill/>
+          <a:ln w="28575">
+            <a:solidFill>
+              <a:srgbClr val="FF0000"/>
+            </a:solidFill>
+          </a:ln>
+        </p:spPr>
+        <p:txBody>
+          <a:bodyPr wrap="square" rtlCol="0">
+            <a:noAutofit/>
+          </a:bodyPr>
+          <a:lstStyle/>
+          <a:p>
+            <a:r>
+              <a:rPr lang="en-US" sz="1400" dirty="0"/>
+              <a:t>OD simulation</a:t>
+            </a:r>
+            <a:br>
+              <a:rPr lang="en-US" sz="1400" dirty="0"/>
+            </a:br>
+            <a:br>
+              <a:rPr lang="en-US" sz="1400" dirty="0"/>
+            </a:br>
+            <a:br>
+              <a:rPr lang="en-US" sz="1400" dirty="0"/>
+            </a:br>
+            <a:br>
+              <a:rPr lang="en-US" sz="1400" dirty="0"/>
+            </a:br>
+            <a:r>
+              <a:rPr lang="en-US" sz="1400" dirty="0"/>
+              <a:t>using root to </a:t>
+            </a:r>
+          </a:p>
+          <a:p>
+            <a:r>
+              <a:rPr lang="en-US" sz="1400" dirty="0"/>
+              <a:t>Find OD points</a:t>
             </a:r>
           </a:p>
         </p:txBody>

--- a/doc/Build your own gas turbine performance model from scratch.pptx
+++ b/doc/Build your own gas turbine performance model from scratch.pptx
@@ -5,10 +5,10 @@
     <p:sldMasterId id="2147483683" r:id="rId1"/>
   </p:sldMasterIdLst>
   <p:notesMasterIdLst>
-    <p:notesMasterId r:id="rId60"/>
+    <p:notesMasterId r:id="rId68"/>
   </p:notesMasterIdLst>
   <p:handoutMasterIdLst>
-    <p:handoutMasterId r:id="rId61"/>
+    <p:handoutMasterId r:id="rId69"/>
   </p:handoutMasterIdLst>
   <p:sldIdLst>
     <p:sldId id="511" r:id="rId2"/>
@@ -43,32 +43,40 @@
     <p:sldId id="512" r:id="rId31"/>
     <p:sldId id="544" r:id="rId32"/>
     <p:sldId id="509" r:id="rId33"/>
-    <p:sldId id="554" r:id="rId34"/>
-    <p:sldId id="523" r:id="rId35"/>
-    <p:sldId id="504" r:id="rId36"/>
-    <p:sldId id="529" r:id="rId37"/>
-    <p:sldId id="530" r:id="rId38"/>
-    <p:sldId id="531" r:id="rId39"/>
-    <p:sldId id="532" r:id="rId40"/>
-    <p:sldId id="533" r:id="rId41"/>
-    <p:sldId id="535" r:id="rId42"/>
-    <p:sldId id="534" r:id="rId43"/>
-    <p:sldId id="536" r:id="rId44"/>
-    <p:sldId id="538" r:id="rId45"/>
-    <p:sldId id="539" r:id="rId46"/>
-    <p:sldId id="540" r:id="rId47"/>
+    <p:sldId id="523" r:id="rId34"/>
+    <p:sldId id="504" r:id="rId35"/>
+    <p:sldId id="529" r:id="rId36"/>
+    <p:sldId id="530" r:id="rId37"/>
+    <p:sldId id="531" r:id="rId38"/>
+    <p:sldId id="532" r:id="rId39"/>
+    <p:sldId id="533" r:id="rId40"/>
+    <p:sldId id="535" r:id="rId41"/>
+    <p:sldId id="534" r:id="rId42"/>
+    <p:sldId id="536" r:id="rId43"/>
+    <p:sldId id="538" r:id="rId44"/>
+    <p:sldId id="539" r:id="rId45"/>
+    <p:sldId id="540" r:id="rId46"/>
+    <p:sldId id="556" r:id="rId47"/>
     <p:sldId id="546" r:id="rId48"/>
-    <p:sldId id="547" r:id="rId49"/>
-    <p:sldId id="506" r:id="rId50"/>
-    <p:sldId id="555" r:id="rId51"/>
-    <p:sldId id="505" r:id="rId52"/>
-    <p:sldId id="525" r:id="rId53"/>
-    <p:sldId id="526" r:id="rId54"/>
-    <p:sldId id="522" r:id="rId55"/>
-    <p:sldId id="508" r:id="rId56"/>
-    <p:sldId id="527" r:id="rId57"/>
-    <p:sldId id="528" r:id="rId58"/>
-    <p:sldId id="466" r:id="rId59"/>
+    <p:sldId id="557" r:id="rId49"/>
+    <p:sldId id="547" r:id="rId50"/>
+    <p:sldId id="558" r:id="rId51"/>
+    <p:sldId id="559" r:id="rId52"/>
+    <p:sldId id="560" r:id="rId53"/>
+    <p:sldId id="561" r:id="rId54"/>
+    <p:sldId id="562" r:id="rId55"/>
+    <p:sldId id="563" r:id="rId56"/>
+    <p:sldId id="564" r:id="rId57"/>
+    <p:sldId id="565" r:id="rId58"/>
+    <p:sldId id="506" r:id="rId59"/>
+    <p:sldId id="555" r:id="rId60"/>
+    <p:sldId id="505" r:id="rId61"/>
+    <p:sldId id="525" r:id="rId62"/>
+    <p:sldId id="526" r:id="rId63"/>
+    <p:sldId id="522" r:id="rId64"/>
+    <p:sldId id="508" r:id="rId65"/>
+    <p:sldId id="527" r:id="rId66"/>
+    <p:sldId id="528" r:id="rId67"/>
   </p:sldIdLst>
   <p:sldSz cx="9902825" cy="6858000"/>
   <p:notesSz cx="6746875" cy="9913938"/>
@@ -35875,7 +35883,12 @@
             <p:ph type="body" sz="quarter" idx="10"/>
           </p:nvPr>
         </p:nvSpPr>
-        <p:spPr/>
+        <p:spPr>
+          <a:xfrm>
+            <a:off x="5881171" y="774104"/>
+            <a:ext cx="3793876" cy="352400"/>
+          </a:xfrm>
+        </p:spPr>
         <p:txBody>
           <a:bodyPr/>
           <a:lstStyle/>
@@ -35883,43 +35896,6 @@
             <a:r>
               <a:rPr lang="en-US" dirty="0"/>
               <a:t>Software implementation</a:t>
-            </a:r>
-          </a:p>
-        </p:txBody>
-      </p:sp>
-      <p:sp>
-        <p:nvSpPr>
-          <p:cNvPr id="8" name="TextBox 7">
-            <a:extLst>
-              <a:ext uri="{FF2B5EF4-FFF2-40B4-BE49-F238E27FC236}">
-                <a16:creationId xmlns:a16="http://schemas.microsoft.com/office/drawing/2014/main" id="{C6754E64-29F3-501D-E2CA-B37F04D688AD}"/>
-              </a:ext>
-            </a:extLst>
-          </p:cNvPr>
-          <p:cNvSpPr txBox="1"/>
-          <p:nvPr/>
-        </p:nvSpPr>
-        <p:spPr>
-          <a:xfrm>
-            <a:off x="7966412" y="642602"/>
-            <a:ext cx="1691793" cy="276999"/>
-          </a:xfrm>
-          <a:prstGeom prst="rect">
-            <a:avLst/>
-          </a:prstGeom>
-          <a:solidFill>
-            <a:schemeClr val="bg1"/>
-          </a:solidFill>
-        </p:spPr>
-        <p:txBody>
-          <a:bodyPr wrap="square" rtlCol="0">
-            <a:spAutoFit/>
-          </a:bodyPr>
-          <a:lstStyle/>
-          <a:p>
-            <a:r>
-              <a:rPr lang="en-US" sz="1200" dirty="0"/>
-              <a:t>(key code lines only)</a:t>
             </a:r>
           </a:p>
         </p:txBody>
@@ -35946,7 +35922,7 @@
         </p:blipFill>
         <p:spPr>
           <a:xfrm>
-            <a:off x="1801412" y="919601"/>
+            <a:off x="1936412" y="1223740"/>
             <a:ext cx="7740000" cy="4720559"/>
           </a:xfrm>
           <a:prstGeom prst="rect">
@@ -35968,7 +35944,7 @@
         </p:nvSpPr>
         <p:spPr>
           <a:xfrm>
-            <a:off x="617537" y="918308"/>
+            <a:off x="752537" y="1212012"/>
             <a:ext cx="6223875" cy="485691"/>
           </a:xfrm>
           <a:prstGeom prst="rect">
@@ -36019,7 +35995,7 @@
         </p:nvSpPr>
         <p:spPr>
           <a:xfrm>
-            <a:off x="617536" y="1515296"/>
+            <a:off x="752536" y="1809000"/>
             <a:ext cx="8923876" cy="1148704"/>
           </a:xfrm>
           <a:prstGeom prst="rect">
@@ -36083,7 +36059,7 @@
         </p:nvSpPr>
         <p:spPr>
           <a:xfrm>
-            <a:off x="279000" y="2731026"/>
+            <a:off x="414000" y="3024730"/>
             <a:ext cx="8362412" cy="787974"/>
           </a:xfrm>
           <a:prstGeom prst="rect">
@@ -36139,7 +36115,7 @@
         </p:nvSpPr>
         <p:spPr>
           <a:xfrm>
-            <a:off x="271412" y="3699000"/>
+            <a:off x="406412" y="3992704"/>
             <a:ext cx="8362412" cy="399454"/>
           </a:xfrm>
           <a:prstGeom prst="rect">
@@ -36179,7 +36155,7 @@
         </p:nvSpPr>
         <p:spPr>
           <a:xfrm>
-            <a:off x="271412" y="4270126"/>
+            <a:off x="406412" y="4563830"/>
             <a:ext cx="8370000" cy="1370034"/>
           </a:xfrm>
           <a:prstGeom prst="rect">
@@ -36223,6 +36199,43 @@
             <a:r>
               <a:rPr lang="en-US" sz="1400" dirty="0"/>
               <a:t>Find OD points</a:t>
+            </a:r>
+          </a:p>
+        </p:txBody>
+      </p:sp>
+      <p:sp>
+        <p:nvSpPr>
+          <p:cNvPr id="8" name="TextBox 7">
+            <a:extLst>
+              <a:ext uri="{FF2B5EF4-FFF2-40B4-BE49-F238E27FC236}">
+                <a16:creationId xmlns:a16="http://schemas.microsoft.com/office/drawing/2014/main" id="{C6754E64-29F3-501D-E2CA-B37F04D688AD}"/>
+              </a:ext>
+            </a:extLst>
+          </p:cNvPr>
+          <p:cNvSpPr txBox="1"/>
+          <p:nvPr/>
+        </p:nvSpPr>
+        <p:spPr>
+          <a:xfrm>
+            <a:off x="7831412" y="1306504"/>
+            <a:ext cx="1691793" cy="276999"/>
+          </a:xfrm>
+          <a:prstGeom prst="rect">
+            <a:avLst/>
+          </a:prstGeom>
+          <a:solidFill>
+            <a:schemeClr val="bg1"/>
+          </a:solidFill>
+        </p:spPr>
+        <p:txBody>
+          <a:bodyPr wrap="square" rtlCol="0">
+            <a:spAutoFit/>
+          </a:bodyPr>
+          <a:lstStyle/>
+          <a:p>
+            <a:r>
+              <a:rPr lang="en-US" sz="1200" i="1" dirty="0"/>
+              <a:t>(key code lines only)</a:t>
             </a:r>
           </a:p>
         </p:txBody>
@@ -38300,7 +38313,7 @@
           <a:p>
             <a:r>
               <a:rPr lang="en-US" dirty="0"/>
-              <a:t>Main program code</a:t>
+              <a:t>Model definition alternative</a:t>
             </a:r>
           </a:p>
         </p:txBody>
@@ -38321,7 +38334,12 @@
             <p:ph type="body" sz="quarter" idx="10"/>
           </p:nvPr>
         </p:nvSpPr>
-        <p:spPr/>
+        <p:spPr>
+          <a:xfrm>
+            <a:off x="5491412" y="999000"/>
+            <a:ext cx="3793876" cy="352400"/>
+          </a:xfrm>
+        </p:spPr>
         <p:txBody>
           <a:bodyPr/>
           <a:lstStyle/>
@@ -38347,2118 +38365,6 @@
 </file>
 
 <file path=ppt/slides/slide33.xml><?xml version="1.0" encoding="utf-8"?>
-<p:sld xmlns:a="http://schemas.openxmlformats.org/drawingml/2006/main" xmlns:r="http://schemas.openxmlformats.org/officeDocument/2006/relationships" xmlns:p="http://schemas.openxmlformats.org/presentationml/2006/main">
-  <p:cSld>
-    <p:spTree>
-      <p:nvGrpSpPr>
-        <p:cNvPr id="1" name="">
-          <a:extLst>
-            <a:ext uri="{FF2B5EF4-FFF2-40B4-BE49-F238E27FC236}">
-              <a16:creationId xmlns:a16="http://schemas.microsoft.com/office/drawing/2014/main" id="{F0EE1A60-7772-9CA9-7DE9-A7BE69D70ADC}"/>
-            </a:ext>
-          </a:extLst>
-        </p:cNvPr>
-        <p:cNvGrpSpPr/>
-        <p:nvPr/>
-      </p:nvGrpSpPr>
-      <p:grpSpPr>
-        <a:xfrm>
-          <a:off x="0" y="0"/>
-          <a:ext cx="0" cy="0"/>
-          <a:chOff x="0" y="0"/>
-          <a:chExt cx="0" cy="0"/>
-        </a:xfrm>
-      </p:grpSpPr>
-      <p:sp>
-        <p:nvSpPr>
-          <p:cNvPr id="3" name="Content Placeholder 2">
-            <a:extLst>
-              <a:ext uri="{FF2B5EF4-FFF2-40B4-BE49-F238E27FC236}">
-                <a16:creationId xmlns:a16="http://schemas.microsoft.com/office/drawing/2014/main" id="{06A32333-2889-5FDB-9A22-2AC50E12E3B7}"/>
-              </a:ext>
-            </a:extLst>
-          </p:cNvPr>
-          <p:cNvSpPr>
-            <a:spLocks noGrp="1"/>
-          </p:cNvSpPr>
-          <p:nvPr>
-            <p:ph idx="1"/>
-          </p:nvPr>
-        </p:nvSpPr>
-        <p:spPr>
-          <a:xfrm>
-            <a:off x="1001713" y="1455140"/>
-            <a:ext cx="8283575" cy="4538860"/>
-          </a:xfrm>
-          <a:solidFill>
-            <a:schemeClr val="tx1"/>
-          </a:solidFill>
-        </p:spPr>
-        <p:txBody>
-          <a:bodyPr/>
-          <a:lstStyle/>
-          <a:p>
-            <a:pPr marL="0" indent="0">
-              <a:lnSpc>
-                <a:spcPts val="1425"/>
-              </a:lnSpc>
-              <a:buNone/>
-            </a:pPr>
-            <a:r>
-              <a:rPr lang="nl-NL" sz="1100" b="0" dirty="0">
-                <a:solidFill>
-                  <a:srgbClr val="CCCCCC"/>
-                </a:solidFill>
-                <a:effectLst/>
-                <a:latin typeface="Consolas" panose="020B0609020204030204" pitchFamily="49" charset="0"/>
-              </a:rPr>
-              <a:t>   </a:t>
-            </a:r>
-            <a:r>
-              <a:rPr lang="nl-NL" sz="1100" b="0" dirty="0">
-                <a:solidFill>
-                  <a:srgbClr val="6A9955"/>
-                </a:solidFill>
-                <a:effectLst/>
-                <a:latin typeface="Consolas" panose="020B0609020204030204" pitchFamily="49" charset="0"/>
-              </a:rPr>
-              <a:t># </a:t>
-            </a:r>
-            <a:r>
-              <a:rPr lang="nl-NL" sz="1100" b="0" dirty="0" err="1">
-                <a:solidFill>
-                  <a:srgbClr val="6A9955"/>
-                </a:solidFill>
-                <a:effectLst/>
-                <a:latin typeface="Consolas" panose="020B0609020204030204" pitchFamily="49" charset="0"/>
-              </a:rPr>
-              <a:t>Generic</a:t>
-            </a:r>
-            <a:r>
-              <a:rPr lang="nl-NL" sz="1100" b="0" dirty="0">
-                <a:solidFill>
-                  <a:srgbClr val="6A9955"/>
-                </a:solidFill>
-                <a:effectLst/>
-                <a:latin typeface="Consolas" panose="020B0609020204030204" pitchFamily="49" charset="0"/>
-              </a:rPr>
-              <a:t> gas turbine </a:t>
-            </a:r>
-            <a:r>
-              <a:rPr lang="nl-NL" sz="1100" b="0" dirty="0" err="1">
-                <a:solidFill>
-                  <a:srgbClr val="6A9955"/>
-                </a:solidFill>
-                <a:effectLst/>
-                <a:latin typeface="Consolas" panose="020B0609020204030204" pitchFamily="49" charset="0"/>
-              </a:rPr>
-              <a:t>components</a:t>
-            </a:r>
-            <a:endParaRPr lang="nl-NL" sz="1100" b="0" dirty="0">
-              <a:solidFill>
-                <a:srgbClr val="CCCCCC"/>
-              </a:solidFill>
-              <a:effectLst/>
-              <a:latin typeface="Consolas" panose="020B0609020204030204" pitchFamily="49" charset="0"/>
-            </a:endParaRPr>
-          </a:p>
-          <a:p>
-            <a:pPr marL="0" indent="0">
-              <a:lnSpc>
-                <a:spcPts val="1425"/>
-              </a:lnSpc>
-              <a:buNone/>
-            </a:pPr>
-            <a:r>
-              <a:rPr lang="nl-NL" sz="1100" b="0" dirty="0">
-                <a:solidFill>
-                  <a:srgbClr val="CCCCCC"/>
-                </a:solidFill>
-                <a:effectLst/>
-                <a:latin typeface="Consolas" panose="020B0609020204030204" pitchFamily="49" charset="0"/>
-              </a:rPr>
-              <a:t>    </a:t>
-            </a:r>
-            <a:r>
-              <a:rPr lang="nl-NL" sz="1100" b="0" dirty="0">
-                <a:solidFill>
-                  <a:srgbClr val="9CDCFE"/>
-                </a:solidFill>
-                <a:effectLst/>
-                <a:latin typeface="Consolas" panose="020B0609020204030204" pitchFamily="49" charset="0"/>
-              </a:rPr>
-              <a:t>inlet1</a:t>
-            </a:r>
-            <a:r>
-              <a:rPr lang="nl-NL" sz="1100" b="0" dirty="0">
-                <a:solidFill>
-                  <a:srgbClr val="CCCCCC"/>
-                </a:solidFill>
-                <a:effectLst/>
-                <a:latin typeface="Consolas" panose="020B0609020204030204" pitchFamily="49" charset="0"/>
-              </a:rPr>
-              <a:t>   </a:t>
-            </a:r>
-            <a:r>
-              <a:rPr lang="nl-NL" sz="1100" b="0" dirty="0">
-                <a:solidFill>
-                  <a:srgbClr val="D4D4D4"/>
-                </a:solidFill>
-                <a:effectLst/>
-                <a:latin typeface="Consolas" panose="020B0609020204030204" pitchFamily="49" charset="0"/>
-              </a:rPr>
-              <a:t>=</a:t>
-            </a:r>
-            <a:r>
-              <a:rPr lang="nl-NL" sz="1100" b="0" dirty="0">
-                <a:solidFill>
-                  <a:srgbClr val="CCCCCC"/>
-                </a:solidFill>
-                <a:effectLst/>
-                <a:latin typeface="Consolas" panose="020B0609020204030204" pitchFamily="49" charset="0"/>
-              </a:rPr>
-              <a:t> </a:t>
-            </a:r>
-            <a:r>
-              <a:rPr lang="nl-NL" sz="1100" b="0" dirty="0" err="1">
-                <a:solidFill>
-                  <a:srgbClr val="4EC9B0"/>
-                </a:solidFill>
-                <a:effectLst/>
-                <a:latin typeface="Consolas" panose="020B0609020204030204" pitchFamily="49" charset="0"/>
-              </a:rPr>
-              <a:t>TInlet</a:t>
-            </a:r>
-            <a:r>
-              <a:rPr lang="nl-NL" sz="1100" b="0" dirty="0">
-                <a:solidFill>
-                  <a:srgbClr val="CCCCCC"/>
-                </a:solidFill>
-                <a:effectLst/>
-                <a:latin typeface="Consolas" panose="020B0609020204030204" pitchFamily="49" charset="0"/>
-              </a:rPr>
-              <a:t>(</a:t>
-            </a:r>
-            <a:r>
-              <a:rPr lang="nl-NL" sz="1100" b="0" dirty="0">
-                <a:solidFill>
-                  <a:srgbClr val="CE9178"/>
-                </a:solidFill>
-                <a:effectLst/>
-                <a:latin typeface="Consolas" panose="020B0609020204030204" pitchFamily="49" charset="0"/>
-              </a:rPr>
-              <a:t>'Inlet1'</a:t>
-            </a:r>
-            <a:r>
-              <a:rPr lang="nl-NL" sz="1100" b="0" dirty="0">
-                <a:solidFill>
-                  <a:srgbClr val="CCCCCC"/>
-                </a:solidFill>
-                <a:effectLst/>
-                <a:latin typeface="Consolas" panose="020B0609020204030204" pitchFamily="49" charset="0"/>
-              </a:rPr>
-              <a:t>,      </a:t>
-            </a:r>
-            <a:r>
-              <a:rPr lang="nl-NL" sz="1100" b="0" dirty="0">
-                <a:solidFill>
-                  <a:srgbClr val="CE9178"/>
-                </a:solidFill>
-                <a:effectLst/>
-                <a:latin typeface="Consolas" panose="020B0609020204030204" pitchFamily="49" charset="0"/>
-              </a:rPr>
-              <a:t>''</a:t>
-            </a:r>
-            <a:r>
-              <a:rPr lang="nl-NL" sz="1100" b="0" dirty="0">
-                <a:solidFill>
-                  <a:srgbClr val="CCCCCC"/>
-                </a:solidFill>
-                <a:effectLst/>
-                <a:latin typeface="Consolas" panose="020B0609020204030204" pitchFamily="49" charset="0"/>
-              </a:rPr>
-              <a:t>,            </a:t>
-            </a:r>
-            <a:r>
-              <a:rPr lang="nl-NL" sz="1100" b="0" dirty="0">
-                <a:solidFill>
-                  <a:srgbClr val="B5CEA8"/>
-                </a:solidFill>
-                <a:effectLst/>
-                <a:latin typeface="Consolas" panose="020B0609020204030204" pitchFamily="49" charset="0"/>
-              </a:rPr>
-              <a:t>0</a:t>
-            </a:r>
-            <a:r>
-              <a:rPr lang="nl-NL" sz="1100" b="0" dirty="0">
-                <a:solidFill>
-                  <a:srgbClr val="CCCCCC"/>
-                </a:solidFill>
-                <a:effectLst/>
-                <a:latin typeface="Consolas" panose="020B0609020204030204" pitchFamily="49" charset="0"/>
-              </a:rPr>
-              <a:t>,</a:t>
-            </a:r>
-            <a:r>
-              <a:rPr lang="nl-NL" sz="1100" b="0" dirty="0">
-                <a:solidFill>
-                  <a:srgbClr val="B5CEA8"/>
-                </a:solidFill>
-                <a:effectLst/>
-                <a:latin typeface="Consolas" panose="020B0609020204030204" pitchFamily="49" charset="0"/>
-              </a:rPr>
-              <a:t>2</a:t>
-            </a:r>
-            <a:r>
-              <a:rPr lang="nl-NL" sz="1100" b="0" dirty="0">
-                <a:solidFill>
-                  <a:srgbClr val="CCCCCC"/>
-                </a:solidFill>
-                <a:effectLst/>
-                <a:latin typeface="Consolas" panose="020B0609020204030204" pitchFamily="49" charset="0"/>
-              </a:rPr>
-              <a:t>,   </a:t>
-            </a:r>
-            <a:r>
-              <a:rPr lang="nl-NL" sz="1100" b="0" dirty="0">
-                <a:solidFill>
-                  <a:srgbClr val="B5CEA8"/>
-                </a:solidFill>
-                <a:effectLst/>
-                <a:latin typeface="Consolas" panose="020B0609020204030204" pitchFamily="49" charset="0"/>
-              </a:rPr>
-              <a:t>19.9</a:t>
-            </a:r>
-            <a:r>
-              <a:rPr lang="nl-NL" sz="1100" b="0" dirty="0">
-                <a:solidFill>
-                  <a:srgbClr val="CCCCCC"/>
-                </a:solidFill>
-                <a:effectLst/>
-                <a:latin typeface="Consolas" panose="020B0609020204030204" pitchFamily="49" charset="0"/>
-              </a:rPr>
-              <a:t>, </a:t>
-            </a:r>
-            <a:r>
-              <a:rPr lang="nl-NL" sz="1100" b="0" dirty="0">
-                <a:solidFill>
-                  <a:srgbClr val="B5CEA8"/>
-                </a:solidFill>
-                <a:effectLst/>
-                <a:latin typeface="Consolas" panose="020B0609020204030204" pitchFamily="49" charset="0"/>
-              </a:rPr>
-              <a:t>1</a:t>
-            </a:r>
-            <a:r>
-              <a:rPr lang="nl-NL" sz="1100" b="0" dirty="0">
-                <a:solidFill>
-                  <a:srgbClr val="CCCCCC"/>
-                </a:solidFill>
-                <a:effectLst/>
-                <a:latin typeface="Consolas" panose="020B0609020204030204" pitchFamily="49" charset="0"/>
-              </a:rPr>
-              <a:t>    )</a:t>
-            </a:r>
-          </a:p>
-          <a:p>
-            <a:pPr marL="0" indent="0">
-              <a:lnSpc>
-                <a:spcPts val="1425"/>
-              </a:lnSpc>
-              <a:buNone/>
-            </a:pPr>
-            <a:r>
-              <a:rPr lang="nl-NL" sz="1100" b="0" dirty="0">
-                <a:solidFill>
-                  <a:srgbClr val="CCCCCC"/>
-                </a:solidFill>
-                <a:effectLst/>
-                <a:latin typeface="Consolas" panose="020B0609020204030204" pitchFamily="49" charset="0"/>
-              </a:rPr>
-              <a:t>    </a:t>
-            </a:r>
-            <a:r>
-              <a:rPr lang="nl-NL" sz="1100" b="0" dirty="0">
-                <a:solidFill>
-                  <a:srgbClr val="9CDCFE"/>
-                </a:solidFill>
-                <a:effectLst/>
-                <a:latin typeface="Consolas" panose="020B0609020204030204" pitchFamily="49" charset="0"/>
-              </a:rPr>
-              <a:t>duct1</a:t>
-            </a:r>
-            <a:r>
-              <a:rPr lang="nl-NL" sz="1100" b="0" dirty="0">
-                <a:solidFill>
-                  <a:srgbClr val="CCCCCC"/>
-                </a:solidFill>
-                <a:effectLst/>
-                <a:latin typeface="Consolas" panose="020B0609020204030204" pitchFamily="49" charset="0"/>
-              </a:rPr>
-              <a:t>    </a:t>
-            </a:r>
-            <a:r>
-              <a:rPr lang="nl-NL" sz="1100" b="0" dirty="0">
-                <a:solidFill>
-                  <a:srgbClr val="D4D4D4"/>
-                </a:solidFill>
-                <a:effectLst/>
-                <a:latin typeface="Consolas" panose="020B0609020204030204" pitchFamily="49" charset="0"/>
-              </a:rPr>
-              <a:t>=</a:t>
-            </a:r>
-            <a:r>
-              <a:rPr lang="nl-NL" sz="1100" b="0" dirty="0">
-                <a:solidFill>
-                  <a:srgbClr val="CCCCCC"/>
-                </a:solidFill>
-                <a:effectLst/>
-                <a:latin typeface="Consolas" panose="020B0609020204030204" pitchFamily="49" charset="0"/>
-              </a:rPr>
-              <a:t> </a:t>
-            </a:r>
-            <a:r>
-              <a:rPr lang="nl-NL" sz="1100" b="0" dirty="0" err="1">
-                <a:solidFill>
-                  <a:srgbClr val="4EC9B0"/>
-                </a:solidFill>
-                <a:effectLst/>
-                <a:latin typeface="Consolas" panose="020B0609020204030204" pitchFamily="49" charset="0"/>
-              </a:rPr>
-              <a:t>TDuct</a:t>
-            </a:r>
-            <a:r>
-              <a:rPr lang="nl-NL" sz="1100" b="0" dirty="0">
-                <a:solidFill>
-                  <a:srgbClr val="CCCCCC"/>
-                </a:solidFill>
-                <a:effectLst/>
-                <a:latin typeface="Consolas" panose="020B0609020204030204" pitchFamily="49" charset="0"/>
-              </a:rPr>
-              <a:t>(</a:t>
-            </a:r>
-            <a:r>
-              <a:rPr lang="nl-NL" sz="1100" b="0" dirty="0">
-                <a:solidFill>
-                  <a:srgbClr val="CE9178"/>
-                </a:solidFill>
-                <a:effectLst/>
-                <a:latin typeface="Consolas" panose="020B0609020204030204" pitchFamily="49" charset="0"/>
-              </a:rPr>
-              <a:t>'</a:t>
-            </a:r>
-            <a:r>
-              <a:rPr lang="nl-NL" sz="1100" b="0" dirty="0" err="1">
-                <a:solidFill>
-                  <a:srgbClr val="CE9178"/>
-                </a:solidFill>
-                <a:effectLst/>
-                <a:latin typeface="Consolas" panose="020B0609020204030204" pitchFamily="49" charset="0"/>
-              </a:rPr>
-              <a:t>exhduct</a:t>
-            </a:r>
-            <a:r>
-              <a:rPr lang="nl-NL" sz="1100" b="0" dirty="0">
-                <a:solidFill>
-                  <a:srgbClr val="CE9178"/>
-                </a:solidFill>
-                <a:effectLst/>
-                <a:latin typeface="Consolas" panose="020B0609020204030204" pitchFamily="49" charset="0"/>
-              </a:rPr>
-              <a:t>'</a:t>
-            </a:r>
-            <a:r>
-              <a:rPr lang="nl-NL" sz="1100" b="0" dirty="0">
-                <a:solidFill>
-                  <a:srgbClr val="CCCCCC"/>
-                </a:solidFill>
-                <a:effectLst/>
-                <a:latin typeface="Consolas" panose="020B0609020204030204" pitchFamily="49" charset="0"/>
-              </a:rPr>
-              <a:t>,      </a:t>
-            </a:r>
-            <a:r>
-              <a:rPr lang="nl-NL" sz="1100" b="0" dirty="0">
-                <a:solidFill>
-                  <a:srgbClr val="CE9178"/>
-                </a:solidFill>
-                <a:effectLst/>
-                <a:latin typeface="Consolas" panose="020B0609020204030204" pitchFamily="49" charset="0"/>
-              </a:rPr>
-              <a:t>''</a:t>
-            </a:r>
-            <a:r>
-              <a:rPr lang="nl-NL" sz="1100" b="0" dirty="0">
-                <a:solidFill>
-                  <a:srgbClr val="CCCCCC"/>
-                </a:solidFill>
-                <a:effectLst/>
-                <a:latin typeface="Consolas" panose="020B0609020204030204" pitchFamily="49" charset="0"/>
-              </a:rPr>
-              <a:t>,            </a:t>
-            </a:r>
-            <a:r>
-              <a:rPr lang="nl-NL" sz="1100" b="0" dirty="0">
-                <a:solidFill>
-                  <a:srgbClr val="B5CEA8"/>
-                </a:solidFill>
-                <a:effectLst/>
-                <a:latin typeface="Consolas" panose="020B0609020204030204" pitchFamily="49" charset="0"/>
-              </a:rPr>
-              <a:t>5</a:t>
-            </a:r>
-            <a:r>
-              <a:rPr lang="nl-NL" sz="1100" b="0" dirty="0">
-                <a:solidFill>
-                  <a:srgbClr val="CCCCCC"/>
-                </a:solidFill>
-                <a:effectLst/>
-                <a:latin typeface="Consolas" panose="020B0609020204030204" pitchFamily="49" charset="0"/>
-              </a:rPr>
-              <a:t>,</a:t>
-            </a:r>
-            <a:r>
-              <a:rPr lang="nl-NL" sz="1100" b="0" dirty="0">
-                <a:solidFill>
-                  <a:srgbClr val="B5CEA8"/>
-                </a:solidFill>
-                <a:effectLst/>
-                <a:latin typeface="Consolas" panose="020B0609020204030204" pitchFamily="49" charset="0"/>
-              </a:rPr>
-              <a:t>7</a:t>
-            </a:r>
-            <a:r>
-              <a:rPr lang="nl-NL" sz="1100" b="0" dirty="0">
-                <a:solidFill>
-                  <a:srgbClr val="CCCCCC"/>
-                </a:solidFill>
-                <a:effectLst/>
-                <a:latin typeface="Consolas" panose="020B0609020204030204" pitchFamily="49" charset="0"/>
-              </a:rPr>
-              <a:t>,   </a:t>
-            </a:r>
-            <a:r>
-              <a:rPr lang="nl-NL" sz="1100" b="0" dirty="0">
-                <a:solidFill>
-                  <a:srgbClr val="B5CEA8"/>
-                </a:solidFill>
-                <a:effectLst/>
-                <a:latin typeface="Consolas" panose="020B0609020204030204" pitchFamily="49" charset="0"/>
-              </a:rPr>
-              <a:t>1.0</a:t>
-            </a:r>
-            <a:r>
-              <a:rPr lang="nl-NL" sz="1100" b="0" dirty="0">
-                <a:solidFill>
-                  <a:srgbClr val="CCCCCC"/>
-                </a:solidFill>
-                <a:effectLst/>
-                <a:latin typeface="Consolas" panose="020B0609020204030204" pitchFamily="49" charset="0"/>
-              </a:rPr>
-              <a:t>        )</a:t>
-            </a:r>
-          </a:p>
-          <a:p>
-            <a:pPr marL="0" indent="0">
-              <a:lnSpc>
-                <a:spcPts val="1425"/>
-              </a:lnSpc>
-              <a:buNone/>
-            </a:pPr>
-            <a:r>
-              <a:rPr lang="nl-NL" sz="1100" b="0" dirty="0">
-                <a:solidFill>
-                  <a:srgbClr val="CCCCCC"/>
-                </a:solidFill>
-                <a:effectLst/>
-                <a:latin typeface="Consolas" panose="020B0609020204030204" pitchFamily="49" charset="0"/>
-              </a:rPr>
-              <a:t>    </a:t>
-            </a:r>
-            <a:r>
-              <a:rPr lang="nl-NL" sz="1100" b="0" dirty="0">
-                <a:solidFill>
-                  <a:srgbClr val="9CDCFE"/>
-                </a:solidFill>
-                <a:effectLst/>
-                <a:latin typeface="Consolas" panose="020B0609020204030204" pitchFamily="49" charset="0"/>
-              </a:rPr>
-              <a:t>exhaust1</a:t>
-            </a:r>
-            <a:r>
-              <a:rPr lang="nl-NL" sz="1100" b="0" dirty="0">
-                <a:solidFill>
-                  <a:srgbClr val="CCCCCC"/>
-                </a:solidFill>
-                <a:effectLst/>
-                <a:latin typeface="Consolas" panose="020B0609020204030204" pitchFamily="49" charset="0"/>
-              </a:rPr>
-              <a:t> </a:t>
-            </a:r>
-            <a:r>
-              <a:rPr lang="nl-NL" sz="1100" b="0" dirty="0">
-                <a:solidFill>
-                  <a:srgbClr val="D4D4D4"/>
-                </a:solidFill>
-                <a:effectLst/>
-                <a:latin typeface="Consolas" panose="020B0609020204030204" pitchFamily="49" charset="0"/>
-              </a:rPr>
-              <a:t>=</a:t>
-            </a:r>
-            <a:r>
-              <a:rPr lang="nl-NL" sz="1100" b="0" dirty="0">
-                <a:solidFill>
-                  <a:srgbClr val="CCCCCC"/>
-                </a:solidFill>
-                <a:effectLst/>
-                <a:latin typeface="Consolas" panose="020B0609020204030204" pitchFamily="49" charset="0"/>
-              </a:rPr>
-              <a:t> </a:t>
-            </a:r>
-            <a:r>
-              <a:rPr lang="nl-NL" sz="1100" b="0" dirty="0" err="1">
-                <a:solidFill>
-                  <a:srgbClr val="4EC9B0"/>
-                </a:solidFill>
-                <a:effectLst/>
-                <a:latin typeface="Consolas" panose="020B0609020204030204" pitchFamily="49" charset="0"/>
-              </a:rPr>
-              <a:t>TExhaust</a:t>
-            </a:r>
-            <a:r>
-              <a:rPr lang="nl-NL" sz="1100" b="0" dirty="0">
-                <a:solidFill>
-                  <a:srgbClr val="CCCCCC"/>
-                </a:solidFill>
-                <a:effectLst/>
-                <a:latin typeface="Consolas" panose="020B0609020204030204" pitchFamily="49" charset="0"/>
-              </a:rPr>
-              <a:t>(</a:t>
-            </a:r>
-            <a:r>
-              <a:rPr lang="nl-NL" sz="1100" b="0" dirty="0">
-                <a:solidFill>
-                  <a:srgbClr val="CE9178"/>
-                </a:solidFill>
-                <a:effectLst/>
-                <a:latin typeface="Consolas" panose="020B0609020204030204" pitchFamily="49" charset="0"/>
-              </a:rPr>
-              <a:t>'exhaust1'</a:t>
-            </a:r>
-            <a:r>
-              <a:rPr lang="nl-NL" sz="1100" b="0" dirty="0">
-                <a:solidFill>
-                  <a:srgbClr val="CCCCCC"/>
-                </a:solidFill>
-                <a:effectLst/>
-                <a:latin typeface="Consolas" panose="020B0609020204030204" pitchFamily="49" charset="0"/>
-              </a:rPr>
-              <a:t>,  </a:t>
-            </a:r>
-            <a:r>
-              <a:rPr lang="nl-NL" sz="1100" b="0" dirty="0">
-                <a:solidFill>
-                  <a:srgbClr val="CE9178"/>
-                </a:solidFill>
-                <a:effectLst/>
-                <a:latin typeface="Consolas" panose="020B0609020204030204" pitchFamily="49" charset="0"/>
-              </a:rPr>
-              <a:t>''</a:t>
-            </a:r>
-            <a:r>
-              <a:rPr lang="nl-NL" sz="1100" b="0" dirty="0">
-                <a:solidFill>
-                  <a:srgbClr val="CCCCCC"/>
-                </a:solidFill>
-                <a:effectLst/>
-                <a:latin typeface="Consolas" panose="020B0609020204030204" pitchFamily="49" charset="0"/>
-              </a:rPr>
-              <a:t>,            </a:t>
-            </a:r>
-            <a:r>
-              <a:rPr lang="nl-NL" sz="1100" b="0" dirty="0">
-                <a:solidFill>
-                  <a:srgbClr val="B5CEA8"/>
-                </a:solidFill>
-                <a:effectLst/>
-                <a:latin typeface="Consolas" panose="020B0609020204030204" pitchFamily="49" charset="0"/>
-              </a:rPr>
-              <a:t>7</a:t>
-            </a:r>
-            <a:r>
-              <a:rPr lang="nl-NL" sz="1100" b="0" dirty="0">
-                <a:solidFill>
-                  <a:srgbClr val="CCCCCC"/>
-                </a:solidFill>
-                <a:effectLst/>
-                <a:latin typeface="Consolas" panose="020B0609020204030204" pitchFamily="49" charset="0"/>
-              </a:rPr>
-              <a:t>,</a:t>
-            </a:r>
-            <a:r>
-              <a:rPr lang="nl-NL" sz="1100" b="0" dirty="0">
-                <a:solidFill>
-                  <a:srgbClr val="B5CEA8"/>
-                </a:solidFill>
-                <a:effectLst/>
-                <a:latin typeface="Consolas" panose="020B0609020204030204" pitchFamily="49" charset="0"/>
-              </a:rPr>
-              <a:t>8</a:t>
-            </a:r>
-            <a:r>
-              <a:rPr lang="nl-NL" sz="1100" b="0" dirty="0">
-                <a:solidFill>
-                  <a:srgbClr val="CCCCCC"/>
-                </a:solidFill>
-                <a:effectLst/>
-                <a:latin typeface="Consolas" panose="020B0609020204030204" pitchFamily="49" charset="0"/>
-              </a:rPr>
-              <a:t>,</a:t>
-            </a:r>
-            <a:r>
-              <a:rPr lang="nl-NL" sz="1100" b="0" dirty="0">
-                <a:solidFill>
-                  <a:srgbClr val="B5CEA8"/>
-                </a:solidFill>
-                <a:effectLst/>
-                <a:latin typeface="Consolas" panose="020B0609020204030204" pitchFamily="49" charset="0"/>
-              </a:rPr>
-              <a:t>9</a:t>
-            </a:r>
-            <a:r>
-              <a:rPr lang="nl-NL" sz="1100" b="0" dirty="0">
-                <a:solidFill>
-                  <a:srgbClr val="CCCCCC"/>
-                </a:solidFill>
-                <a:effectLst/>
-                <a:latin typeface="Consolas" panose="020B0609020204030204" pitchFamily="49" charset="0"/>
-              </a:rPr>
-              <a:t>, </a:t>
-            </a:r>
-            <a:r>
-              <a:rPr lang="nl-NL" sz="1100" b="0" dirty="0">
-                <a:solidFill>
-                  <a:srgbClr val="B5CEA8"/>
-                </a:solidFill>
-                <a:effectLst/>
-                <a:latin typeface="Consolas" panose="020B0609020204030204" pitchFamily="49" charset="0"/>
-              </a:rPr>
-              <a:t>1</a:t>
-            </a:r>
-            <a:r>
-              <a:rPr lang="nl-NL" sz="1100" b="0" dirty="0">
-                <a:solidFill>
-                  <a:srgbClr val="CCCCCC"/>
-                </a:solidFill>
-                <a:effectLst/>
-                <a:latin typeface="Consolas" panose="020B0609020204030204" pitchFamily="49" charset="0"/>
-              </a:rPr>
-              <a:t>, </a:t>
-            </a:r>
-            <a:r>
-              <a:rPr lang="nl-NL" sz="1100" b="0" dirty="0">
-                <a:solidFill>
-                  <a:srgbClr val="B5CEA8"/>
-                </a:solidFill>
-                <a:effectLst/>
-                <a:latin typeface="Consolas" panose="020B0609020204030204" pitchFamily="49" charset="0"/>
-              </a:rPr>
-              <a:t>1</a:t>
-            </a:r>
-            <a:r>
-              <a:rPr lang="nl-NL" sz="1100" b="0" dirty="0">
-                <a:solidFill>
-                  <a:srgbClr val="CCCCCC"/>
-                </a:solidFill>
-                <a:effectLst/>
-                <a:latin typeface="Consolas" panose="020B0609020204030204" pitchFamily="49" charset="0"/>
-              </a:rPr>
-              <a:t>, </a:t>
-            </a:r>
-            <a:r>
-              <a:rPr lang="nl-NL" sz="1100" b="0" dirty="0">
-                <a:solidFill>
-                  <a:srgbClr val="B5CEA8"/>
-                </a:solidFill>
-                <a:effectLst/>
-                <a:latin typeface="Consolas" panose="020B0609020204030204" pitchFamily="49" charset="0"/>
-              </a:rPr>
-              <a:t>1</a:t>
-            </a:r>
-            <a:r>
-              <a:rPr lang="nl-NL" sz="1100" b="0" dirty="0">
-                <a:solidFill>
-                  <a:srgbClr val="CCCCCC"/>
-                </a:solidFill>
-                <a:effectLst/>
-                <a:latin typeface="Consolas" panose="020B0609020204030204" pitchFamily="49" charset="0"/>
-              </a:rPr>
-              <a:t>, </a:t>
-            </a:r>
-            <a:r>
-              <a:rPr lang="nl-NL" sz="1100" b="0" dirty="0">
-                <a:solidFill>
-                  <a:srgbClr val="B5CEA8"/>
-                </a:solidFill>
-                <a:effectLst/>
-                <a:latin typeface="Consolas" panose="020B0609020204030204" pitchFamily="49" charset="0"/>
-              </a:rPr>
-              <a:t>1</a:t>
-            </a:r>
-            <a:r>
-              <a:rPr lang="nl-NL" sz="1100" b="0" dirty="0">
-                <a:solidFill>
-                  <a:srgbClr val="CCCCCC"/>
-                </a:solidFill>
-                <a:effectLst/>
-                <a:latin typeface="Consolas" panose="020B0609020204030204" pitchFamily="49" charset="0"/>
-              </a:rPr>
-              <a:t> )</a:t>
-            </a:r>
-          </a:p>
-          <a:p>
-            <a:pPr marL="0" indent="0">
-              <a:lnSpc>
-                <a:spcPts val="1425"/>
-              </a:lnSpc>
-              <a:buNone/>
-            </a:pPr>
-            <a:r>
-              <a:rPr lang="nl-NL" sz="1100" b="0" dirty="0">
-                <a:solidFill>
-                  <a:srgbClr val="CCCCCC"/>
-                </a:solidFill>
-                <a:effectLst/>
-                <a:latin typeface="Consolas" panose="020B0609020204030204" pitchFamily="49" charset="0"/>
-              </a:rPr>
-              <a:t>    </a:t>
-            </a:r>
-            <a:r>
-              <a:rPr lang="nl-NL" sz="1100" b="0" dirty="0">
-                <a:solidFill>
-                  <a:srgbClr val="6A9955"/>
-                </a:solidFill>
-                <a:effectLst/>
-                <a:latin typeface="Consolas" panose="020B0609020204030204" pitchFamily="49" charset="0"/>
-              </a:rPr>
-              <a:t># ***************** </a:t>
-            </a:r>
-            <a:r>
-              <a:rPr lang="nl-NL" sz="1100" b="0" dirty="0" err="1">
-                <a:solidFill>
-                  <a:srgbClr val="6A9955"/>
-                </a:solidFill>
-                <a:effectLst/>
-                <a:latin typeface="Consolas" panose="020B0609020204030204" pitchFamily="49" charset="0"/>
-              </a:rPr>
-              <a:t>Combustor</a:t>
-            </a:r>
-            <a:r>
-              <a:rPr lang="nl-NL" sz="1100" b="0" dirty="0">
-                <a:solidFill>
-                  <a:srgbClr val="6A9955"/>
-                </a:solidFill>
-                <a:effectLst/>
-                <a:latin typeface="Consolas" panose="020B0609020204030204" pitchFamily="49" charset="0"/>
-              </a:rPr>
-              <a:t> ******************************************************</a:t>
-            </a:r>
-            <a:endParaRPr lang="nl-NL" sz="1100" b="0" dirty="0">
-              <a:solidFill>
-                <a:srgbClr val="CCCCCC"/>
-              </a:solidFill>
-              <a:effectLst/>
-              <a:latin typeface="Consolas" panose="020B0609020204030204" pitchFamily="49" charset="0"/>
-            </a:endParaRPr>
-          </a:p>
-          <a:p>
-            <a:pPr marL="0" indent="0">
-              <a:lnSpc>
-                <a:spcPts val="1425"/>
-              </a:lnSpc>
-              <a:buNone/>
-            </a:pPr>
-            <a:r>
-              <a:rPr lang="nl-NL" sz="1100" b="0" dirty="0">
-                <a:solidFill>
-                  <a:srgbClr val="CCCCCC"/>
-                </a:solidFill>
-                <a:effectLst/>
-                <a:latin typeface="Consolas" panose="020B0609020204030204" pitchFamily="49" charset="0"/>
-              </a:rPr>
-              <a:t>    </a:t>
-            </a:r>
-            <a:r>
-              <a:rPr lang="nl-NL" sz="1100" b="0" dirty="0">
-                <a:solidFill>
-                  <a:srgbClr val="6A9955"/>
-                </a:solidFill>
-                <a:effectLst/>
-                <a:latin typeface="Consolas" panose="020B0609020204030204" pitchFamily="49" charset="0"/>
-              </a:rPr>
-              <a:t># </a:t>
-            </a:r>
-            <a:r>
-              <a:rPr lang="nl-NL" sz="1100" b="0" dirty="0" err="1">
-                <a:solidFill>
-                  <a:srgbClr val="6A9955"/>
-                </a:solidFill>
-                <a:effectLst/>
-                <a:latin typeface="Consolas" panose="020B0609020204030204" pitchFamily="49" charset="0"/>
-              </a:rPr>
-              <a:t>fuel</a:t>
-            </a:r>
-            <a:r>
-              <a:rPr lang="nl-NL" sz="1100" b="0" dirty="0">
-                <a:solidFill>
-                  <a:srgbClr val="6A9955"/>
-                </a:solidFill>
-                <a:effectLst/>
-                <a:latin typeface="Consolas" panose="020B0609020204030204" pitchFamily="49" charset="0"/>
-              </a:rPr>
-              <a:t> input</a:t>
-            </a:r>
-            <a:endParaRPr lang="nl-NL" sz="1100" b="0" dirty="0">
-              <a:solidFill>
-                <a:srgbClr val="CCCCCC"/>
-              </a:solidFill>
-              <a:effectLst/>
-              <a:latin typeface="Consolas" panose="020B0609020204030204" pitchFamily="49" charset="0"/>
-            </a:endParaRPr>
-          </a:p>
-          <a:p>
-            <a:pPr marL="0" indent="0">
-              <a:lnSpc>
-                <a:spcPts val="1425"/>
-              </a:lnSpc>
-              <a:buNone/>
-            </a:pPr>
-            <a:r>
-              <a:rPr lang="nl-NL" sz="1100" b="0" dirty="0">
-                <a:solidFill>
-                  <a:srgbClr val="CCCCCC"/>
-                </a:solidFill>
-                <a:effectLst/>
-                <a:latin typeface="Consolas" panose="020B0609020204030204" pitchFamily="49" charset="0"/>
-              </a:rPr>
-              <a:t>    </a:t>
-            </a:r>
-            <a:r>
-              <a:rPr lang="nl-NL" sz="1100" b="0" dirty="0">
-                <a:solidFill>
-                  <a:srgbClr val="9CDCFE"/>
-                </a:solidFill>
-                <a:effectLst/>
-                <a:latin typeface="Consolas" panose="020B0609020204030204" pitchFamily="49" charset="0"/>
-              </a:rPr>
-              <a:t>combustor1</a:t>
-            </a:r>
-            <a:r>
-              <a:rPr lang="nl-NL" sz="1100" b="0" dirty="0">
-                <a:solidFill>
-                  <a:srgbClr val="CCCCCC"/>
-                </a:solidFill>
-                <a:effectLst/>
-                <a:latin typeface="Consolas" panose="020B0609020204030204" pitchFamily="49" charset="0"/>
-              </a:rPr>
-              <a:t> </a:t>
-            </a:r>
-            <a:r>
-              <a:rPr lang="nl-NL" sz="1100" b="0" dirty="0">
-                <a:solidFill>
-                  <a:srgbClr val="D4D4D4"/>
-                </a:solidFill>
-                <a:effectLst/>
-                <a:latin typeface="Consolas" panose="020B0609020204030204" pitchFamily="49" charset="0"/>
-              </a:rPr>
-              <a:t>=</a:t>
-            </a:r>
-            <a:r>
-              <a:rPr lang="nl-NL" sz="1100" b="0" dirty="0">
-                <a:solidFill>
-                  <a:srgbClr val="CCCCCC"/>
-                </a:solidFill>
-                <a:effectLst/>
-                <a:latin typeface="Consolas" panose="020B0609020204030204" pitchFamily="49" charset="0"/>
-              </a:rPr>
-              <a:t> </a:t>
-            </a:r>
-            <a:r>
-              <a:rPr lang="nl-NL" sz="1100" b="0" dirty="0" err="1">
-                <a:solidFill>
-                  <a:srgbClr val="4EC9B0"/>
-                </a:solidFill>
-                <a:effectLst/>
-                <a:latin typeface="Consolas" panose="020B0609020204030204" pitchFamily="49" charset="0"/>
-              </a:rPr>
-              <a:t>TCombustor</a:t>
-            </a:r>
-            <a:r>
-              <a:rPr lang="nl-NL" sz="1100" b="0" dirty="0">
-                <a:solidFill>
-                  <a:srgbClr val="CCCCCC"/>
-                </a:solidFill>
-                <a:effectLst/>
-                <a:latin typeface="Consolas" panose="020B0609020204030204" pitchFamily="49" charset="0"/>
-              </a:rPr>
-              <a:t>(</a:t>
-            </a:r>
-            <a:r>
-              <a:rPr lang="nl-NL" sz="1100" b="0" dirty="0">
-                <a:solidFill>
-                  <a:srgbClr val="CE9178"/>
-                </a:solidFill>
-                <a:effectLst/>
-                <a:latin typeface="Consolas" panose="020B0609020204030204" pitchFamily="49" charset="0"/>
-              </a:rPr>
-              <a:t>'combustor1'</a:t>
-            </a:r>
-            <a:r>
-              <a:rPr lang="nl-NL" sz="1100" b="0" dirty="0">
-                <a:solidFill>
-                  <a:srgbClr val="CCCCCC"/>
-                </a:solidFill>
-                <a:effectLst/>
-                <a:latin typeface="Consolas" panose="020B0609020204030204" pitchFamily="49" charset="0"/>
-              </a:rPr>
-              <a:t>, </a:t>
-            </a:r>
-            <a:r>
-              <a:rPr lang="nl-NL" sz="1100" b="0" dirty="0">
-                <a:solidFill>
-                  <a:srgbClr val="CE9178"/>
-                </a:solidFill>
-                <a:effectLst/>
-                <a:latin typeface="Consolas" panose="020B0609020204030204" pitchFamily="49" charset="0"/>
-              </a:rPr>
-              <a:t>''</a:t>
-            </a:r>
-            <a:r>
-              <a:rPr lang="nl-NL" sz="1100" b="0" dirty="0">
-                <a:solidFill>
-                  <a:srgbClr val="CCCCCC"/>
-                </a:solidFill>
-                <a:effectLst/>
-                <a:latin typeface="Consolas" panose="020B0609020204030204" pitchFamily="49" charset="0"/>
-              </a:rPr>
-              <a:t>, </a:t>
-            </a:r>
-            <a:r>
-              <a:rPr lang="nl-NL" sz="1100" b="0" dirty="0">
-                <a:solidFill>
-                  <a:srgbClr val="B5CEA8"/>
-                </a:solidFill>
-                <a:effectLst/>
-                <a:latin typeface="Consolas" panose="020B0609020204030204" pitchFamily="49" charset="0"/>
-              </a:rPr>
-              <a:t>3</a:t>
-            </a:r>
-            <a:r>
-              <a:rPr lang="nl-NL" sz="1100" b="0" dirty="0">
-                <a:solidFill>
-                  <a:srgbClr val="CCCCCC"/>
-                </a:solidFill>
-                <a:effectLst/>
-                <a:latin typeface="Consolas" panose="020B0609020204030204" pitchFamily="49" charset="0"/>
-              </a:rPr>
-              <a:t>, </a:t>
-            </a:r>
-            <a:r>
-              <a:rPr lang="nl-NL" sz="1100" b="0" dirty="0">
-                <a:solidFill>
-                  <a:srgbClr val="B5CEA8"/>
-                </a:solidFill>
-                <a:effectLst/>
-                <a:latin typeface="Consolas" panose="020B0609020204030204" pitchFamily="49" charset="0"/>
-              </a:rPr>
-              <a:t>4</a:t>
-            </a:r>
-            <a:r>
-              <a:rPr lang="nl-NL" sz="1100" b="0" dirty="0">
-                <a:solidFill>
-                  <a:srgbClr val="CCCCCC"/>
-                </a:solidFill>
-                <a:effectLst/>
-                <a:latin typeface="Consolas" panose="020B0609020204030204" pitchFamily="49" charset="0"/>
-              </a:rPr>
-              <a:t>, </a:t>
-            </a:r>
-            <a:r>
-              <a:rPr lang="nl-NL" sz="1100" b="0" dirty="0">
-                <a:solidFill>
-                  <a:srgbClr val="B5CEA8"/>
-                </a:solidFill>
-                <a:effectLst/>
-                <a:latin typeface="Consolas" panose="020B0609020204030204" pitchFamily="49" charset="0"/>
-              </a:rPr>
-              <a:t>0.38</a:t>
-            </a:r>
-            <a:r>
-              <a:rPr lang="nl-NL" sz="1100" b="0" dirty="0">
-                <a:solidFill>
-                  <a:srgbClr val="CCCCCC"/>
-                </a:solidFill>
-                <a:effectLst/>
-                <a:latin typeface="Consolas" panose="020B0609020204030204" pitchFamily="49" charset="0"/>
-              </a:rPr>
-              <a:t>, </a:t>
-            </a:r>
-            <a:r>
-              <a:rPr lang="nl-NL" sz="1100" b="0" dirty="0">
-                <a:solidFill>
-                  <a:srgbClr val="569CD6"/>
-                </a:solidFill>
-                <a:effectLst/>
-                <a:latin typeface="Consolas" panose="020B0609020204030204" pitchFamily="49" charset="0"/>
-              </a:rPr>
-              <a:t>None</a:t>
-            </a:r>
-            <a:r>
-              <a:rPr lang="nl-NL" sz="1100" b="0" dirty="0">
-                <a:solidFill>
-                  <a:srgbClr val="CCCCCC"/>
-                </a:solidFill>
-                <a:effectLst/>
-                <a:latin typeface="Consolas" panose="020B0609020204030204" pitchFamily="49" charset="0"/>
-              </a:rPr>
-              <a:t>, </a:t>
-            </a:r>
-            <a:r>
-              <a:rPr lang="nl-NL" sz="1100" b="0" dirty="0">
-                <a:solidFill>
-                  <a:srgbClr val="B5CEA8"/>
-                </a:solidFill>
-                <a:effectLst/>
-                <a:latin typeface="Consolas" panose="020B0609020204030204" pitchFamily="49" charset="0"/>
-              </a:rPr>
-              <a:t>1</a:t>
-            </a:r>
-            <a:r>
-              <a:rPr lang="nl-NL" sz="1100" b="0" dirty="0">
-                <a:solidFill>
-                  <a:srgbClr val="CCCCCC"/>
-                </a:solidFill>
-                <a:effectLst/>
-                <a:latin typeface="Consolas" panose="020B0609020204030204" pitchFamily="49" charset="0"/>
-              </a:rPr>
-              <a:t>, </a:t>
-            </a:r>
-            <a:r>
-              <a:rPr lang="nl-NL" sz="1100" b="0" dirty="0">
-                <a:solidFill>
-                  <a:srgbClr val="B5CEA8"/>
-                </a:solidFill>
-                <a:effectLst/>
-                <a:latin typeface="Consolas" panose="020B0609020204030204" pitchFamily="49" charset="0"/>
-              </a:rPr>
-              <a:t>1</a:t>
-            </a:r>
-            <a:r>
-              <a:rPr lang="nl-NL" sz="1100" b="0" dirty="0">
-                <a:solidFill>
-                  <a:srgbClr val="CCCCCC"/>
-                </a:solidFill>
-                <a:effectLst/>
-                <a:latin typeface="Consolas" panose="020B0609020204030204" pitchFamily="49" charset="0"/>
-              </a:rPr>
-              <a:t>, </a:t>
-            </a:r>
-            <a:r>
-              <a:rPr lang="nl-NL" sz="1100" b="0" dirty="0">
-                <a:solidFill>
-                  <a:srgbClr val="569CD6"/>
-                </a:solidFill>
-                <a:effectLst/>
-                <a:latin typeface="Consolas" panose="020B0609020204030204" pitchFamily="49" charset="0"/>
-              </a:rPr>
-              <a:t>None</a:t>
-            </a:r>
-            <a:r>
-              <a:rPr lang="nl-NL" sz="1100" b="0" dirty="0">
-                <a:solidFill>
-                  <a:srgbClr val="CCCCCC"/>
-                </a:solidFill>
-                <a:effectLst/>
-                <a:latin typeface="Consolas" panose="020B0609020204030204" pitchFamily="49" charset="0"/>
-              </a:rPr>
-              <a:t>,      </a:t>
-            </a:r>
-            <a:r>
-              <a:rPr lang="nl-NL" sz="1100" b="0" dirty="0">
-                <a:solidFill>
-                  <a:srgbClr val="B5CEA8"/>
-                </a:solidFill>
-                <a:effectLst/>
-                <a:latin typeface="Consolas" panose="020B0609020204030204" pitchFamily="49" charset="0"/>
-              </a:rPr>
-              <a:t>43031</a:t>
-            </a:r>
-            <a:r>
-              <a:rPr lang="nl-NL" sz="1100" b="0" dirty="0">
-                <a:solidFill>
-                  <a:srgbClr val="CCCCCC"/>
-                </a:solidFill>
-                <a:effectLst/>
-                <a:latin typeface="Consolas" panose="020B0609020204030204" pitchFamily="49" charset="0"/>
-              </a:rPr>
-              <a:t>, </a:t>
-            </a:r>
-            <a:r>
-              <a:rPr lang="nl-NL" sz="1100" b="0" dirty="0">
-                <a:solidFill>
-                  <a:srgbClr val="B5CEA8"/>
-                </a:solidFill>
-                <a:effectLst/>
-                <a:latin typeface="Consolas" panose="020B0609020204030204" pitchFamily="49" charset="0"/>
-              </a:rPr>
-              <a:t>1.9167</a:t>
-            </a:r>
-            <a:r>
-              <a:rPr lang="nl-NL" sz="1100" b="0" dirty="0">
-                <a:solidFill>
-                  <a:srgbClr val="CCCCCC"/>
-                </a:solidFill>
-                <a:effectLst/>
-                <a:latin typeface="Consolas" panose="020B0609020204030204" pitchFamily="49" charset="0"/>
-              </a:rPr>
-              <a:t>, </a:t>
-            </a:r>
-            <a:r>
-              <a:rPr lang="nl-NL" sz="1100" b="0" dirty="0">
-                <a:solidFill>
-                  <a:srgbClr val="B5CEA8"/>
-                </a:solidFill>
-                <a:effectLst/>
-                <a:latin typeface="Consolas" panose="020B0609020204030204" pitchFamily="49" charset="0"/>
-              </a:rPr>
-              <a:t>0</a:t>
-            </a:r>
-            <a:r>
-              <a:rPr lang="nl-NL" sz="1100" b="0" dirty="0">
-                <a:solidFill>
-                  <a:srgbClr val="CCCCCC"/>
-                </a:solidFill>
-                <a:effectLst/>
-                <a:latin typeface="Consolas" panose="020B0609020204030204" pitchFamily="49" charset="0"/>
-              </a:rPr>
-              <a:t>, </a:t>
-            </a:r>
-            <a:r>
-              <a:rPr lang="nl-NL" sz="1100" b="0" dirty="0">
-                <a:solidFill>
-                  <a:srgbClr val="CE9178"/>
-                </a:solidFill>
-                <a:effectLst/>
-                <a:latin typeface="Consolas" panose="020B0609020204030204" pitchFamily="49" charset="0"/>
-              </a:rPr>
-              <a:t>''</a:t>
-            </a:r>
-            <a:r>
-              <a:rPr lang="nl-NL" sz="1100" b="0" dirty="0">
-                <a:solidFill>
-                  <a:srgbClr val="CCCCCC"/>
-                </a:solidFill>
-                <a:effectLst/>
-                <a:latin typeface="Consolas" panose="020B0609020204030204" pitchFamily="49" charset="0"/>
-              </a:rPr>
-              <a:t>)</a:t>
-            </a:r>
-          </a:p>
-          <a:p>
-            <a:pPr marL="0" indent="0">
-              <a:lnSpc>
-                <a:spcPts val="1425"/>
-              </a:lnSpc>
-              <a:buNone/>
-            </a:pPr>
-            <a:r>
-              <a:rPr lang="nl-NL" sz="1100" b="0" dirty="0">
-                <a:solidFill>
-                  <a:srgbClr val="CCCCCC"/>
-                </a:solidFill>
-                <a:effectLst/>
-                <a:latin typeface="Consolas" panose="020B0609020204030204" pitchFamily="49" charset="0"/>
-              </a:rPr>
-              <a:t>   </a:t>
-            </a:r>
-            <a:br>
-              <a:rPr lang="nl-NL" sz="1100" b="0" dirty="0">
-                <a:solidFill>
-                  <a:srgbClr val="CCCCCC"/>
-                </a:solidFill>
-                <a:effectLst/>
-                <a:latin typeface="Consolas" panose="020B0609020204030204" pitchFamily="49" charset="0"/>
-              </a:rPr>
-            </a:br>
-            <a:r>
-              <a:rPr lang="nl-NL" sz="1100" b="0" dirty="0">
-                <a:solidFill>
-                  <a:srgbClr val="CCCCCC"/>
-                </a:solidFill>
-                <a:effectLst/>
-                <a:latin typeface="Consolas" panose="020B0609020204030204" pitchFamily="49" charset="0"/>
-              </a:rPr>
-              <a:t>    </a:t>
-            </a:r>
-            <a:r>
-              <a:rPr lang="nl-NL" sz="1100" b="0" dirty="0">
-                <a:solidFill>
-                  <a:srgbClr val="9CDCFE"/>
-                </a:solidFill>
-                <a:effectLst/>
-                <a:latin typeface="Consolas" panose="020B0609020204030204" pitchFamily="49" charset="0"/>
-              </a:rPr>
-              <a:t>compressor1</a:t>
-            </a:r>
-            <a:r>
-              <a:rPr lang="nl-NL" sz="1100" b="0" dirty="0">
-                <a:solidFill>
-                  <a:srgbClr val="CCCCCC"/>
-                </a:solidFill>
-                <a:effectLst/>
-                <a:latin typeface="Consolas" panose="020B0609020204030204" pitchFamily="49" charset="0"/>
-              </a:rPr>
-              <a:t> </a:t>
-            </a:r>
-            <a:r>
-              <a:rPr lang="nl-NL" sz="1100" b="0" dirty="0">
-                <a:solidFill>
-                  <a:srgbClr val="D4D4D4"/>
-                </a:solidFill>
-                <a:effectLst/>
-                <a:latin typeface="Consolas" panose="020B0609020204030204" pitchFamily="49" charset="0"/>
-              </a:rPr>
-              <a:t>=</a:t>
-            </a:r>
-            <a:r>
-              <a:rPr lang="nl-NL" sz="1100" b="0" dirty="0">
-                <a:solidFill>
-                  <a:srgbClr val="CCCCCC"/>
-                </a:solidFill>
-                <a:effectLst/>
-                <a:latin typeface="Consolas" panose="020B0609020204030204" pitchFamily="49" charset="0"/>
-              </a:rPr>
-              <a:t> </a:t>
-            </a:r>
-            <a:r>
-              <a:rPr lang="nl-NL" sz="1100" b="0" dirty="0" err="1">
-                <a:solidFill>
-                  <a:srgbClr val="4EC9B0"/>
-                </a:solidFill>
-                <a:effectLst/>
-                <a:latin typeface="Consolas" panose="020B0609020204030204" pitchFamily="49" charset="0"/>
-              </a:rPr>
-              <a:t>TCompressor</a:t>
-            </a:r>
-            <a:r>
-              <a:rPr lang="nl-NL" sz="1100" b="0" dirty="0">
-                <a:solidFill>
-                  <a:srgbClr val="CCCCCC"/>
-                </a:solidFill>
-                <a:effectLst/>
-                <a:latin typeface="Consolas" panose="020B0609020204030204" pitchFamily="49" charset="0"/>
-              </a:rPr>
-              <a:t>(</a:t>
-            </a:r>
-            <a:r>
-              <a:rPr lang="nl-NL" sz="1100" b="0" dirty="0">
-                <a:solidFill>
-                  <a:srgbClr val="CE9178"/>
-                </a:solidFill>
-                <a:effectLst/>
-                <a:latin typeface="Consolas" panose="020B0609020204030204" pitchFamily="49" charset="0"/>
-              </a:rPr>
-              <a:t>'compressor1'</a:t>
-            </a:r>
-            <a:r>
-              <a:rPr lang="nl-NL" sz="1100" b="0" dirty="0">
-                <a:solidFill>
-                  <a:srgbClr val="CCCCCC"/>
-                </a:solidFill>
-                <a:effectLst/>
-                <a:latin typeface="Consolas" panose="020B0609020204030204" pitchFamily="49" charset="0"/>
-              </a:rPr>
-              <a:t>,</a:t>
-            </a:r>
-            <a:r>
-              <a:rPr lang="nl-NL" sz="1100" b="0" dirty="0">
-                <a:solidFill>
-                  <a:srgbClr val="CE9178"/>
-                </a:solidFill>
-                <a:effectLst/>
-                <a:latin typeface="Consolas" panose="020B0609020204030204" pitchFamily="49" charset="0"/>
-              </a:rPr>
-              <a:t>'compmap.map'</a:t>
-            </a:r>
-            <a:r>
-              <a:rPr lang="nl-NL" sz="1100" b="0" dirty="0">
-                <a:solidFill>
-                  <a:srgbClr val="CCCCCC"/>
-                </a:solidFill>
-                <a:effectLst/>
-                <a:latin typeface="Consolas" panose="020B0609020204030204" pitchFamily="49" charset="0"/>
-              </a:rPr>
-              <a:t> , </a:t>
-            </a:r>
-            <a:r>
-              <a:rPr lang="nl-NL" sz="1100" b="0" dirty="0">
-                <a:solidFill>
-                  <a:srgbClr val="B5CEA8"/>
-                </a:solidFill>
-                <a:effectLst/>
-                <a:latin typeface="Consolas" panose="020B0609020204030204" pitchFamily="49" charset="0"/>
-              </a:rPr>
-              <a:t>2</a:t>
-            </a:r>
-            <a:r>
-              <a:rPr lang="nl-NL" sz="1100" b="0" dirty="0">
-                <a:solidFill>
-                  <a:srgbClr val="CCCCCC"/>
-                </a:solidFill>
-                <a:effectLst/>
-                <a:latin typeface="Consolas" panose="020B0609020204030204" pitchFamily="49" charset="0"/>
-              </a:rPr>
-              <a:t>, </a:t>
-            </a:r>
-            <a:r>
-              <a:rPr lang="nl-NL" sz="1100" b="0" dirty="0">
-                <a:solidFill>
-                  <a:srgbClr val="B5CEA8"/>
-                </a:solidFill>
-                <a:effectLst/>
-                <a:latin typeface="Consolas" panose="020B0609020204030204" pitchFamily="49" charset="0"/>
-              </a:rPr>
-              <a:t>3</a:t>
-            </a:r>
-            <a:r>
-              <a:rPr lang="nl-NL" sz="1100" b="0" dirty="0">
-                <a:solidFill>
-                  <a:srgbClr val="CCCCCC"/>
-                </a:solidFill>
-                <a:effectLst/>
-                <a:latin typeface="Consolas" panose="020B0609020204030204" pitchFamily="49" charset="0"/>
-              </a:rPr>
-              <a:t>, </a:t>
-            </a:r>
-            <a:r>
-              <a:rPr lang="nl-NL" sz="1100" b="0" dirty="0">
-                <a:solidFill>
-                  <a:srgbClr val="B5CEA8"/>
-                </a:solidFill>
-                <a:effectLst/>
-                <a:latin typeface="Consolas" panose="020B0609020204030204" pitchFamily="49" charset="0"/>
-              </a:rPr>
-              <a:t>1</a:t>
-            </a:r>
-            <a:r>
-              <a:rPr lang="nl-NL" sz="1100" b="0" dirty="0">
-                <a:solidFill>
-                  <a:srgbClr val="CCCCCC"/>
-                </a:solidFill>
-                <a:effectLst/>
-                <a:latin typeface="Consolas" panose="020B0609020204030204" pitchFamily="49" charset="0"/>
-              </a:rPr>
-              <a:t>, </a:t>
-            </a:r>
-            <a:r>
-              <a:rPr lang="nl-NL" sz="1100" b="0" dirty="0">
-                <a:solidFill>
-                  <a:srgbClr val="B5CEA8"/>
-                </a:solidFill>
-                <a:effectLst/>
-                <a:latin typeface="Consolas" panose="020B0609020204030204" pitchFamily="49" charset="0"/>
-              </a:rPr>
-              <a:t>16540</a:t>
-            </a:r>
-            <a:r>
-              <a:rPr lang="nl-NL" sz="1100" b="0" dirty="0">
-                <a:solidFill>
-                  <a:srgbClr val="CCCCCC"/>
-                </a:solidFill>
-                <a:effectLst/>
-                <a:latin typeface="Consolas" panose="020B0609020204030204" pitchFamily="49" charset="0"/>
-              </a:rPr>
-              <a:t>, </a:t>
-            </a:r>
-            <a:r>
-              <a:rPr lang="nl-NL" sz="1100" b="0" dirty="0">
-                <a:solidFill>
-                  <a:srgbClr val="B5CEA8"/>
-                </a:solidFill>
-                <a:effectLst/>
-                <a:latin typeface="Consolas" panose="020B0609020204030204" pitchFamily="49" charset="0"/>
-              </a:rPr>
-              <a:t>0.825</a:t>
-            </a:r>
-            <a:r>
-              <a:rPr lang="nl-NL" sz="1100" b="0" dirty="0">
-                <a:solidFill>
-                  <a:srgbClr val="CCCCCC"/>
-                </a:solidFill>
-                <a:effectLst/>
-                <a:latin typeface="Consolas" panose="020B0609020204030204" pitchFamily="49" charset="0"/>
-              </a:rPr>
-              <a:t>, </a:t>
-            </a:r>
-            <a:r>
-              <a:rPr lang="nl-NL" sz="1100" b="0" dirty="0">
-                <a:solidFill>
-                  <a:srgbClr val="B5CEA8"/>
-                </a:solidFill>
-                <a:effectLst/>
-                <a:latin typeface="Consolas" panose="020B0609020204030204" pitchFamily="49" charset="0"/>
-              </a:rPr>
-              <a:t>1</a:t>
-            </a:r>
-            <a:r>
-              <a:rPr lang="nl-NL" sz="1100" b="0" dirty="0">
-                <a:solidFill>
-                  <a:srgbClr val="CCCCCC"/>
-                </a:solidFill>
-                <a:effectLst/>
-                <a:latin typeface="Consolas" panose="020B0609020204030204" pitchFamily="49" charset="0"/>
-              </a:rPr>
-              <a:t>, </a:t>
-            </a:r>
-            <a:r>
-              <a:rPr lang="nl-NL" sz="1100" b="0" dirty="0">
-                <a:solidFill>
-                  <a:srgbClr val="B5CEA8"/>
-                </a:solidFill>
-                <a:effectLst/>
-                <a:latin typeface="Consolas" panose="020B0609020204030204" pitchFamily="49" charset="0"/>
-              </a:rPr>
-              <a:t>0.75</a:t>
-            </a:r>
-            <a:r>
-              <a:rPr lang="nl-NL" sz="1100" b="0" dirty="0">
-                <a:solidFill>
-                  <a:srgbClr val="CCCCCC"/>
-                </a:solidFill>
-                <a:effectLst/>
-                <a:latin typeface="Consolas" panose="020B0609020204030204" pitchFamily="49" charset="0"/>
-              </a:rPr>
-              <a:t>   , </a:t>
-            </a:r>
-            <a:r>
-              <a:rPr lang="nl-NL" sz="1100" b="0" dirty="0">
-                <a:solidFill>
-                  <a:srgbClr val="B5CEA8"/>
-                </a:solidFill>
-                <a:effectLst/>
-                <a:latin typeface="Consolas" panose="020B0609020204030204" pitchFamily="49" charset="0"/>
-              </a:rPr>
-              <a:t>6.92</a:t>
-            </a:r>
-            <a:r>
-              <a:rPr lang="nl-NL" sz="1100" b="0" dirty="0">
-                <a:solidFill>
-                  <a:srgbClr val="CCCCCC"/>
-                </a:solidFill>
-                <a:effectLst/>
-                <a:latin typeface="Consolas" panose="020B0609020204030204" pitchFamily="49" charset="0"/>
-              </a:rPr>
-              <a:t>, </a:t>
-            </a:r>
-            <a:r>
-              <a:rPr lang="nl-NL" sz="1100" b="0" dirty="0">
-                <a:solidFill>
-                  <a:srgbClr val="CE9178"/>
-                </a:solidFill>
-                <a:effectLst/>
-                <a:latin typeface="Consolas" panose="020B0609020204030204" pitchFamily="49" charset="0"/>
-              </a:rPr>
-              <a:t>'GG'</a:t>
-            </a:r>
-            <a:r>
-              <a:rPr lang="nl-NL" sz="1100" b="0" dirty="0">
-                <a:solidFill>
-                  <a:srgbClr val="CCCCCC"/>
-                </a:solidFill>
-                <a:effectLst/>
-                <a:latin typeface="Consolas" panose="020B0609020204030204" pitchFamily="49" charset="0"/>
-              </a:rPr>
-              <a:t>)</a:t>
-            </a:r>
-          </a:p>
-          <a:p>
-            <a:pPr marL="0" indent="0">
-              <a:lnSpc>
-                <a:spcPts val="1425"/>
-              </a:lnSpc>
-              <a:buNone/>
-            </a:pPr>
-            <a:r>
-              <a:rPr lang="nl-NL" sz="1100" b="0" dirty="0">
-                <a:solidFill>
-                  <a:srgbClr val="CCCCCC"/>
-                </a:solidFill>
-                <a:effectLst/>
-                <a:latin typeface="Consolas" panose="020B0609020204030204" pitchFamily="49" charset="0"/>
-              </a:rPr>
-              <a:t>    </a:t>
-            </a:r>
-            <a:r>
-              <a:rPr lang="nl-NL" sz="1100" b="0" dirty="0">
-                <a:solidFill>
-                  <a:srgbClr val="9CDCFE"/>
-                </a:solidFill>
-                <a:effectLst/>
-                <a:latin typeface="Consolas" panose="020B0609020204030204" pitchFamily="49" charset="0"/>
-              </a:rPr>
-              <a:t>turbine1</a:t>
-            </a:r>
-            <a:r>
-              <a:rPr lang="nl-NL" sz="1100" b="0" dirty="0">
-                <a:solidFill>
-                  <a:srgbClr val="CCCCCC"/>
-                </a:solidFill>
-                <a:effectLst/>
-                <a:latin typeface="Consolas" panose="020B0609020204030204" pitchFamily="49" charset="0"/>
-              </a:rPr>
-              <a:t> </a:t>
-            </a:r>
-            <a:r>
-              <a:rPr lang="nl-NL" sz="1100" b="0" dirty="0">
-                <a:solidFill>
-                  <a:srgbClr val="D4D4D4"/>
-                </a:solidFill>
-                <a:effectLst/>
-                <a:latin typeface="Consolas" panose="020B0609020204030204" pitchFamily="49" charset="0"/>
-              </a:rPr>
-              <a:t>=</a:t>
-            </a:r>
-            <a:r>
-              <a:rPr lang="nl-NL" sz="1100" b="0" dirty="0">
-                <a:solidFill>
-                  <a:srgbClr val="CCCCCC"/>
-                </a:solidFill>
-                <a:effectLst/>
-                <a:latin typeface="Consolas" panose="020B0609020204030204" pitchFamily="49" charset="0"/>
-              </a:rPr>
-              <a:t>    </a:t>
-            </a:r>
-            <a:r>
-              <a:rPr lang="nl-NL" sz="1100" b="0" dirty="0" err="1">
-                <a:solidFill>
-                  <a:srgbClr val="4EC9B0"/>
-                </a:solidFill>
-                <a:effectLst/>
-                <a:latin typeface="Consolas" panose="020B0609020204030204" pitchFamily="49" charset="0"/>
-              </a:rPr>
-              <a:t>TTurbine</a:t>
-            </a:r>
-            <a:r>
-              <a:rPr lang="nl-NL" sz="1100" b="0" dirty="0">
-                <a:solidFill>
-                  <a:srgbClr val="CCCCCC"/>
-                </a:solidFill>
-                <a:effectLst/>
-                <a:latin typeface="Consolas" panose="020B0609020204030204" pitchFamily="49" charset="0"/>
-              </a:rPr>
-              <a:t>(   </a:t>
-            </a:r>
-            <a:r>
-              <a:rPr lang="nl-NL" sz="1100" b="0" dirty="0">
-                <a:solidFill>
-                  <a:srgbClr val="CE9178"/>
-                </a:solidFill>
-                <a:effectLst/>
-                <a:latin typeface="Consolas" panose="020B0609020204030204" pitchFamily="49" charset="0"/>
-              </a:rPr>
-              <a:t>'turbine1'</a:t>
-            </a:r>
-            <a:r>
-              <a:rPr lang="nl-NL" sz="1100" b="0" dirty="0">
-                <a:solidFill>
-                  <a:srgbClr val="CCCCCC"/>
-                </a:solidFill>
-                <a:effectLst/>
-                <a:latin typeface="Consolas" panose="020B0609020204030204" pitchFamily="49" charset="0"/>
-              </a:rPr>
-              <a:t>   ,</a:t>
-            </a:r>
-            <a:r>
-              <a:rPr lang="nl-NL" sz="1100" b="0" dirty="0">
-                <a:solidFill>
-                  <a:srgbClr val="CE9178"/>
-                </a:solidFill>
-                <a:effectLst/>
-                <a:latin typeface="Consolas" panose="020B0609020204030204" pitchFamily="49" charset="0"/>
-              </a:rPr>
-              <a:t>'</a:t>
-            </a:r>
-            <a:r>
-              <a:rPr lang="nl-NL" sz="1100" b="0" dirty="0" err="1">
-                <a:solidFill>
-                  <a:srgbClr val="CE9178"/>
-                </a:solidFill>
-                <a:effectLst/>
-                <a:latin typeface="Consolas" panose="020B0609020204030204" pitchFamily="49" charset="0"/>
-              </a:rPr>
-              <a:t>turbimap.map</a:t>
-            </a:r>
-            <a:r>
-              <a:rPr lang="nl-NL" sz="1100" b="0" dirty="0">
-                <a:solidFill>
-                  <a:srgbClr val="CE9178"/>
-                </a:solidFill>
-                <a:effectLst/>
-                <a:latin typeface="Consolas" panose="020B0609020204030204" pitchFamily="49" charset="0"/>
-              </a:rPr>
-              <a:t>'</a:t>
-            </a:r>
-            <a:r>
-              <a:rPr lang="nl-NL" sz="1100" b="0" dirty="0">
-                <a:solidFill>
-                  <a:srgbClr val="CCCCCC"/>
-                </a:solidFill>
-                <a:effectLst/>
-                <a:latin typeface="Consolas" panose="020B0609020204030204" pitchFamily="49" charset="0"/>
-              </a:rPr>
-              <a:t>, </a:t>
-            </a:r>
-            <a:r>
-              <a:rPr lang="nl-NL" sz="1100" b="0" dirty="0">
-                <a:solidFill>
-                  <a:srgbClr val="B5CEA8"/>
-                </a:solidFill>
-                <a:effectLst/>
-                <a:latin typeface="Consolas" panose="020B0609020204030204" pitchFamily="49" charset="0"/>
-              </a:rPr>
-              <a:t>4</a:t>
-            </a:r>
-            <a:r>
-              <a:rPr lang="nl-NL" sz="1100" b="0" dirty="0">
-                <a:solidFill>
-                  <a:srgbClr val="CCCCCC"/>
-                </a:solidFill>
-                <a:effectLst/>
-                <a:latin typeface="Consolas" panose="020B0609020204030204" pitchFamily="49" charset="0"/>
-              </a:rPr>
-              <a:t>, </a:t>
-            </a:r>
-            <a:r>
-              <a:rPr lang="nl-NL" sz="1100" b="0" dirty="0">
-                <a:solidFill>
-                  <a:srgbClr val="B5CEA8"/>
-                </a:solidFill>
-                <a:effectLst/>
-                <a:latin typeface="Consolas" panose="020B0609020204030204" pitchFamily="49" charset="0"/>
-              </a:rPr>
-              <a:t>5</a:t>
-            </a:r>
-            <a:r>
-              <a:rPr lang="nl-NL" sz="1100" b="0" dirty="0">
-                <a:solidFill>
-                  <a:srgbClr val="CCCCCC"/>
-                </a:solidFill>
-                <a:effectLst/>
-                <a:latin typeface="Consolas" panose="020B0609020204030204" pitchFamily="49" charset="0"/>
-              </a:rPr>
-              <a:t>, </a:t>
-            </a:r>
-            <a:r>
-              <a:rPr lang="nl-NL" sz="1100" b="0" dirty="0">
-                <a:solidFill>
-                  <a:srgbClr val="B5CEA8"/>
-                </a:solidFill>
-                <a:effectLst/>
-                <a:latin typeface="Consolas" panose="020B0609020204030204" pitchFamily="49" charset="0"/>
-              </a:rPr>
-              <a:t>1</a:t>
-            </a:r>
-            <a:r>
-              <a:rPr lang="nl-NL" sz="1100" b="0" dirty="0">
-                <a:solidFill>
-                  <a:srgbClr val="CCCCCC"/>
-                </a:solidFill>
-                <a:effectLst/>
-                <a:latin typeface="Consolas" panose="020B0609020204030204" pitchFamily="49" charset="0"/>
-              </a:rPr>
-              <a:t>, </a:t>
-            </a:r>
-            <a:r>
-              <a:rPr lang="nl-NL" sz="1100" b="0" dirty="0">
-                <a:solidFill>
-                  <a:srgbClr val="B5CEA8"/>
-                </a:solidFill>
-                <a:effectLst/>
-                <a:latin typeface="Consolas" panose="020B0609020204030204" pitchFamily="49" charset="0"/>
-              </a:rPr>
-              <a:t>16540</a:t>
-            </a:r>
-            <a:r>
-              <a:rPr lang="nl-NL" sz="1100" b="0" dirty="0">
-                <a:solidFill>
-                  <a:srgbClr val="CCCCCC"/>
-                </a:solidFill>
-                <a:effectLst/>
-                <a:latin typeface="Consolas" panose="020B0609020204030204" pitchFamily="49" charset="0"/>
-              </a:rPr>
-              <a:t>, </a:t>
-            </a:r>
-            <a:r>
-              <a:rPr lang="nl-NL" sz="1100" b="0" dirty="0">
-                <a:solidFill>
-                  <a:srgbClr val="B5CEA8"/>
-                </a:solidFill>
-                <a:effectLst/>
-                <a:latin typeface="Consolas" panose="020B0609020204030204" pitchFamily="49" charset="0"/>
-              </a:rPr>
-              <a:t>0.88</a:t>
-            </a:r>
-            <a:r>
-              <a:rPr lang="nl-NL" sz="1100" b="0" dirty="0">
-                <a:solidFill>
-                  <a:srgbClr val="CCCCCC"/>
-                </a:solidFill>
-                <a:effectLst/>
-                <a:latin typeface="Consolas" panose="020B0609020204030204" pitchFamily="49" charset="0"/>
-              </a:rPr>
-              <a:t> , </a:t>
-            </a:r>
-            <a:r>
-              <a:rPr lang="nl-NL" sz="1100" b="0" dirty="0">
-                <a:solidFill>
-                  <a:srgbClr val="B5CEA8"/>
-                </a:solidFill>
-                <a:effectLst/>
-                <a:latin typeface="Consolas" panose="020B0609020204030204" pitchFamily="49" charset="0"/>
-              </a:rPr>
-              <a:t>1</a:t>
-            </a:r>
-            <a:r>
-              <a:rPr lang="nl-NL" sz="1100" b="0" dirty="0">
-                <a:solidFill>
-                  <a:srgbClr val="CCCCCC"/>
-                </a:solidFill>
-                <a:effectLst/>
-                <a:latin typeface="Consolas" panose="020B0609020204030204" pitchFamily="49" charset="0"/>
-              </a:rPr>
-              <a:t>, </a:t>
-            </a:r>
-            <a:r>
-              <a:rPr lang="nl-NL" sz="1100" b="0" dirty="0">
-                <a:solidFill>
-                  <a:srgbClr val="B5CEA8"/>
-                </a:solidFill>
-                <a:effectLst/>
-                <a:latin typeface="Consolas" panose="020B0609020204030204" pitchFamily="49" charset="0"/>
-              </a:rPr>
-              <a:t>0.50943</a:t>
-            </a:r>
-            <a:r>
-              <a:rPr lang="nl-NL" sz="1100" b="0" dirty="0">
-                <a:solidFill>
-                  <a:srgbClr val="CCCCCC"/>
-                </a:solidFill>
-                <a:effectLst/>
-                <a:latin typeface="Consolas" panose="020B0609020204030204" pitchFamily="49" charset="0"/>
-              </a:rPr>
-              <a:t>, </a:t>
-            </a:r>
-            <a:r>
-              <a:rPr lang="nl-NL" sz="1100" b="0" dirty="0">
-                <a:solidFill>
-                  <a:srgbClr val="B5CEA8"/>
-                </a:solidFill>
-                <a:effectLst/>
-                <a:latin typeface="Consolas" panose="020B0609020204030204" pitchFamily="49" charset="0"/>
-              </a:rPr>
-              <a:t>0.99</a:t>
-            </a:r>
-            <a:r>
-              <a:rPr lang="nl-NL" sz="1100" b="0" dirty="0">
-                <a:solidFill>
-                  <a:srgbClr val="CCCCCC"/>
-                </a:solidFill>
-                <a:effectLst/>
-                <a:latin typeface="Consolas" panose="020B0609020204030204" pitchFamily="49" charset="0"/>
-              </a:rPr>
-              <a:t>, </a:t>
-            </a:r>
-            <a:r>
-              <a:rPr lang="nl-NL" sz="1100" b="0" dirty="0">
-                <a:solidFill>
-                  <a:srgbClr val="CE9178"/>
-                </a:solidFill>
-                <a:effectLst/>
-                <a:latin typeface="Consolas" panose="020B0609020204030204" pitchFamily="49" charset="0"/>
-              </a:rPr>
-              <a:t>'GG’</a:t>
-            </a:r>
-            <a:r>
-              <a:rPr lang="nl-NL" sz="1100" b="0" dirty="0">
-                <a:solidFill>
-                  <a:srgbClr val="CCCCCC"/>
-                </a:solidFill>
-                <a:effectLst/>
-                <a:latin typeface="Consolas" panose="020B0609020204030204" pitchFamily="49" charset="0"/>
-              </a:rPr>
-              <a:t>)</a:t>
-            </a:r>
-          </a:p>
-          <a:p>
-            <a:pPr marL="0" indent="0">
-              <a:lnSpc>
-                <a:spcPts val="1425"/>
-              </a:lnSpc>
-              <a:buNone/>
-            </a:pPr>
-            <a:endParaRPr lang="nl-NL" sz="1100" dirty="0">
-              <a:solidFill>
-                <a:srgbClr val="CCCCCC"/>
-              </a:solidFill>
-              <a:latin typeface="Consolas" panose="020B0609020204030204" pitchFamily="49" charset="0"/>
-            </a:endParaRPr>
-          </a:p>
-          <a:p>
-            <a:pPr marL="0" indent="0">
-              <a:lnSpc>
-                <a:spcPts val="1425"/>
-              </a:lnSpc>
-              <a:buNone/>
-            </a:pPr>
-            <a:endParaRPr lang="nl-NL" sz="1100" b="0" dirty="0">
-              <a:solidFill>
-                <a:srgbClr val="CCCCCC"/>
-              </a:solidFill>
-              <a:effectLst/>
-              <a:latin typeface="Consolas" panose="020B0609020204030204" pitchFamily="49" charset="0"/>
-            </a:endParaRPr>
-          </a:p>
-          <a:p>
-            <a:pPr>
-              <a:lnSpc>
-                <a:spcPts val="1425"/>
-              </a:lnSpc>
-            </a:pPr>
-            <a:r>
-              <a:rPr lang="nl-NL" sz="1100" dirty="0">
-                <a:solidFill>
-                  <a:srgbClr val="9CDCFE"/>
-                </a:solidFill>
-                <a:latin typeface="Consolas" panose="020B0609020204030204" pitchFamily="49" charset="0"/>
-              </a:rPr>
-              <a:t>   </a:t>
-            </a:r>
-            <a:r>
-              <a:rPr lang="nl-NL" sz="1100" dirty="0" err="1">
-                <a:solidFill>
-                  <a:srgbClr val="9CDCFE"/>
-                </a:solidFill>
-                <a:latin typeface="Consolas" panose="020B0609020204030204" pitchFamily="49" charset="0"/>
-              </a:rPr>
-              <a:t>fsys.systemmodel</a:t>
-            </a:r>
-            <a:r>
-              <a:rPr lang="nl-NL" sz="1100" dirty="0">
-                <a:solidFill>
-                  <a:srgbClr val="9CDCFE"/>
-                </a:solidFill>
-                <a:latin typeface="Consolas" panose="020B0609020204030204" pitchFamily="49" charset="0"/>
-              </a:rPr>
-              <a:t> = [inlet1,</a:t>
-            </a:r>
-          </a:p>
-          <a:p>
-            <a:pPr>
-              <a:lnSpc>
-                <a:spcPts val="1425"/>
-              </a:lnSpc>
-            </a:pPr>
-            <a:r>
-              <a:rPr lang="nl-NL" sz="1100" dirty="0">
-                <a:solidFill>
-                  <a:srgbClr val="9CDCFE"/>
-                </a:solidFill>
-                <a:latin typeface="Consolas" panose="020B0609020204030204" pitchFamily="49" charset="0"/>
-              </a:rPr>
-              <a:t>                        compressor1,</a:t>
-            </a:r>
-          </a:p>
-          <a:p>
-            <a:pPr>
-              <a:lnSpc>
-                <a:spcPts val="1425"/>
-              </a:lnSpc>
-            </a:pPr>
-            <a:r>
-              <a:rPr lang="nl-NL" sz="1100" dirty="0">
-                <a:solidFill>
-                  <a:srgbClr val="9CDCFE"/>
-                </a:solidFill>
-                <a:latin typeface="Consolas" panose="020B0609020204030204" pitchFamily="49" charset="0"/>
-              </a:rPr>
-              <a:t>                        combustor1,</a:t>
-            </a:r>
-          </a:p>
-          <a:p>
-            <a:pPr>
-              <a:lnSpc>
-                <a:spcPts val="1425"/>
-              </a:lnSpc>
-            </a:pPr>
-            <a:r>
-              <a:rPr lang="nl-NL" sz="1100" dirty="0">
-                <a:solidFill>
-                  <a:srgbClr val="9CDCFE"/>
-                </a:solidFill>
-                <a:latin typeface="Consolas" panose="020B0609020204030204" pitchFamily="49" charset="0"/>
-              </a:rPr>
-              <a:t>                        turbine1,</a:t>
-            </a:r>
-          </a:p>
-          <a:p>
-            <a:pPr>
-              <a:lnSpc>
-                <a:spcPts val="1425"/>
-              </a:lnSpc>
-            </a:pPr>
-            <a:r>
-              <a:rPr lang="nl-NL" sz="1100" dirty="0">
-                <a:solidFill>
-                  <a:srgbClr val="9CDCFE"/>
-                </a:solidFill>
-                <a:latin typeface="Consolas" panose="020B0609020204030204" pitchFamily="49" charset="0"/>
-              </a:rPr>
-              <a:t>                        duct1,</a:t>
-            </a:r>
-          </a:p>
-          <a:p>
-            <a:pPr>
-              <a:lnSpc>
-                <a:spcPts val="1425"/>
-              </a:lnSpc>
-            </a:pPr>
-            <a:r>
-              <a:rPr lang="nl-NL" sz="1100" dirty="0">
-                <a:solidFill>
-                  <a:srgbClr val="9CDCFE"/>
-                </a:solidFill>
-                <a:latin typeface="Consolas" panose="020B0609020204030204" pitchFamily="49" charset="0"/>
-              </a:rPr>
-              <a:t>                        exhaust1]</a:t>
-            </a:r>
-          </a:p>
-          <a:p>
-            <a:pPr marL="0" indent="0">
-              <a:lnSpc>
-                <a:spcPts val="1425"/>
-              </a:lnSpc>
-              <a:buNone/>
-            </a:pPr>
-            <a:endParaRPr lang="nl-NL" sz="1100" b="0" dirty="0">
-              <a:solidFill>
-                <a:srgbClr val="CCCCCC"/>
-              </a:solidFill>
-              <a:effectLst/>
-              <a:latin typeface="Consolas" panose="020B0609020204030204" pitchFamily="49" charset="0"/>
-            </a:endParaRPr>
-          </a:p>
-          <a:p>
-            <a:pPr marL="0" indent="0">
-              <a:lnSpc>
-                <a:spcPts val="1425"/>
-              </a:lnSpc>
-              <a:buNone/>
-            </a:pPr>
-            <a:br>
-              <a:rPr lang="nl-NL" sz="1100" b="0" dirty="0">
-                <a:solidFill>
-                  <a:srgbClr val="CCCCCC"/>
-                </a:solidFill>
-                <a:effectLst/>
-                <a:latin typeface="Consolas" panose="020B0609020204030204" pitchFamily="49" charset="0"/>
-              </a:rPr>
-            </a:br>
-            <a:endParaRPr lang="nl-NL" sz="1100" b="0" dirty="0">
-              <a:solidFill>
-                <a:srgbClr val="CCCCCC"/>
-              </a:solidFill>
-              <a:effectLst/>
-              <a:latin typeface="Consolas" panose="020B0609020204030204" pitchFamily="49" charset="0"/>
-            </a:endParaRPr>
-          </a:p>
-          <a:p>
-            <a:pPr marL="0" indent="0">
-              <a:buNone/>
-            </a:pPr>
-            <a:endParaRPr lang="en-US" sz="1100" dirty="0"/>
-          </a:p>
-        </p:txBody>
-      </p:sp>
-      <p:sp>
-        <p:nvSpPr>
-          <p:cNvPr id="2" name="Title 1">
-            <a:extLst>
-              <a:ext uri="{FF2B5EF4-FFF2-40B4-BE49-F238E27FC236}">
-                <a16:creationId xmlns:a16="http://schemas.microsoft.com/office/drawing/2014/main" id="{28827A76-9577-2838-2195-C29A08A1F455}"/>
-              </a:ext>
-            </a:extLst>
-          </p:cNvPr>
-          <p:cNvSpPr>
-            <a:spLocks noGrp="1"/>
-          </p:cNvSpPr>
-          <p:nvPr>
-            <p:ph type="title"/>
-          </p:nvPr>
-        </p:nvSpPr>
-        <p:spPr/>
-        <p:txBody>
-          <a:bodyPr/>
-          <a:lstStyle/>
-          <a:p>
-            <a:r>
-              <a:rPr lang="en-US" dirty="0"/>
-              <a:t>Example: define a turbojet model</a:t>
-            </a:r>
-          </a:p>
-        </p:txBody>
-      </p:sp>
-      <p:sp>
-        <p:nvSpPr>
-          <p:cNvPr id="4" name="Text Placeholder 3">
-            <a:extLst>
-              <a:ext uri="{FF2B5EF4-FFF2-40B4-BE49-F238E27FC236}">
-                <a16:creationId xmlns:a16="http://schemas.microsoft.com/office/drawing/2014/main" id="{7F5616E4-E70D-1811-1DC1-411CC5F6A2E6}"/>
-              </a:ext>
-            </a:extLst>
-          </p:cNvPr>
-          <p:cNvSpPr>
-            <a:spLocks noGrp="1"/>
-          </p:cNvSpPr>
-          <p:nvPr>
-            <p:ph type="body" sz="quarter" idx="10"/>
-          </p:nvPr>
-        </p:nvSpPr>
-        <p:spPr/>
-        <p:txBody>
-          <a:bodyPr/>
-          <a:lstStyle/>
-          <a:p>
-            <a:r>
-              <a:rPr lang="en-US" dirty="0"/>
-              <a:t>Software implementation</a:t>
-            </a:r>
-          </a:p>
-        </p:txBody>
-      </p:sp>
-    </p:spTree>
-    <p:extLst>
-      <p:ext uri="{BB962C8B-B14F-4D97-AF65-F5344CB8AC3E}">
-        <p14:creationId xmlns:p14="http://schemas.microsoft.com/office/powerpoint/2010/main" val="1582642914"/>
-      </p:ext>
-    </p:extLst>
-  </p:cSld>
-  <p:clrMapOvr>
-    <a:masterClrMapping/>
-  </p:clrMapOvr>
-</p:sld>
-</file>
-
-<file path=ppt/slides/slide34.xml><?xml version="1.0" encoding="utf-8"?>
 <p:sld xmlns:a="http://schemas.openxmlformats.org/drawingml/2006/main" xmlns:r="http://schemas.openxmlformats.org/officeDocument/2006/relationships" xmlns:p="http://schemas.openxmlformats.org/presentationml/2006/main">
   <p:cSld>
     <p:spTree>
@@ -40497,7 +38403,15 @@
             <p:ph idx="1"/>
           </p:nvPr>
         </p:nvSpPr>
-        <p:spPr/>
+        <p:spPr>
+          <a:xfrm>
+            <a:off x="2716975" y="3338999"/>
+            <a:ext cx="6689438" cy="2534073"/>
+          </a:xfrm>
+          <a:solidFill>
+            <a:schemeClr val="tx1"/>
+          </a:solidFill>
+        </p:spPr>
         <p:txBody>
           <a:bodyPr/>
           <a:lstStyle/>
@@ -41233,7 +39147,12 @@
             <p:ph type="title"/>
           </p:nvPr>
         </p:nvSpPr>
-        <p:spPr/>
+        <p:spPr>
+          <a:xfrm>
+            <a:off x="1003565" y="240897"/>
+            <a:ext cx="8294688" cy="631800"/>
+          </a:xfrm>
+        </p:spPr>
         <p:txBody>
           <a:bodyPr/>
           <a:lstStyle/>
@@ -41262,7 +39181,12 @@
             <p:ph type="body" sz="quarter" idx="10"/>
           </p:nvPr>
         </p:nvSpPr>
-        <p:spPr/>
+        <p:spPr>
+          <a:xfrm>
+            <a:off x="5481111" y="858110"/>
+            <a:ext cx="3793876" cy="352400"/>
+          </a:xfrm>
+        </p:spPr>
         <p:txBody>
           <a:bodyPr/>
           <a:lstStyle/>
@@ -41274,6 +39198,394 @@
           </a:p>
         </p:txBody>
       </p:sp>
+      <p:sp>
+        <p:nvSpPr>
+          <p:cNvPr id="6" name="Content Placeholder 2">
+            <a:extLst>
+              <a:ext uri="{FF2B5EF4-FFF2-40B4-BE49-F238E27FC236}">
+                <a16:creationId xmlns:a16="http://schemas.microsoft.com/office/drawing/2014/main" id="{670B99AD-786C-13D8-0469-6B2AEA7D2839}"/>
+              </a:ext>
+            </a:extLst>
+          </p:cNvPr>
+          <p:cNvSpPr txBox="1">
+            <a:spLocks/>
+          </p:cNvSpPr>
+          <p:nvPr/>
+        </p:nvSpPr>
+        <p:spPr bwMode="auto">
+          <a:xfrm>
+            <a:off x="991412" y="1210510"/>
+            <a:ext cx="8460000" cy="4123490"/>
+          </a:xfrm>
+          <a:prstGeom prst="rect">
+            <a:avLst/>
+          </a:prstGeom>
+          <a:noFill/>
+          <a:ln>
+            <a:noFill/>
+          </a:ln>
+          <a:extLst>
+            <a:ext uri="{909E8E84-426E-40DD-AFC4-6F175D3DCCD1}">
+              <a14:hiddenFill xmlns:a14="http://schemas.microsoft.com/office/drawing/2010/main">
+                <a:solidFill>
+                  <a:srgbClr val="FFFFFF"/>
+                </a:solidFill>
+              </a14:hiddenFill>
+            </a:ext>
+            <a:ext uri="{91240B29-F687-4F45-9708-019B960494DF}">
+              <a14:hiddenLine xmlns:a14="http://schemas.microsoft.com/office/drawing/2010/main" w="9525">
+                <a:solidFill>
+                  <a:srgbClr val="000000"/>
+                </a:solidFill>
+                <a:miter lim="800000"/>
+                <a:headEnd/>
+                <a:tailEnd/>
+              </a14:hiddenLine>
+            </a:ext>
+          </a:extLst>
+        </p:spPr>
+        <p:txBody>
+          <a:bodyPr vert="horz" wrap="square" lIns="0" tIns="0" rIns="0" bIns="0" numCol="1" anchor="t" anchorCtr="0" compatLnSpc="1">
+            <a:prstTxWarp prst="textNoShape">
+              <a:avLst/>
+            </a:prstTxWarp>
+            <a:noAutofit/>
+          </a:bodyPr>
+          <a:lstStyle>
+            <a:lvl1pPr marL="195263" indent="-195263" algn="l" rtl="0" eaLnBrk="0" fontAlgn="base" hangingPunct="0">
+              <a:lnSpc>
+                <a:spcPct val="100000"/>
+              </a:lnSpc>
+              <a:spcBef>
+                <a:spcPts val="600"/>
+              </a:spcBef>
+              <a:spcAft>
+                <a:spcPct val="0"/>
+              </a:spcAft>
+              <a:buClr>
+                <a:srgbClr val="C00000"/>
+              </a:buClr>
+              <a:buFont typeface="Wingdings" pitchFamily="2" charset="2"/>
+              <a:buChar char="§"/>
+              <a:defRPr sz="2800">
+                <a:solidFill>
+                  <a:schemeClr val="tx1"/>
+                </a:solidFill>
+                <a:latin typeface="+mn-lt"/>
+                <a:ea typeface="+mn-ea"/>
+                <a:cs typeface="+mn-cs"/>
+              </a:defRPr>
+            </a:lvl1pPr>
+            <a:lvl2pPr marL="576263" indent="-190500" algn="l" rtl="0" eaLnBrk="0" fontAlgn="base" hangingPunct="0">
+              <a:lnSpc>
+                <a:spcPts val="2500"/>
+              </a:lnSpc>
+              <a:spcBef>
+                <a:spcPts val="600"/>
+              </a:spcBef>
+              <a:spcAft>
+                <a:spcPct val="0"/>
+              </a:spcAft>
+              <a:buClr>
+                <a:srgbClr val="C00000"/>
+              </a:buClr>
+              <a:buFont typeface="Wingdings" pitchFamily="2" charset="2"/>
+              <a:buChar char="§"/>
+              <a:defRPr sz="2400">
+                <a:solidFill>
+                  <a:schemeClr val="tx1"/>
+                </a:solidFill>
+                <a:latin typeface="+mn-lt"/>
+              </a:defRPr>
+            </a:lvl2pPr>
+            <a:lvl3pPr marL="957263" indent="-190500" algn="l" rtl="0" eaLnBrk="0" fontAlgn="base" hangingPunct="0">
+              <a:lnSpc>
+                <a:spcPts val="2500"/>
+              </a:lnSpc>
+              <a:spcBef>
+                <a:spcPct val="0"/>
+              </a:spcBef>
+              <a:spcAft>
+                <a:spcPct val="0"/>
+              </a:spcAft>
+              <a:buClr>
+                <a:srgbClr val="C00000"/>
+              </a:buClr>
+              <a:buFont typeface="Wingdings" pitchFamily="2" charset="2"/>
+              <a:buChar char="§"/>
+              <a:defRPr sz="2000">
+                <a:solidFill>
+                  <a:schemeClr val="tx1"/>
+                </a:solidFill>
+                <a:latin typeface="+mn-lt"/>
+              </a:defRPr>
+            </a:lvl3pPr>
+            <a:lvl4pPr marL="1338263" indent="-190500" algn="l" rtl="0" eaLnBrk="0" fontAlgn="base" hangingPunct="0">
+              <a:lnSpc>
+                <a:spcPts val="2500"/>
+              </a:lnSpc>
+              <a:spcBef>
+                <a:spcPct val="0"/>
+              </a:spcBef>
+              <a:spcAft>
+                <a:spcPct val="0"/>
+              </a:spcAft>
+              <a:buClr>
+                <a:srgbClr val="C00000"/>
+              </a:buClr>
+              <a:buFont typeface="Wingdings" pitchFamily="2" charset="2"/>
+              <a:buChar char="§"/>
+              <a:defRPr sz="2000">
+                <a:solidFill>
+                  <a:schemeClr val="tx1"/>
+                </a:solidFill>
+                <a:latin typeface="+mn-lt"/>
+              </a:defRPr>
+            </a:lvl4pPr>
+            <a:lvl5pPr marL="1719263" indent="-190500" algn="l" rtl="0" eaLnBrk="0" fontAlgn="base" hangingPunct="0">
+              <a:lnSpc>
+                <a:spcPts val="2500"/>
+              </a:lnSpc>
+              <a:spcBef>
+                <a:spcPct val="0"/>
+              </a:spcBef>
+              <a:spcAft>
+                <a:spcPct val="0"/>
+              </a:spcAft>
+              <a:buClr>
+                <a:srgbClr val="C00000"/>
+              </a:buClr>
+              <a:buFont typeface="Wingdings" pitchFamily="2" charset="2"/>
+              <a:buChar char="§"/>
+              <a:defRPr sz="1600">
+                <a:solidFill>
+                  <a:schemeClr val="tx1"/>
+                </a:solidFill>
+                <a:latin typeface="+mn-lt"/>
+              </a:defRPr>
+            </a:lvl5pPr>
+            <a:lvl6pPr marL="2176463" indent="-190500" algn="l" rtl="0" eaLnBrk="1" fontAlgn="base" hangingPunct="1">
+              <a:lnSpc>
+                <a:spcPts val="2500"/>
+              </a:lnSpc>
+              <a:spcBef>
+                <a:spcPct val="0"/>
+              </a:spcBef>
+              <a:spcAft>
+                <a:spcPct val="0"/>
+              </a:spcAft>
+              <a:buClr>
+                <a:schemeClr val="bg2"/>
+              </a:buClr>
+              <a:buChar char="•"/>
+              <a:defRPr sz="1200">
+                <a:solidFill>
+                  <a:schemeClr val="tx1"/>
+                </a:solidFill>
+                <a:latin typeface="+mn-lt"/>
+              </a:defRPr>
+            </a:lvl6pPr>
+            <a:lvl7pPr marL="2633663" indent="-190500" algn="l" rtl="0" eaLnBrk="1" fontAlgn="base" hangingPunct="1">
+              <a:lnSpc>
+                <a:spcPts val="2500"/>
+              </a:lnSpc>
+              <a:spcBef>
+                <a:spcPct val="0"/>
+              </a:spcBef>
+              <a:spcAft>
+                <a:spcPct val="0"/>
+              </a:spcAft>
+              <a:buClr>
+                <a:schemeClr val="bg2"/>
+              </a:buClr>
+              <a:buChar char="•"/>
+              <a:defRPr sz="1200">
+                <a:solidFill>
+                  <a:schemeClr val="tx1"/>
+                </a:solidFill>
+                <a:latin typeface="+mn-lt"/>
+              </a:defRPr>
+            </a:lvl7pPr>
+            <a:lvl8pPr marL="3090863" indent="-190500" algn="l" rtl="0" eaLnBrk="1" fontAlgn="base" hangingPunct="1">
+              <a:lnSpc>
+                <a:spcPts val="2500"/>
+              </a:lnSpc>
+              <a:spcBef>
+                <a:spcPct val="0"/>
+              </a:spcBef>
+              <a:spcAft>
+                <a:spcPct val="0"/>
+              </a:spcAft>
+              <a:buClr>
+                <a:schemeClr val="bg2"/>
+              </a:buClr>
+              <a:buChar char="•"/>
+              <a:defRPr sz="1200">
+                <a:solidFill>
+                  <a:schemeClr val="tx1"/>
+                </a:solidFill>
+                <a:latin typeface="+mn-lt"/>
+              </a:defRPr>
+            </a:lvl8pPr>
+            <a:lvl9pPr marL="3548063" indent="-190500" algn="l" rtl="0" eaLnBrk="1" fontAlgn="base" hangingPunct="1">
+              <a:lnSpc>
+                <a:spcPts val="2500"/>
+              </a:lnSpc>
+              <a:spcBef>
+                <a:spcPct val="0"/>
+              </a:spcBef>
+              <a:spcAft>
+                <a:spcPct val="0"/>
+              </a:spcAft>
+              <a:buClr>
+                <a:schemeClr val="bg2"/>
+              </a:buClr>
+              <a:buChar char="•"/>
+              <a:defRPr sz="1200">
+                <a:solidFill>
+                  <a:schemeClr val="tx1"/>
+                </a:solidFill>
+                <a:latin typeface="+mn-lt"/>
+              </a:defRPr>
+            </a:lvl9pPr>
+          </a:lstStyle>
+          <a:p>
+            <a:pPr>
+              <a:buClrTx/>
+            </a:pPr>
+            <a:r>
+              <a:rPr lang="en-US" sz="2400" b="0" kern="0" dirty="0"/>
+              <a:t>              is run in order given in </a:t>
+            </a:r>
+          </a:p>
+          <a:p>
+            <a:pPr>
+              <a:buClrTx/>
+            </a:pPr>
+            <a:r>
+              <a:rPr lang="en-US" sz="2000" b="0" kern="0" dirty="0"/>
+              <a:t>                            list must be ordered such that component   </a:t>
+            </a:r>
+          </a:p>
+          <a:p>
+            <a:pPr lvl="1">
+              <a:buClrTx/>
+            </a:pPr>
+            <a:r>
+              <a:rPr lang="en-US" sz="1800" b="0" kern="0" dirty="0"/>
+              <a:t>gas path upstream conditions </a:t>
+            </a:r>
+          </a:p>
+          <a:p>
+            <a:pPr lvl="1">
+              <a:buClrTx/>
+            </a:pPr>
+            <a:r>
+              <a:rPr lang="en-US" sz="1800" b="0" kern="0" dirty="0"/>
+              <a:t>other component/control parameters needed for “Run” have been calculated</a:t>
+            </a:r>
+          </a:p>
+          <a:p>
+            <a:pPr>
+              <a:buClrTx/>
+            </a:pPr>
+            <a:r>
+              <a:rPr lang="en-US" sz="2400" b="0" kern="0" dirty="0"/>
+              <a:t>Basic component “Run” code</a:t>
+            </a:r>
+          </a:p>
+        </p:txBody>
+      </p:sp>
+      <p:pic>
+        <p:nvPicPr>
+          <p:cNvPr id="10" name="Picture 9">
+            <a:extLst>
+              <a:ext uri="{FF2B5EF4-FFF2-40B4-BE49-F238E27FC236}">
+                <a16:creationId xmlns:a16="http://schemas.microsoft.com/office/drawing/2014/main" id="{958BE63C-A0DE-8DB1-E88A-5F113088C0EB}"/>
+              </a:ext>
+            </a:extLst>
+          </p:cNvPr>
+          <p:cNvPicPr>
+            <a:picLocks noChangeAspect="1"/>
+          </p:cNvPicPr>
+          <p:nvPr/>
+        </p:nvPicPr>
+        <p:blipFill>
+          <a:blip r:embed="rId2"/>
+          <a:stretch>
+            <a:fillRect/>
+          </a:stretch>
+        </p:blipFill>
+        <p:spPr>
+          <a:xfrm>
+            <a:off x="5626412" y="1306052"/>
+            <a:ext cx="1991003" cy="285790"/>
+          </a:xfrm>
+          <a:prstGeom prst="rect">
+            <a:avLst/>
+          </a:prstGeom>
+        </p:spPr>
+      </p:pic>
+      <p:pic>
+        <p:nvPicPr>
+          <p:cNvPr id="14" name="Picture 13">
+            <a:extLst>
+              <a:ext uri="{FF2B5EF4-FFF2-40B4-BE49-F238E27FC236}">
+                <a16:creationId xmlns:a16="http://schemas.microsoft.com/office/drawing/2014/main" id="{4B5B0269-121C-C9CA-2168-3AD7E569E53B}"/>
+              </a:ext>
+            </a:extLst>
+          </p:cNvPr>
+          <p:cNvPicPr>
+            <a:picLocks noChangeAspect="1"/>
+          </p:cNvPicPr>
+          <p:nvPr/>
+        </p:nvPicPr>
+        <p:blipFill>
+          <a:blip r:embed="rId3"/>
+          <a:stretch>
+            <a:fillRect/>
+          </a:stretch>
+        </p:blipFill>
+        <p:spPr>
+          <a:xfrm>
+            <a:off x="1318781" y="1306052"/>
+            <a:ext cx="1121475" cy="267963"/>
+          </a:xfrm>
+          <a:prstGeom prst="rect">
+            <a:avLst/>
+          </a:prstGeom>
+        </p:spPr>
+      </p:pic>
+      <p:pic>
+        <p:nvPicPr>
+          <p:cNvPr id="15" name="Picture 14">
+            <a:extLst>
+              <a:ext uri="{FF2B5EF4-FFF2-40B4-BE49-F238E27FC236}">
+                <a16:creationId xmlns:a16="http://schemas.microsoft.com/office/drawing/2014/main" id="{03593E76-16D4-8D75-9245-08348B8CF6D4}"/>
+              </a:ext>
+            </a:extLst>
+          </p:cNvPr>
+          <p:cNvPicPr>
+            <a:picLocks noChangeAspect="1"/>
+          </p:cNvPicPr>
+          <p:nvPr/>
+        </p:nvPicPr>
+        <p:blipFill>
+          <a:blip r:embed="rId2"/>
+          <a:stretch>
+            <a:fillRect/>
+          </a:stretch>
+        </p:blipFill>
+        <p:spPr>
+          <a:xfrm>
+            <a:off x="1318781" y="1669557"/>
+            <a:ext cx="1991003" cy="285790"/>
+          </a:xfrm>
+          <a:prstGeom prst="rect">
+            <a:avLst/>
+          </a:prstGeom>
+        </p:spPr>
+      </p:pic>
     </p:spTree>
     <p:extLst>
       <p:ext uri="{BB962C8B-B14F-4D97-AF65-F5344CB8AC3E}">
@@ -41287,7 +39599,7 @@
 </p:sld>
 </file>
 
-<file path=ppt/slides/slide35.xml><?xml version="1.0" encoding="utf-8"?>
+<file path=ppt/slides/slide34.xml><?xml version="1.0" encoding="utf-8"?>
 <p:sld xmlns:a="http://schemas.openxmlformats.org/drawingml/2006/main" xmlns:r="http://schemas.openxmlformats.org/officeDocument/2006/relationships" xmlns:p="http://schemas.openxmlformats.org/presentationml/2006/main">
   <p:cSld>
     <p:spTree>
@@ -41559,7 +39871,7 @@
 </p:sld>
 </file>
 
-<file path=ppt/slides/slide36.xml><?xml version="1.0" encoding="utf-8"?>
+<file path=ppt/slides/slide35.xml><?xml version="1.0" encoding="utf-8"?>
 <p:sld xmlns:a="http://schemas.openxmlformats.org/drawingml/2006/main" xmlns:r="http://schemas.openxmlformats.org/officeDocument/2006/relationships" xmlns:p="http://schemas.openxmlformats.org/presentationml/2006/main">
   <p:cSld>
     <p:spTree>
@@ -41961,7 +40273,7 @@
 </p:sld>
 </file>
 
-<file path=ppt/slides/slide37.xml><?xml version="1.0" encoding="utf-8"?>
+<file path=ppt/slides/slide36.xml><?xml version="1.0" encoding="utf-8"?>
 <p:sld xmlns:a="http://schemas.openxmlformats.org/drawingml/2006/main" xmlns:r="http://schemas.openxmlformats.org/officeDocument/2006/relationships" xmlns:p="http://schemas.openxmlformats.org/presentationml/2006/main">
   <p:cSld>
     <p:spTree>
@@ -42225,7 +40537,7 @@
 </p:sld>
 </file>
 
-<file path=ppt/slides/slide38.xml><?xml version="1.0" encoding="utf-8"?>
+<file path=ppt/slides/slide37.xml><?xml version="1.0" encoding="utf-8"?>
 <p:sld xmlns:a="http://schemas.openxmlformats.org/drawingml/2006/main" xmlns:r="http://schemas.openxmlformats.org/officeDocument/2006/relationships" xmlns:p="http://schemas.openxmlformats.org/presentationml/2006/main">
   <p:cSld>
     <p:spTree>
@@ -42546,7 +40858,7 @@
 </p:sld>
 </file>
 
-<file path=ppt/slides/slide39.xml><?xml version="1.0" encoding="utf-8"?>
+<file path=ppt/slides/slide38.xml><?xml version="1.0" encoding="utf-8"?>
 <p:sld xmlns:a="http://schemas.openxmlformats.org/drawingml/2006/main" xmlns:r="http://schemas.openxmlformats.org/officeDocument/2006/relationships" xmlns:p="http://schemas.openxmlformats.org/presentationml/2006/main">
   <p:cSld>
     <p:spTree>
@@ -42853,265 +41165,7 @@
 </p:sld>
 </file>
 
-<file path=ppt/slides/slide4.xml><?xml version="1.0" encoding="utf-8"?>
-<p:sld xmlns:a="http://schemas.openxmlformats.org/drawingml/2006/main" xmlns:r="http://schemas.openxmlformats.org/officeDocument/2006/relationships" xmlns:p="http://schemas.openxmlformats.org/presentationml/2006/main">
-  <p:cSld>
-    <p:spTree>
-      <p:nvGrpSpPr>
-        <p:cNvPr id="1" name="">
-          <a:extLst>
-            <a:ext uri="{FF2B5EF4-FFF2-40B4-BE49-F238E27FC236}">
-              <a16:creationId xmlns:a16="http://schemas.microsoft.com/office/drawing/2014/main" id="{BCDCBA4F-345B-12E7-2F2F-DFD03B4C93A1}"/>
-            </a:ext>
-          </a:extLst>
-        </p:cNvPr>
-        <p:cNvGrpSpPr/>
-        <p:nvPr/>
-      </p:nvGrpSpPr>
-      <p:grpSpPr>
-        <a:xfrm>
-          <a:off x="0" y="0"/>
-          <a:ext cx="0" cy="0"/>
-          <a:chOff x="0" y="0"/>
-          <a:chExt cx="0" cy="0"/>
-        </a:xfrm>
-      </p:grpSpPr>
-      <p:sp>
-        <p:nvSpPr>
-          <p:cNvPr id="3" name="Content Placeholder 2">
-            <a:extLst>
-              <a:ext uri="{FF2B5EF4-FFF2-40B4-BE49-F238E27FC236}">
-                <a16:creationId xmlns:a16="http://schemas.microsoft.com/office/drawing/2014/main" id="{ECE1E15E-CEF3-267A-94F6-42E33EF79C96}"/>
-              </a:ext>
-            </a:extLst>
-          </p:cNvPr>
-          <p:cNvSpPr>
-            <a:spLocks noGrp="1"/>
-          </p:cNvSpPr>
-          <p:nvPr>
-            <p:ph idx="1"/>
-          </p:nvPr>
-        </p:nvSpPr>
-        <p:spPr/>
-        <p:txBody>
-          <a:bodyPr/>
-          <a:lstStyle/>
-          <a:p>
-            <a:pPr>
-              <a:lnSpc>
-                <a:spcPct val="150000"/>
-              </a:lnSpc>
-              <a:buClrTx/>
-            </a:pPr>
-            <a:r>
-              <a:rPr lang="en-US" dirty="0"/>
-              <a:t>System modelling</a:t>
-            </a:r>
-          </a:p>
-          <a:p>
-            <a:pPr>
-              <a:lnSpc>
-                <a:spcPct val="150000"/>
-              </a:lnSpc>
-              <a:buClrTx/>
-            </a:pPr>
-            <a:r>
-              <a:rPr lang="en-US" dirty="0"/>
-              <a:t>Object orientation</a:t>
-            </a:r>
-          </a:p>
-          <a:p>
-            <a:pPr>
-              <a:lnSpc>
-                <a:spcPct val="150000"/>
-              </a:lnSpc>
-              <a:buClrTx/>
-            </a:pPr>
-            <a:r>
-              <a:rPr lang="en-US" dirty="0"/>
-              <a:t>Python programming language</a:t>
-            </a:r>
-          </a:p>
-          <a:p>
-            <a:pPr lvl="1">
-              <a:lnSpc>
-                <a:spcPct val="150000"/>
-              </a:lnSpc>
-              <a:buClrTx/>
-            </a:pPr>
-            <a:r>
-              <a:rPr lang="en-US" dirty="0"/>
-              <a:t>Open-source libraries</a:t>
-            </a:r>
-          </a:p>
-          <a:p>
-            <a:pPr lvl="2">
-              <a:lnSpc>
-                <a:spcPct val="150000"/>
-              </a:lnSpc>
-              <a:buClrTx/>
-            </a:pPr>
-            <a:r>
-              <a:rPr lang="en-US" dirty="0"/>
-              <a:t>Aero-thermal </a:t>
-            </a:r>
-          </a:p>
-          <a:p>
-            <a:pPr lvl="2">
-              <a:lnSpc>
-                <a:spcPct val="150000"/>
-              </a:lnSpc>
-              <a:buClrTx/>
-            </a:pPr>
-            <a:r>
-              <a:rPr lang="en-US" dirty="0"/>
-              <a:t>Numerical methods</a:t>
-            </a:r>
-          </a:p>
-          <a:p>
-            <a:pPr lvl="2">
-              <a:lnSpc>
-                <a:spcPct val="150000"/>
-              </a:lnSpc>
-              <a:buClrTx/>
-            </a:pPr>
-            <a:r>
-              <a:rPr lang="en-US" dirty="0"/>
-              <a:t>Data handling </a:t>
-            </a:r>
-          </a:p>
-          <a:p>
-            <a:pPr lvl="2">
-              <a:lnSpc>
-                <a:spcPct val="150000"/>
-              </a:lnSpc>
-              <a:buClrTx/>
-            </a:pPr>
-            <a:r>
-              <a:rPr lang="en-US" dirty="0"/>
-              <a:t>Visualization</a:t>
-            </a:r>
-          </a:p>
-        </p:txBody>
-      </p:sp>
-      <p:sp>
-        <p:nvSpPr>
-          <p:cNvPr id="2" name="Title 1">
-            <a:extLst>
-              <a:ext uri="{FF2B5EF4-FFF2-40B4-BE49-F238E27FC236}">
-                <a16:creationId xmlns:a16="http://schemas.microsoft.com/office/drawing/2014/main" id="{0D4F245F-0CE6-E538-17BB-067E80E672C3}"/>
-              </a:ext>
-            </a:extLst>
-          </p:cNvPr>
-          <p:cNvSpPr>
-            <a:spLocks noGrp="1"/>
-          </p:cNvSpPr>
-          <p:nvPr>
-            <p:ph type="title"/>
-          </p:nvPr>
-        </p:nvSpPr>
-        <p:spPr/>
-        <p:txBody>
-          <a:bodyPr/>
-          <a:lstStyle/>
-          <a:p>
-            <a:r>
-              <a:rPr lang="en-US" dirty="0"/>
-              <a:t>Key focus areas</a:t>
-            </a:r>
-            <a:endParaRPr lang="nl-NL" dirty="0"/>
-          </a:p>
-        </p:txBody>
-      </p:sp>
-      <p:sp>
-        <p:nvSpPr>
-          <p:cNvPr id="4" name="Text Placeholder 3">
-            <a:extLst>
-              <a:ext uri="{FF2B5EF4-FFF2-40B4-BE49-F238E27FC236}">
-                <a16:creationId xmlns:a16="http://schemas.microsoft.com/office/drawing/2014/main" id="{1F6FF019-FAB1-38AD-E1F9-D696B99A0AAE}"/>
-              </a:ext>
-            </a:extLst>
-          </p:cNvPr>
-          <p:cNvSpPr>
-            <a:spLocks noGrp="1"/>
-          </p:cNvSpPr>
-          <p:nvPr>
-            <p:ph type="body" sz="quarter" idx="10"/>
-          </p:nvPr>
-        </p:nvSpPr>
-        <p:spPr/>
-        <p:txBody>
-          <a:bodyPr/>
-          <a:lstStyle/>
-          <a:p>
-            <a:r>
-              <a:rPr lang="en-US" dirty="0"/>
-              <a:t>Introduction</a:t>
-            </a:r>
-          </a:p>
-        </p:txBody>
-      </p:sp>
-      <p:pic>
-        <p:nvPicPr>
-          <p:cNvPr id="1026" name="Picture 2" descr="Block of Python code showing sample source code">
-            <a:extLst>
-              <a:ext uri="{FF2B5EF4-FFF2-40B4-BE49-F238E27FC236}">
-                <a16:creationId xmlns:a16="http://schemas.microsoft.com/office/drawing/2014/main" id="{70BFFB5F-893A-1EE0-475F-1EF45743295C}"/>
-              </a:ext>
-            </a:extLst>
-          </p:cNvPr>
-          <p:cNvPicPr>
-            <a:picLocks noChangeAspect="1" noChangeArrowheads="1"/>
-          </p:cNvPicPr>
-          <p:nvPr/>
-        </p:nvPicPr>
-        <p:blipFill>
-          <a:blip r:embed="rId2">
-            <a:extLst>
-              <a:ext uri="{28A0092B-C50C-407E-A947-70E740481C1C}">
-                <a14:useLocalDpi xmlns:a14="http://schemas.microsoft.com/office/drawing/2010/main" val="0"/>
-              </a:ext>
-            </a:extLst>
-          </a:blip>
-          <a:srcRect/>
-          <a:stretch>
-            <a:fillRect/>
-          </a:stretch>
-        </p:blipFill>
-        <p:spPr bwMode="auto">
-          <a:xfrm>
-            <a:off x="6346412" y="3069000"/>
-            <a:ext cx="2960166" cy="1935000"/>
-          </a:xfrm>
-          <a:prstGeom prst="rect">
-            <a:avLst/>
-          </a:prstGeom>
-          <a:noFill/>
-          <a:extLst>
-            <a:ext uri="{909E8E84-426E-40DD-AFC4-6F175D3DCCD1}">
-              <a14:hiddenFill xmlns:a14="http://schemas.microsoft.com/office/drawing/2010/main">
-                <a:solidFill>
-                  <a:srgbClr val="FFFFFF"/>
-                </a:solidFill>
-              </a14:hiddenFill>
-            </a:ext>
-          </a:extLst>
-        </p:spPr>
-      </p:pic>
-    </p:spTree>
-    <p:extLst>
-      <p:ext uri="{BB962C8B-B14F-4D97-AF65-F5344CB8AC3E}">
-        <p14:creationId xmlns:p14="http://schemas.microsoft.com/office/powerpoint/2010/main" val="1028305031"/>
-      </p:ext>
-    </p:extLst>
-  </p:cSld>
-  <p:clrMapOvr>
-    <a:masterClrMapping/>
-  </p:clrMapOvr>
-</p:sld>
-</file>
-
-<file path=ppt/slides/slide40.xml><?xml version="1.0" encoding="utf-8"?>
+<file path=ppt/slides/slide39.xml><?xml version="1.0" encoding="utf-8"?>
 <p:sld xmlns:a="http://schemas.openxmlformats.org/drawingml/2006/main" xmlns:r="http://schemas.openxmlformats.org/officeDocument/2006/relationships" xmlns:p="http://schemas.openxmlformats.org/presentationml/2006/main">
   <p:cSld>
     <p:spTree>
@@ -43560,7 +41614,265 @@
 </p:sld>
 </file>
 
-<file path=ppt/slides/slide41.xml><?xml version="1.0" encoding="utf-8"?>
+<file path=ppt/slides/slide4.xml><?xml version="1.0" encoding="utf-8"?>
+<p:sld xmlns:a="http://schemas.openxmlformats.org/drawingml/2006/main" xmlns:r="http://schemas.openxmlformats.org/officeDocument/2006/relationships" xmlns:p="http://schemas.openxmlformats.org/presentationml/2006/main">
+  <p:cSld>
+    <p:spTree>
+      <p:nvGrpSpPr>
+        <p:cNvPr id="1" name="">
+          <a:extLst>
+            <a:ext uri="{FF2B5EF4-FFF2-40B4-BE49-F238E27FC236}">
+              <a16:creationId xmlns:a16="http://schemas.microsoft.com/office/drawing/2014/main" id="{BCDCBA4F-345B-12E7-2F2F-DFD03B4C93A1}"/>
+            </a:ext>
+          </a:extLst>
+        </p:cNvPr>
+        <p:cNvGrpSpPr/>
+        <p:nvPr/>
+      </p:nvGrpSpPr>
+      <p:grpSpPr>
+        <a:xfrm>
+          <a:off x="0" y="0"/>
+          <a:ext cx="0" cy="0"/>
+          <a:chOff x="0" y="0"/>
+          <a:chExt cx="0" cy="0"/>
+        </a:xfrm>
+      </p:grpSpPr>
+      <p:sp>
+        <p:nvSpPr>
+          <p:cNvPr id="3" name="Content Placeholder 2">
+            <a:extLst>
+              <a:ext uri="{FF2B5EF4-FFF2-40B4-BE49-F238E27FC236}">
+                <a16:creationId xmlns:a16="http://schemas.microsoft.com/office/drawing/2014/main" id="{ECE1E15E-CEF3-267A-94F6-42E33EF79C96}"/>
+              </a:ext>
+            </a:extLst>
+          </p:cNvPr>
+          <p:cNvSpPr>
+            <a:spLocks noGrp="1"/>
+          </p:cNvSpPr>
+          <p:nvPr>
+            <p:ph idx="1"/>
+          </p:nvPr>
+        </p:nvSpPr>
+        <p:spPr/>
+        <p:txBody>
+          <a:bodyPr/>
+          <a:lstStyle/>
+          <a:p>
+            <a:pPr>
+              <a:lnSpc>
+                <a:spcPct val="150000"/>
+              </a:lnSpc>
+              <a:buClrTx/>
+            </a:pPr>
+            <a:r>
+              <a:rPr lang="en-US" dirty="0"/>
+              <a:t>System modelling</a:t>
+            </a:r>
+          </a:p>
+          <a:p>
+            <a:pPr>
+              <a:lnSpc>
+                <a:spcPct val="150000"/>
+              </a:lnSpc>
+              <a:buClrTx/>
+            </a:pPr>
+            <a:r>
+              <a:rPr lang="en-US" dirty="0"/>
+              <a:t>Object orientation</a:t>
+            </a:r>
+          </a:p>
+          <a:p>
+            <a:pPr>
+              <a:lnSpc>
+                <a:spcPct val="150000"/>
+              </a:lnSpc>
+              <a:buClrTx/>
+            </a:pPr>
+            <a:r>
+              <a:rPr lang="en-US" dirty="0"/>
+              <a:t>Python programming language</a:t>
+            </a:r>
+          </a:p>
+          <a:p>
+            <a:pPr lvl="1">
+              <a:lnSpc>
+                <a:spcPct val="150000"/>
+              </a:lnSpc>
+              <a:buClrTx/>
+            </a:pPr>
+            <a:r>
+              <a:rPr lang="en-US" dirty="0"/>
+              <a:t>Open-source libraries</a:t>
+            </a:r>
+          </a:p>
+          <a:p>
+            <a:pPr lvl="2">
+              <a:lnSpc>
+                <a:spcPct val="150000"/>
+              </a:lnSpc>
+              <a:buClrTx/>
+            </a:pPr>
+            <a:r>
+              <a:rPr lang="en-US" dirty="0"/>
+              <a:t>Aero-thermal </a:t>
+            </a:r>
+          </a:p>
+          <a:p>
+            <a:pPr lvl="2">
+              <a:lnSpc>
+                <a:spcPct val="150000"/>
+              </a:lnSpc>
+              <a:buClrTx/>
+            </a:pPr>
+            <a:r>
+              <a:rPr lang="en-US" dirty="0"/>
+              <a:t>Numerical methods</a:t>
+            </a:r>
+          </a:p>
+          <a:p>
+            <a:pPr lvl="2">
+              <a:lnSpc>
+                <a:spcPct val="150000"/>
+              </a:lnSpc>
+              <a:buClrTx/>
+            </a:pPr>
+            <a:r>
+              <a:rPr lang="en-US" dirty="0"/>
+              <a:t>Data handling </a:t>
+            </a:r>
+          </a:p>
+          <a:p>
+            <a:pPr lvl="2">
+              <a:lnSpc>
+                <a:spcPct val="150000"/>
+              </a:lnSpc>
+              <a:buClrTx/>
+            </a:pPr>
+            <a:r>
+              <a:rPr lang="en-US" dirty="0"/>
+              <a:t>Visualization</a:t>
+            </a:r>
+          </a:p>
+        </p:txBody>
+      </p:sp>
+      <p:sp>
+        <p:nvSpPr>
+          <p:cNvPr id="2" name="Title 1">
+            <a:extLst>
+              <a:ext uri="{FF2B5EF4-FFF2-40B4-BE49-F238E27FC236}">
+                <a16:creationId xmlns:a16="http://schemas.microsoft.com/office/drawing/2014/main" id="{0D4F245F-0CE6-E538-17BB-067E80E672C3}"/>
+              </a:ext>
+            </a:extLst>
+          </p:cNvPr>
+          <p:cNvSpPr>
+            <a:spLocks noGrp="1"/>
+          </p:cNvSpPr>
+          <p:nvPr>
+            <p:ph type="title"/>
+          </p:nvPr>
+        </p:nvSpPr>
+        <p:spPr/>
+        <p:txBody>
+          <a:bodyPr/>
+          <a:lstStyle/>
+          <a:p>
+            <a:r>
+              <a:rPr lang="en-US" dirty="0"/>
+              <a:t>Key focus areas</a:t>
+            </a:r>
+            <a:endParaRPr lang="nl-NL" dirty="0"/>
+          </a:p>
+        </p:txBody>
+      </p:sp>
+      <p:sp>
+        <p:nvSpPr>
+          <p:cNvPr id="4" name="Text Placeholder 3">
+            <a:extLst>
+              <a:ext uri="{FF2B5EF4-FFF2-40B4-BE49-F238E27FC236}">
+                <a16:creationId xmlns:a16="http://schemas.microsoft.com/office/drawing/2014/main" id="{1F6FF019-FAB1-38AD-E1F9-D696B99A0AAE}"/>
+              </a:ext>
+            </a:extLst>
+          </p:cNvPr>
+          <p:cNvSpPr>
+            <a:spLocks noGrp="1"/>
+          </p:cNvSpPr>
+          <p:nvPr>
+            <p:ph type="body" sz="quarter" idx="10"/>
+          </p:nvPr>
+        </p:nvSpPr>
+        <p:spPr/>
+        <p:txBody>
+          <a:bodyPr/>
+          <a:lstStyle/>
+          <a:p>
+            <a:r>
+              <a:rPr lang="en-US" dirty="0"/>
+              <a:t>Introduction</a:t>
+            </a:r>
+          </a:p>
+        </p:txBody>
+      </p:sp>
+      <p:pic>
+        <p:nvPicPr>
+          <p:cNvPr id="1026" name="Picture 2" descr="Block of Python code showing sample source code">
+            <a:extLst>
+              <a:ext uri="{FF2B5EF4-FFF2-40B4-BE49-F238E27FC236}">
+                <a16:creationId xmlns:a16="http://schemas.microsoft.com/office/drawing/2014/main" id="{70BFFB5F-893A-1EE0-475F-1EF45743295C}"/>
+              </a:ext>
+            </a:extLst>
+          </p:cNvPr>
+          <p:cNvPicPr>
+            <a:picLocks noChangeAspect="1" noChangeArrowheads="1"/>
+          </p:cNvPicPr>
+          <p:nvPr/>
+        </p:nvPicPr>
+        <p:blipFill>
+          <a:blip r:embed="rId2">
+            <a:extLst>
+              <a:ext uri="{28A0092B-C50C-407E-A947-70E740481C1C}">
+                <a14:useLocalDpi xmlns:a14="http://schemas.microsoft.com/office/drawing/2010/main" val="0"/>
+              </a:ext>
+            </a:extLst>
+          </a:blip>
+          <a:srcRect/>
+          <a:stretch>
+            <a:fillRect/>
+          </a:stretch>
+        </p:blipFill>
+        <p:spPr bwMode="auto">
+          <a:xfrm>
+            <a:off x="6346412" y="3069000"/>
+            <a:ext cx="2960166" cy="1935000"/>
+          </a:xfrm>
+          <a:prstGeom prst="rect">
+            <a:avLst/>
+          </a:prstGeom>
+          <a:noFill/>
+          <a:extLst>
+            <a:ext uri="{909E8E84-426E-40DD-AFC4-6F175D3DCCD1}">
+              <a14:hiddenFill xmlns:a14="http://schemas.microsoft.com/office/drawing/2010/main">
+                <a:solidFill>
+                  <a:srgbClr val="FFFFFF"/>
+                </a:solidFill>
+              </a14:hiddenFill>
+            </a:ext>
+          </a:extLst>
+        </p:spPr>
+      </p:pic>
+    </p:spTree>
+    <p:extLst>
+      <p:ext uri="{BB962C8B-B14F-4D97-AF65-F5344CB8AC3E}">
+        <p14:creationId xmlns:p14="http://schemas.microsoft.com/office/powerpoint/2010/main" val="1028305031"/>
+      </p:ext>
+    </p:extLst>
+  </p:cSld>
+  <p:clrMapOvr>
+    <a:masterClrMapping/>
+  </p:clrMapOvr>
+</p:sld>
+</file>
+
+<file path=ppt/slides/slide40.xml><?xml version="1.0" encoding="utf-8"?>
 <p:sld xmlns:a="http://schemas.openxmlformats.org/drawingml/2006/main" xmlns:r="http://schemas.openxmlformats.org/officeDocument/2006/relationships" xmlns:p="http://schemas.openxmlformats.org/presentationml/2006/main">
   <p:cSld>
     <p:spTree>
@@ -43801,7 +42113,7 @@
 </p:sld>
 </file>
 
-<file path=ppt/slides/slide42.xml><?xml version="1.0" encoding="utf-8"?>
+<file path=ppt/slides/slide41.xml><?xml version="1.0" encoding="utf-8"?>
 <p:sld xmlns:a="http://schemas.openxmlformats.org/drawingml/2006/main" xmlns:r="http://schemas.openxmlformats.org/officeDocument/2006/relationships" xmlns:p="http://schemas.openxmlformats.org/presentationml/2006/main">
   <p:cSld>
     <p:spTree>
@@ -44018,7 +42330,7 @@
 </p:sld>
 </file>
 
-<file path=ppt/slides/slide43.xml><?xml version="1.0" encoding="utf-8"?>
+<file path=ppt/slides/slide42.xml><?xml version="1.0" encoding="utf-8"?>
 <p:sld xmlns:a="http://schemas.openxmlformats.org/drawingml/2006/main" xmlns:r="http://schemas.openxmlformats.org/officeDocument/2006/relationships" xmlns:p="http://schemas.openxmlformats.org/presentationml/2006/main">
   <p:cSld>
     <p:spTree>
@@ -44276,7 +42588,7 @@
 </p:sld>
 </file>
 
-<file path=ppt/slides/slide44.xml><?xml version="1.0" encoding="utf-8"?>
+<file path=ppt/slides/slide43.xml><?xml version="1.0" encoding="utf-8"?>
 <p:sld xmlns:a="http://schemas.openxmlformats.org/drawingml/2006/main" xmlns:r="http://schemas.openxmlformats.org/officeDocument/2006/relationships" xmlns:p="http://schemas.openxmlformats.org/presentationml/2006/main">
   <p:cSld>
     <p:spTree>
@@ -44669,7 +42981,7 @@
 </p:sld>
 </file>
 
-<file path=ppt/slides/slide45.xml><?xml version="1.0" encoding="utf-8"?>
+<file path=ppt/slides/slide44.xml><?xml version="1.0" encoding="utf-8"?>
 <p:sld xmlns:a="http://schemas.openxmlformats.org/drawingml/2006/main" xmlns:r="http://schemas.openxmlformats.org/officeDocument/2006/relationships" xmlns:p="http://schemas.openxmlformats.org/presentationml/2006/main">
   <p:cSld>
     <p:spTree>
@@ -45116,7 +43428,7 @@
 </p:sld>
 </file>
 
-<file path=ppt/slides/slide46.xml><?xml version="1.0" encoding="utf-8"?>
+<file path=ppt/slides/slide45.xml><?xml version="1.0" encoding="utf-8"?>
 <p:sld xmlns:a="http://schemas.openxmlformats.org/drawingml/2006/main" xmlns:r="http://schemas.openxmlformats.org/officeDocument/2006/relationships" xmlns:p="http://schemas.openxmlformats.org/presentationml/2006/main">
   <p:cSld>
     <p:spTree>
@@ -45273,6 +43585,144 @@
     <p:extLst>
       <p:ext uri="{BB962C8B-B14F-4D97-AF65-F5344CB8AC3E}">
         <p14:creationId xmlns:p14="http://schemas.microsoft.com/office/powerpoint/2010/main" val="1944578788"/>
+      </p:ext>
+    </p:extLst>
+  </p:cSld>
+  <p:clrMapOvr>
+    <a:masterClrMapping/>
+  </p:clrMapOvr>
+</p:sld>
+</file>
+
+<file path=ppt/slides/slide46.xml><?xml version="1.0" encoding="utf-8"?>
+<p:sld xmlns:a="http://schemas.openxmlformats.org/drawingml/2006/main" xmlns:r="http://schemas.openxmlformats.org/officeDocument/2006/relationships" xmlns:p="http://schemas.openxmlformats.org/presentationml/2006/main">
+  <p:cSld>
+    <p:spTree>
+      <p:nvGrpSpPr>
+        <p:cNvPr id="1" name=""/>
+        <p:cNvGrpSpPr/>
+        <p:nvPr/>
+      </p:nvGrpSpPr>
+      <p:grpSpPr>
+        <a:xfrm>
+          <a:off x="0" y="0"/>
+          <a:ext cx="0" cy="0"/>
+          <a:chOff x="0" y="0"/>
+          <a:chExt cx="0" cy="0"/>
+        </a:xfrm>
+      </p:grpSpPr>
+      <p:sp>
+        <p:nvSpPr>
+          <p:cNvPr id="2" name="Content Placeholder 1">
+            <a:extLst>
+              <a:ext uri="{FF2B5EF4-FFF2-40B4-BE49-F238E27FC236}">
+                <a16:creationId xmlns:a16="http://schemas.microsoft.com/office/drawing/2014/main" id="{F3223F71-8B05-6CC1-CA51-A025DDF1DAB8}"/>
+              </a:ext>
+            </a:extLst>
+          </p:cNvPr>
+          <p:cNvSpPr>
+            <a:spLocks noGrp="1"/>
+          </p:cNvSpPr>
+          <p:nvPr>
+            <p:ph idx="1"/>
+          </p:nvPr>
+        </p:nvSpPr>
+        <p:spPr/>
+        <p:txBody>
+          <a:bodyPr/>
+          <a:lstStyle/>
+          <a:p>
+            <a:endParaRPr lang="en-US"/>
+          </a:p>
+        </p:txBody>
+      </p:sp>
+      <p:sp>
+        <p:nvSpPr>
+          <p:cNvPr id="3" name="Title 2">
+            <a:extLst>
+              <a:ext uri="{FF2B5EF4-FFF2-40B4-BE49-F238E27FC236}">
+                <a16:creationId xmlns:a16="http://schemas.microsoft.com/office/drawing/2014/main" id="{6C30902E-F652-936E-C149-E3BF9C9DC375}"/>
+              </a:ext>
+            </a:extLst>
+          </p:cNvPr>
+          <p:cNvSpPr>
+            <a:spLocks noGrp="1"/>
+          </p:cNvSpPr>
+          <p:nvPr>
+            <p:ph type="title"/>
+          </p:nvPr>
+        </p:nvSpPr>
+        <p:spPr/>
+        <p:txBody>
+          <a:bodyPr/>
+          <a:lstStyle/>
+          <a:p>
+            <a:r>
+              <a:rPr lang="en-US" dirty="0"/>
+              <a:t>Gas path component (abstract)</a:t>
+            </a:r>
+          </a:p>
+        </p:txBody>
+      </p:sp>
+      <p:sp>
+        <p:nvSpPr>
+          <p:cNvPr id="4" name="Text Placeholder 3">
+            <a:extLst>
+              <a:ext uri="{FF2B5EF4-FFF2-40B4-BE49-F238E27FC236}">
+                <a16:creationId xmlns:a16="http://schemas.microsoft.com/office/drawing/2014/main" id="{27EDA415-2484-F93A-24FD-5ED03A9B2932}"/>
+              </a:ext>
+            </a:extLst>
+          </p:cNvPr>
+          <p:cNvSpPr>
+            <a:spLocks noGrp="1"/>
+          </p:cNvSpPr>
+          <p:nvPr>
+            <p:ph type="body" sz="quarter" idx="10"/>
+          </p:nvPr>
+        </p:nvSpPr>
+        <p:spPr/>
+        <p:txBody>
+          <a:bodyPr/>
+          <a:lstStyle/>
+          <a:p>
+            <a:endParaRPr lang="en-US"/>
+          </a:p>
+        </p:txBody>
+      </p:sp>
+      <p:pic>
+        <p:nvPicPr>
+          <p:cNvPr id="6" name="Picture 5">
+            <a:extLst>
+              <a:ext uri="{FF2B5EF4-FFF2-40B4-BE49-F238E27FC236}">
+                <a16:creationId xmlns:a16="http://schemas.microsoft.com/office/drawing/2014/main" id="{625BA859-9532-C9AB-C881-37868D3521AB}"/>
+              </a:ext>
+            </a:extLst>
+          </p:cNvPr>
+          <p:cNvPicPr>
+            <a:picLocks noChangeAspect="1"/>
+          </p:cNvPicPr>
+          <p:nvPr/>
+        </p:nvPicPr>
+        <p:blipFill>
+          <a:blip r:embed="rId2"/>
+          <a:stretch>
+            <a:fillRect/>
+          </a:stretch>
+        </p:blipFill>
+        <p:spPr>
+          <a:xfrm>
+            <a:off x="979001" y="1521586"/>
+            <a:ext cx="8792802" cy="4410691"/>
+          </a:xfrm>
+          <a:prstGeom prst="rect">
+            <a:avLst/>
+          </a:prstGeom>
+        </p:spPr>
+      </p:pic>
+    </p:spTree>
+    <p:extLst>
+      <p:ext uri="{BB962C8B-B14F-4D97-AF65-F5344CB8AC3E}">
+        <p14:creationId xmlns:p14="http://schemas.microsoft.com/office/powerpoint/2010/main" val="834392964"/>
       </p:ext>
     </p:extLst>
   </p:cSld>
@@ -45320,7 +43770,21 @@
           <a:bodyPr/>
           <a:lstStyle/>
           <a:p>
-            <a:endParaRPr lang="en-US"/>
+            <a:r>
+              <a:rPr lang="en-US" dirty="0"/>
+              <a:t>Example: </a:t>
+            </a:r>
+            <a:r>
+              <a:rPr lang="en-US" dirty="0" err="1"/>
+              <a:t>Tinlet</a:t>
+            </a:r>
+            <a:r>
+              <a:rPr lang="en-US" dirty="0"/>
+              <a:t> declaration </a:t>
+            </a:r>
+          </a:p>
+          <a:p>
+            <a:endParaRPr lang="en-US" dirty="0"/>
           </a:p>
         </p:txBody>
       </p:sp>
@@ -45347,7 +43811,7 @@
           <a:p>
             <a:r>
               <a:rPr lang="en-US" dirty="0"/>
-              <a:t>Inlets</a:t>
+              <a:t>Gas path component “constructor” code</a:t>
             </a:r>
           </a:p>
         </p:txBody>
@@ -45385,6 +43849,36 @@
           </a:p>
         </p:txBody>
       </p:sp>
+      <p:pic>
+        <p:nvPicPr>
+          <p:cNvPr id="10" name="Picture 9">
+            <a:extLst>
+              <a:ext uri="{FF2B5EF4-FFF2-40B4-BE49-F238E27FC236}">
+                <a16:creationId xmlns:a16="http://schemas.microsoft.com/office/drawing/2014/main" id="{9BC9F491-F288-AE70-DE15-23AB92D4BE4F}"/>
+              </a:ext>
+            </a:extLst>
+          </p:cNvPr>
+          <p:cNvPicPr>
+            <a:picLocks noChangeAspect="1"/>
+          </p:cNvPicPr>
+          <p:nvPr/>
+        </p:nvPicPr>
+        <p:blipFill>
+          <a:blip r:embed="rId2"/>
+          <a:stretch>
+            <a:fillRect/>
+          </a:stretch>
+        </p:blipFill>
+        <p:spPr>
+          <a:xfrm>
+            <a:off x="1090412" y="2394000"/>
+            <a:ext cx="8583407" cy="1575000"/>
+          </a:xfrm>
+          <a:prstGeom prst="rect">
+            <a:avLst/>
+          </a:prstGeom>
+        </p:spPr>
+      </p:pic>
     </p:spTree>
     <p:extLst>
       <p:ext uri="{BB962C8B-B14F-4D97-AF65-F5344CB8AC3E}">
@@ -45399,6 +43893,208 @@
 </file>
 
 <file path=ppt/slides/slide48.xml><?xml version="1.0" encoding="utf-8"?>
+<p:sld xmlns:a="http://schemas.openxmlformats.org/drawingml/2006/main" xmlns:r="http://schemas.openxmlformats.org/officeDocument/2006/relationships" xmlns:p="http://schemas.openxmlformats.org/presentationml/2006/main">
+  <p:cSld>
+    <p:spTree>
+      <p:nvGrpSpPr>
+        <p:cNvPr id="1" name="">
+          <a:extLst>
+            <a:ext uri="{FF2B5EF4-FFF2-40B4-BE49-F238E27FC236}">
+              <a16:creationId xmlns:a16="http://schemas.microsoft.com/office/drawing/2014/main" id="{D5CACDC8-97FB-15A5-2BD2-9977E6AD7EA1}"/>
+            </a:ext>
+          </a:extLst>
+        </p:cNvPr>
+        <p:cNvGrpSpPr/>
+        <p:nvPr/>
+      </p:nvGrpSpPr>
+      <p:grpSpPr>
+        <a:xfrm>
+          <a:off x="0" y="0"/>
+          <a:ext cx="0" cy="0"/>
+          <a:chOff x="0" y="0"/>
+          <a:chExt cx="0" cy="0"/>
+        </a:xfrm>
+      </p:grpSpPr>
+      <p:sp>
+        <p:nvSpPr>
+          <p:cNvPr id="2" name="Content Placeholder 1">
+            <a:extLst>
+              <a:ext uri="{FF2B5EF4-FFF2-40B4-BE49-F238E27FC236}">
+                <a16:creationId xmlns:a16="http://schemas.microsoft.com/office/drawing/2014/main" id="{72EB6991-5886-4136-8D45-41CCF590DC35}"/>
+              </a:ext>
+            </a:extLst>
+          </p:cNvPr>
+          <p:cNvSpPr>
+            <a:spLocks noGrp="1"/>
+          </p:cNvSpPr>
+          <p:nvPr>
+            <p:ph idx="1"/>
+          </p:nvPr>
+        </p:nvSpPr>
+        <p:spPr/>
+        <p:txBody>
+          <a:bodyPr/>
+          <a:lstStyle/>
+          <a:p>
+            <a:endParaRPr lang="en-US" dirty="0"/>
+          </a:p>
+        </p:txBody>
+      </p:sp>
+      <p:sp>
+        <p:nvSpPr>
+          <p:cNvPr id="3" name="Title 2">
+            <a:extLst>
+              <a:ext uri="{FF2B5EF4-FFF2-40B4-BE49-F238E27FC236}">
+                <a16:creationId xmlns:a16="http://schemas.microsoft.com/office/drawing/2014/main" id="{07A30314-6174-E5F8-91AF-DD10C207DEA7}"/>
+              </a:ext>
+            </a:extLst>
+          </p:cNvPr>
+          <p:cNvSpPr>
+            <a:spLocks noGrp="1"/>
+          </p:cNvSpPr>
+          <p:nvPr>
+            <p:ph type="title"/>
+          </p:nvPr>
+        </p:nvSpPr>
+        <p:spPr/>
+        <p:txBody>
+          <a:bodyPr/>
+          <a:lstStyle/>
+          <a:p>
+            <a:r>
+              <a:rPr lang="en-US" dirty="0"/>
+              <a:t>Inlet code</a:t>
+            </a:r>
+          </a:p>
+        </p:txBody>
+      </p:sp>
+      <p:sp>
+        <p:nvSpPr>
+          <p:cNvPr id="4" name="Text Placeholder 3">
+            <a:extLst>
+              <a:ext uri="{FF2B5EF4-FFF2-40B4-BE49-F238E27FC236}">
+                <a16:creationId xmlns:a16="http://schemas.microsoft.com/office/drawing/2014/main" id="{424EA437-0AB6-E349-E730-AD7FD2AE21D0}"/>
+              </a:ext>
+            </a:extLst>
+          </p:cNvPr>
+          <p:cNvSpPr>
+            <a:spLocks noGrp="1"/>
+          </p:cNvSpPr>
+          <p:nvPr>
+            <p:ph type="body" sz="quarter" idx="10"/>
+          </p:nvPr>
+        </p:nvSpPr>
+        <p:spPr>
+          <a:xfrm>
+            <a:off x="4726412" y="954000"/>
+            <a:ext cx="4558876" cy="494270"/>
+          </a:xfrm>
+        </p:spPr>
+        <p:txBody>
+          <a:bodyPr/>
+          <a:lstStyle/>
+          <a:p>
+            <a:r>
+              <a:rPr lang="en-US" dirty="0"/>
+              <a:t>Component model implementations</a:t>
+            </a:r>
+          </a:p>
+        </p:txBody>
+      </p:sp>
+      <p:pic>
+        <p:nvPicPr>
+          <p:cNvPr id="7" name="Picture 6">
+            <a:extLst>
+              <a:ext uri="{FF2B5EF4-FFF2-40B4-BE49-F238E27FC236}">
+                <a16:creationId xmlns:a16="http://schemas.microsoft.com/office/drawing/2014/main" id="{2F0728AD-03D8-B531-09C1-E4E150235523}"/>
+              </a:ext>
+            </a:extLst>
+          </p:cNvPr>
+          <p:cNvPicPr>
+            <a:picLocks noChangeAspect="1"/>
+          </p:cNvPicPr>
+          <p:nvPr/>
+        </p:nvPicPr>
+        <p:blipFill>
+          <a:blip r:embed="rId2"/>
+          <a:stretch>
+            <a:fillRect/>
+          </a:stretch>
+        </p:blipFill>
+        <p:spPr>
+          <a:xfrm>
+            <a:off x="1666412" y="1585800"/>
+            <a:ext cx="6220189" cy="4850350"/>
+          </a:xfrm>
+          <a:prstGeom prst="rect">
+            <a:avLst/>
+          </a:prstGeom>
+        </p:spPr>
+      </p:pic>
+      <p:sp>
+        <p:nvSpPr>
+          <p:cNvPr id="8" name="TextBox 7">
+            <a:extLst>
+              <a:ext uri="{FF2B5EF4-FFF2-40B4-BE49-F238E27FC236}">
+                <a16:creationId xmlns:a16="http://schemas.microsoft.com/office/drawing/2014/main" id="{74F32B7C-ADF7-C8C6-A89E-2243E7218C71}"/>
+              </a:ext>
+            </a:extLst>
+          </p:cNvPr>
+          <p:cNvSpPr txBox="1"/>
+          <p:nvPr/>
+        </p:nvSpPr>
+        <p:spPr>
+          <a:xfrm>
+            <a:off x="335580" y="3564000"/>
+            <a:ext cx="8215831" cy="495000"/>
+          </a:xfrm>
+          <a:prstGeom prst="rect">
+            <a:avLst/>
+          </a:prstGeom>
+          <a:noFill/>
+          <a:ln w="28575">
+            <a:solidFill>
+              <a:srgbClr val="FF0000"/>
+            </a:solidFill>
+          </a:ln>
+        </p:spPr>
+        <p:txBody>
+          <a:bodyPr wrap="square" rtlCol="0">
+            <a:noAutofit/>
+          </a:bodyPr>
+          <a:lstStyle/>
+          <a:p>
+            <a:r>
+              <a:rPr lang="en-US" sz="1400" dirty="0"/>
+              <a:t>Adding state</a:t>
+            </a:r>
+            <a:br>
+              <a:rPr lang="en-US" sz="1400" dirty="0"/>
+            </a:br>
+            <a:r>
+              <a:rPr lang="en-US" sz="1400" dirty="0"/>
+              <a:t>variable</a:t>
+            </a:r>
+          </a:p>
+          <a:p>
+            <a:endParaRPr lang="en-US" sz="1400" dirty="0"/>
+          </a:p>
+        </p:txBody>
+      </p:sp>
+    </p:spTree>
+    <p:extLst>
+      <p:ext uri="{BB962C8B-B14F-4D97-AF65-F5344CB8AC3E}">
+        <p14:creationId xmlns:p14="http://schemas.microsoft.com/office/powerpoint/2010/main" val="2429147231"/>
+      </p:ext>
+    </p:extLst>
+  </p:cSld>
+  <p:clrMapOvr>
+    <a:masterClrMapping/>
+  </p:clrMapOvr>
+</p:sld>
+</file>
+
+<file path=ppt/slides/slide49.xml><?xml version="1.0" encoding="utf-8"?>
 <p:sld xmlns:a="http://schemas.openxmlformats.org/drawingml/2006/main" xmlns:r="http://schemas.openxmlformats.org/officeDocument/2006/relationships" xmlns:p="http://schemas.openxmlformats.org/presentationml/2006/main">
   <p:cSld>
     <p:spTree>
@@ -45463,7 +44159,7 @@
           <a:p>
             <a:r>
               <a:rPr lang="en-US" dirty="0"/>
-              <a:t>Compressors</a:t>
+              <a:t>Compressor  - Design point mode</a:t>
             </a:r>
           </a:p>
         </p:txBody>
@@ -45493,275 +44189,140 @@
           </a:p>
         </p:txBody>
       </p:sp>
-    </p:spTree>
-    <p:extLst>
-      <p:ext uri="{BB962C8B-B14F-4D97-AF65-F5344CB8AC3E}">
-        <p14:creationId xmlns:p14="http://schemas.microsoft.com/office/powerpoint/2010/main" val="2947475874"/>
-      </p:ext>
-    </p:extLst>
-  </p:cSld>
-  <p:clrMapOvr>
-    <a:masterClrMapping/>
-  </p:clrMapOvr>
-</p:sld>
-</file>
-
-<file path=ppt/slides/slide49.xml><?xml version="1.0" encoding="utf-8"?>
-<p:sld xmlns:a="http://schemas.openxmlformats.org/drawingml/2006/main" xmlns:r="http://schemas.openxmlformats.org/officeDocument/2006/relationships" xmlns:p="http://schemas.openxmlformats.org/presentationml/2006/main">
-  <p:cSld>
-    <p:spTree>
-      <p:nvGrpSpPr>
-        <p:cNvPr id="1" name="">
-          <a:extLst>
-            <a:ext uri="{FF2B5EF4-FFF2-40B4-BE49-F238E27FC236}">
-              <a16:creationId xmlns:a16="http://schemas.microsoft.com/office/drawing/2014/main" id="{F8391B30-BE46-4A27-5AD9-B2003806ABDC}"/>
-            </a:ext>
-          </a:extLst>
-        </p:cNvPr>
-        <p:cNvGrpSpPr/>
-        <p:nvPr/>
-      </p:nvGrpSpPr>
-      <p:grpSpPr>
-        <a:xfrm>
-          <a:off x="0" y="0"/>
-          <a:ext cx="0" cy="0"/>
-          <a:chOff x="0" y="0"/>
-          <a:chExt cx="0" cy="0"/>
-        </a:xfrm>
-      </p:grpSpPr>
-      <p:sp>
-        <p:nvSpPr>
-          <p:cNvPr id="3" name="Content Placeholder 2">
+      <p:pic>
+        <p:nvPicPr>
+          <p:cNvPr id="6" name="Picture 5">
             <a:extLst>
               <a:ext uri="{FF2B5EF4-FFF2-40B4-BE49-F238E27FC236}">
-                <a16:creationId xmlns:a16="http://schemas.microsoft.com/office/drawing/2014/main" id="{F5825D5F-4061-D32A-9B08-5E4F104467B9}"/>
+                <a16:creationId xmlns:a16="http://schemas.microsoft.com/office/drawing/2014/main" id="{9B3ACEC8-CC19-DA6A-53DD-F77C7A4624E1}"/>
               </a:ext>
             </a:extLst>
           </p:cNvPr>
-          <p:cNvSpPr>
-            <a:spLocks noGrp="1"/>
-          </p:cNvSpPr>
-          <p:nvPr>
-            <p:ph idx="1"/>
-          </p:nvPr>
+          <p:cNvPicPr>
+            <a:picLocks noChangeAspect="1"/>
+          </p:cNvPicPr>
+          <p:nvPr/>
+        </p:nvPicPr>
+        <p:blipFill>
+          <a:blip r:embed="rId2"/>
+          <a:stretch>
+            <a:fillRect/>
+          </a:stretch>
+        </p:blipFill>
+        <p:spPr>
+          <a:xfrm>
+            <a:off x="1261412" y="1524000"/>
+            <a:ext cx="8155451" cy="4753372"/>
+          </a:xfrm>
+          <a:prstGeom prst="rect">
+            <a:avLst/>
+          </a:prstGeom>
+        </p:spPr>
+      </p:pic>
+      <p:sp>
+        <p:nvSpPr>
+          <p:cNvPr id="7" name="TextBox 6">
+            <a:extLst>
+              <a:ext uri="{FF2B5EF4-FFF2-40B4-BE49-F238E27FC236}">
+                <a16:creationId xmlns:a16="http://schemas.microsoft.com/office/drawing/2014/main" id="{1133A688-96D3-9D52-A3C1-DD2DA2EC7D2D}"/>
+              </a:ext>
+            </a:extLst>
+          </p:cNvPr>
+          <p:cNvSpPr txBox="1"/>
+          <p:nvPr/>
         </p:nvSpPr>
-        <p:spPr/>
+        <p:spPr>
+          <a:xfrm>
+            <a:off x="46412" y="3339000"/>
+            <a:ext cx="8215831" cy="1381359"/>
+          </a:xfrm>
+          <a:prstGeom prst="rect">
+            <a:avLst/>
+          </a:prstGeom>
+          <a:noFill/>
+          <a:ln w="28575">
+            <a:solidFill>
+              <a:srgbClr val="FF0000"/>
+            </a:solidFill>
+          </a:ln>
+        </p:spPr>
         <p:txBody>
-          <a:bodyPr/>
+          <a:bodyPr wrap="square" rtlCol="0">
+            <a:noAutofit/>
+          </a:bodyPr>
           <a:lstStyle/>
           <a:p>
-            <a:pPr>
-              <a:buClrTx/>
-            </a:pPr>
-            <a:r>
-              <a:rPr lang="en-US" sz="2600" dirty="0"/>
-              <a:t>Generate global output table			</a:t>
-            </a:r>
-            <a:r>
-              <a:rPr lang="en-US" i="1" dirty="0">
-                <a:solidFill>
-                  <a:srgbClr val="00B0F0"/>
-                </a:solidFill>
-              </a:rPr>
-              <a:t> pandas </a:t>
-            </a:r>
-            <a:r>
-              <a:rPr lang="en-US" sz="2600" dirty="0"/>
-              <a:t>	</a:t>
-            </a:r>
-          </a:p>
-          <a:p>
-            <a:pPr lvl="1">
-              <a:buClrTx/>
-            </a:pPr>
-            <a:r>
-              <a:rPr lang="en-US" sz="2200" dirty="0"/>
-              <a:t>Code output per component</a:t>
-            </a:r>
-          </a:p>
-          <a:p>
-            <a:pPr lvl="1">
-              <a:buClrTx/>
-            </a:pPr>
-            <a:r>
-              <a:rPr lang="en-US" sz="2200" dirty="0"/>
-              <a:t>System level output	(PW, FN, </a:t>
-            </a:r>
-            <a:r>
-              <a:rPr lang="en-US" sz="2200" dirty="0" err="1"/>
-              <a:t>Wf</a:t>
-            </a:r>
-            <a:r>
-              <a:rPr lang="en-US" sz="2200" dirty="0"/>
-              <a:t>, W2 etc.)</a:t>
-            </a:r>
-          </a:p>
-          <a:p>
-            <a:pPr lvl="1">
-              <a:buClrTx/>
-            </a:pPr>
-            <a:r>
-              <a:rPr lang="en-US" sz="2200" dirty="0"/>
-              <a:t>Export to .csv					</a:t>
-            </a:r>
-            <a:endParaRPr lang="en-US" i="1" dirty="0">
-              <a:solidFill>
-                <a:srgbClr val="00B0F0"/>
-              </a:solidFill>
-            </a:endParaRPr>
-          </a:p>
-          <a:p>
-            <a:pPr lvl="1">
-              <a:buClrTx/>
-            </a:pPr>
-            <a:r>
-              <a:rPr lang="en-US" sz="2200" dirty="0"/>
-              <a:t>Make graphs in Excel</a:t>
-            </a:r>
-          </a:p>
-          <a:p>
-            <a:pPr>
-              <a:buClrTx/>
-            </a:pPr>
-            <a:r>
-              <a:rPr lang="en-US" sz="2600" dirty="0"/>
-              <a:t>Component maps</a:t>
-            </a:r>
-          </a:p>
-          <a:p>
-            <a:pPr lvl="1">
-              <a:buClrTx/>
-            </a:pPr>
-            <a:r>
-              <a:rPr lang="en-US" sz="2200" dirty="0"/>
-              <a:t>Graphical output					</a:t>
-            </a:r>
-            <a:r>
-              <a:rPr lang="en-US" sz="2800" i="1" dirty="0">
-                <a:solidFill>
-                  <a:srgbClr val="00B0F0"/>
-                </a:solidFill>
-                <a:ea typeface="+mn-ea"/>
-                <a:cs typeface="+mn-cs"/>
-              </a:rPr>
-              <a:t>matplotlib</a:t>
-            </a:r>
-          </a:p>
-          <a:p>
-            <a:pPr lvl="1">
-              <a:buClrTx/>
-            </a:pPr>
-            <a:r>
-              <a:rPr lang="en-US" sz="2200" dirty="0" err="1"/>
-              <a:t>Compessors</a:t>
-            </a:r>
-            <a:r>
-              <a:rPr lang="en-US" sz="2200" dirty="0"/>
-              <a:t>, fans, turbines, …</a:t>
-            </a:r>
-          </a:p>
-          <a:p>
-            <a:pPr lvl="1">
-              <a:buClrTx/>
-            </a:pPr>
-            <a:r>
-              <a:rPr lang="en-US" sz="2200" dirty="0"/>
-              <a:t>Draw operating lines in maps</a:t>
-            </a:r>
-          </a:p>
-          <a:p>
-            <a:pPr lvl="2">
-              <a:buClrTx/>
-            </a:pPr>
-            <a:r>
-              <a:rPr lang="en-US" sz="1800" dirty="0"/>
-              <a:t>scaling</a:t>
-            </a:r>
-          </a:p>
-          <a:p>
-            <a:pPr lvl="1">
-              <a:buClrTx/>
-            </a:pPr>
-            <a:endParaRPr lang="en-US" sz="2000" dirty="0"/>
-          </a:p>
-          <a:p>
-            <a:pPr marL="385763" lvl="1" indent="0">
-              <a:buClrTx/>
-              <a:buNone/>
-            </a:pPr>
-            <a:endParaRPr lang="en-US" sz="2000" dirty="0"/>
+            <a:r>
+              <a:rPr lang="en-US" sz="1400" dirty="0"/>
+              <a:t>Adding state</a:t>
+            </a:r>
+            <a:br>
+              <a:rPr lang="en-US" sz="1400" dirty="0"/>
+            </a:br>
+            <a:r>
+              <a:rPr lang="en-US" sz="1400" dirty="0"/>
+              <a:t>variables</a:t>
+            </a:r>
+          </a:p>
+          <a:p>
+            <a:endParaRPr lang="en-US" sz="1400" dirty="0"/>
           </a:p>
         </p:txBody>
       </p:sp>
       <p:sp>
         <p:nvSpPr>
-          <p:cNvPr id="2" name="Title 1">
+          <p:cNvPr id="8" name="TextBox 7">
             <a:extLst>
               <a:ext uri="{FF2B5EF4-FFF2-40B4-BE49-F238E27FC236}">
-                <a16:creationId xmlns:a16="http://schemas.microsoft.com/office/drawing/2014/main" id="{0DAFFDB6-A898-DD7E-3034-E41D6E561B55}"/>
+                <a16:creationId xmlns:a16="http://schemas.microsoft.com/office/drawing/2014/main" id="{2E4D28CA-4F36-5EF2-92DF-682AC034E8BF}"/>
               </a:ext>
             </a:extLst>
           </p:cNvPr>
-          <p:cNvSpPr>
-            <a:spLocks noGrp="1"/>
-          </p:cNvSpPr>
-          <p:nvPr>
-            <p:ph type="title"/>
-          </p:nvPr>
+          <p:cNvSpPr txBox="1"/>
+          <p:nvPr/>
         </p:nvSpPr>
         <p:spPr>
           <a:xfrm>
-            <a:off x="1001713" y="369000"/>
-            <a:ext cx="8294688" cy="631800"/>
+            <a:off x="46412" y="4959000"/>
+            <a:ext cx="8215831" cy="691360"/>
           </a:xfrm>
+          <a:prstGeom prst="rect">
+            <a:avLst/>
+          </a:prstGeom>
+          <a:noFill/>
+          <a:ln w="28575">
+            <a:solidFill>
+              <a:srgbClr val="FF0000"/>
+            </a:solidFill>
+          </a:ln>
         </p:spPr>
         <p:txBody>
-          <a:bodyPr/>
+          <a:bodyPr wrap="square" rtlCol="0">
+            <a:noAutofit/>
+          </a:bodyPr>
           <a:lstStyle/>
           <a:p>
             <a:r>
-              <a:rPr lang="en-US" dirty="0"/>
-              <a:t>Python implementation - output</a:t>
-            </a:r>
-            <a:endParaRPr lang="nl-NL" dirty="0"/>
-          </a:p>
-        </p:txBody>
-      </p:sp>
-      <p:sp>
-        <p:nvSpPr>
-          <p:cNvPr id="4" name="Text Placeholder 3">
-            <a:extLst>
-              <a:ext uri="{FF2B5EF4-FFF2-40B4-BE49-F238E27FC236}">
-                <a16:creationId xmlns:a16="http://schemas.microsoft.com/office/drawing/2014/main" id="{26C6F4DF-F993-7E7B-57A0-9368620AE436}"/>
-              </a:ext>
-            </a:extLst>
-          </p:cNvPr>
-          <p:cNvSpPr>
-            <a:spLocks noGrp="1"/>
-          </p:cNvSpPr>
-          <p:nvPr>
-            <p:ph type="body" sz="quarter" idx="10"/>
-          </p:nvPr>
-        </p:nvSpPr>
-        <p:spPr/>
-        <p:txBody>
-          <a:bodyPr/>
-          <a:lstStyle/>
-          <a:p>
-            <a:r>
-              <a:rPr lang="en-US" dirty="0"/>
-              <a:t>Software implementation</a:t>
-            </a:r>
-          </a:p>
-          <a:p>
-            <a:endParaRPr lang="en-US" dirty="0"/>
+              <a:rPr lang="en-US" sz="1400" dirty="0"/>
+              <a:t>Adding error</a:t>
+            </a:r>
+            <a:br>
+              <a:rPr lang="en-US" sz="1400" dirty="0"/>
+            </a:br>
+            <a:r>
+              <a:rPr lang="en-US" sz="1400" dirty="0"/>
+              <a:t>variable</a:t>
+            </a:r>
+          </a:p>
+          <a:p>
+            <a:endParaRPr lang="en-US" sz="1400" dirty="0"/>
           </a:p>
         </p:txBody>
       </p:sp>
     </p:spTree>
     <p:extLst>
       <p:ext uri="{BB962C8B-B14F-4D97-AF65-F5344CB8AC3E}">
-        <p14:creationId xmlns:p14="http://schemas.microsoft.com/office/powerpoint/2010/main" val="2338760578"/>
+        <p14:creationId xmlns:p14="http://schemas.microsoft.com/office/powerpoint/2010/main" val="2947475874"/>
       </p:ext>
     </p:extLst>
   </p:cSld>
@@ -45961,6 +44522,1638 @@
   <p:cSld>
     <p:spTree>
       <p:nvGrpSpPr>
+        <p:cNvPr id="1" name="">
+          <a:extLst>
+            <a:ext uri="{FF2B5EF4-FFF2-40B4-BE49-F238E27FC236}">
+              <a16:creationId xmlns:a16="http://schemas.microsoft.com/office/drawing/2014/main" id="{625E5474-7924-330C-2968-7A6D1F92C2D0}"/>
+            </a:ext>
+          </a:extLst>
+        </p:cNvPr>
+        <p:cNvGrpSpPr/>
+        <p:nvPr/>
+      </p:nvGrpSpPr>
+      <p:grpSpPr>
+        <a:xfrm>
+          <a:off x="0" y="0"/>
+          <a:ext cx="0" cy="0"/>
+          <a:chOff x="0" y="0"/>
+          <a:chExt cx="0" cy="0"/>
+        </a:xfrm>
+      </p:grpSpPr>
+      <p:sp>
+        <p:nvSpPr>
+          <p:cNvPr id="2" name="Content Placeholder 1">
+            <a:extLst>
+              <a:ext uri="{FF2B5EF4-FFF2-40B4-BE49-F238E27FC236}">
+                <a16:creationId xmlns:a16="http://schemas.microsoft.com/office/drawing/2014/main" id="{93041C90-DC58-B87E-DFEC-98B35B7A7D67}"/>
+              </a:ext>
+            </a:extLst>
+          </p:cNvPr>
+          <p:cNvSpPr>
+            <a:spLocks noGrp="1"/>
+          </p:cNvSpPr>
+          <p:nvPr>
+            <p:ph idx="1"/>
+          </p:nvPr>
+        </p:nvSpPr>
+        <p:spPr>
+          <a:xfrm>
+            <a:off x="1001713" y="5004000"/>
+            <a:ext cx="8283575" cy="900000"/>
+          </a:xfrm>
+        </p:spPr>
+        <p:txBody>
+          <a:bodyPr/>
+          <a:lstStyle/>
+          <a:p>
+            <a:endParaRPr lang="en-US" dirty="0"/>
+          </a:p>
+        </p:txBody>
+      </p:sp>
+      <p:sp>
+        <p:nvSpPr>
+          <p:cNvPr id="3" name="Title 2">
+            <a:extLst>
+              <a:ext uri="{FF2B5EF4-FFF2-40B4-BE49-F238E27FC236}">
+                <a16:creationId xmlns:a16="http://schemas.microsoft.com/office/drawing/2014/main" id="{AB5B3D6A-CDD8-1724-8502-77045FB3A1FD}"/>
+              </a:ext>
+            </a:extLst>
+          </p:cNvPr>
+          <p:cNvSpPr>
+            <a:spLocks noGrp="1"/>
+          </p:cNvSpPr>
+          <p:nvPr>
+            <p:ph type="title"/>
+          </p:nvPr>
+        </p:nvSpPr>
+        <p:spPr/>
+        <p:txBody>
+          <a:bodyPr/>
+          <a:lstStyle/>
+          <a:p>
+            <a:r>
+              <a:rPr lang="en-US" dirty="0"/>
+              <a:t>Compressor  - Off-design mode</a:t>
+            </a:r>
+          </a:p>
+        </p:txBody>
+      </p:sp>
+      <p:sp>
+        <p:nvSpPr>
+          <p:cNvPr id="4" name="Text Placeholder 3">
+            <a:extLst>
+              <a:ext uri="{FF2B5EF4-FFF2-40B4-BE49-F238E27FC236}">
+                <a16:creationId xmlns:a16="http://schemas.microsoft.com/office/drawing/2014/main" id="{446F85FC-5ED1-84A1-EC80-77678699E2CA}"/>
+              </a:ext>
+            </a:extLst>
+          </p:cNvPr>
+          <p:cNvSpPr>
+            <a:spLocks noGrp="1"/>
+          </p:cNvSpPr>
+          <p:nvPr>
+            <p:ph type="body" sz="quarter" idx="10"/>
+          </p:nvPr>
+        </p:nvSpPr>
+        <p:spPr/>
+        <p:txBody>
+          <a:bodyPr/>
+          <a:lstStyle/>
+          <a:p>
+            <a:endParaRPr lang="en-US"/>
+          </a:p>
+        </p:txBody>
+      </p:sp>
+      <p:pic>
+        <p:nvPicPr>
+          <p:cNvPr id="7" name="Picture 6">
+            <a:extLst>
+              <a:ext uri="{FF2B5EF4-FFF2-40B4-BE49-F238E27FC236}">
+                <a16:creationId xmlns:a16="http://schemas.microsoft.com/office/drawing/2014/main" id="{0AEB8BD4-27F9-F27F-274D-C645B792DF5B}"/>
+              </a:ext>
+            </a:extLst>
+          </p:cNvPr>
+          <p:cNvPicPr>
+            <a:picLocks noChangeAspect="1"/>
+          </p:cNvPicPr>
+          <p:nvPr/>
+        </p:nvPicPr>
+        <p:blipFill>
+          <a:blip r:embed="rId2"/>
+          <a:stretch>
+            <a:fillRect/>
+          </a:stretch>
+        </p:blipFill>
+        <p:spPr>
+          <a:xfrm>
+            <a:off x="1151524" y="2169001"/>
+            <a:ext cx="8595720" cy="3593130"/>
+          </a:xfrm>
+          <a:prstGeom prst="rect">
+            <a:avLst/>
+          </a:prstGeom>
+        </p:spPr>
+      </p:pic>
+      <p:sp>
+        <p:nvSpPr>
+          <p:cNvPr id="9" name="TextBox 8">
+            <a:extLst>
+              <a:ext uri="{FF2B5EF4-FFF2-40B4-BE49-F238E27FC236}">
+                <a16:creationId xmlns:a16="http://schemas.microsoft.com/office/drawing/2014/main" id="{0497EDB9-35B2-E41C-4F98-3DE0A7E89B09}"/>
+              </a:ext>
+            </a:extLst>
+          </p:cNvPr>
+          <p:cNvSpPr txBox="1"/>
+          <p:nvPr/>
+        </p:nvSpPr>
+        <p:spPr>
+          <a:xfrm>
+            <a:off x="91412" y="2316851"/>
+            <a:ext cx="9090000" cy="482149"/>
+          </a:xfrm>
+          <a:prstGeom prst="rect">
+            <a:avLst/>
+          </a:prstGeom>
+          <a:noFill/>
+          <a:ln w="28575">
+            <a:solidFill>
+              <a:srgbClr val="FF0000"/>
+            </a:solidFill>
+          </a:ln>
+        </p:spPr>
+        <p:txBody>
+          <a:bodyPr wrap="square" rtlCol="0">
+            <a:noAutofit/>
+          </a:bodyPr>
+          <a:lstStyle/>
+          <a:p>
+            <a:r>
+              <a:rPr lang="en-US" sz="1400" dirty="0"/>
+              <a:t>N from </a:t>
+            </a:r>
+            <a:br>
+              <a:rPr lang="en-US" sz="1400" dirty="0"/>
+            </a:br>
+            <a:r>
+              <a:rPr lang="en-US" sz="1400" dirty="0"/>
+              <a:t>state var. </a:t>
+            </a:r>
+          </a:p>
+        </p:txBody>
+      </p:sp>
+      <p:sp>
+        <p:nvSpPr>
+          <p:cNvPr id="10" name="TextBox 9">
+            <a:extLst>
+              <a:ext uri="{FF2B5EF4-FFF2-40B4-BE49-F238E27FC236}">
+                <a16:creationId xmlns:a16="http://schemas.microsoft.com/office/drawing/2014/main" id="{8D2E9FA3-B51F-B9EE-C675-2FB4072FD193}"/>
+              </a:ext>
+            </a:extLst>
+          </p:cNvPr>
+          <p:cNvSpPr txBox="1"/>
+          <p:nvPr/>
+        </p:nvSpPr>
+        <p:spPr>
+          <a:xfrm>
+            <a:off x="43764" y="2946850"/>
+            <a:ext cx="9241524" cy="455984"/>
+          </a:xfrm>
+          <a:prstGeom prst="rect">
+            <a:avLst/>
+          </a:prstGeom>
+          <a:noFill/>
+          <a:ln w="28575">
+            <a:solidFill>
+              <a:srgbClr val="FF0000"/>
+            </a:solidFill>
+          </a:ln>
+        </p:spPr>
+        <p:txBody>
+          <a:bodyPr wrap="square" rtlCol="0">
+            <a:noAutofit/>
+          </a:bodyPr>
+          <a:lstStyle/>
+          <a:p>
+            <a:r>
+              <a:rPr lang="en-US" sz="1400" dirty="0"/>
+              <a:t>Beta from </a:t>
+            </a:r>
+            <a:br>
+              <a:rPr lang="en-US" sz="1400" dirty="0"/>
+            </a:br>
+            <a:r>
+              <a:rPr lang="en-US" sz="1400" dirty="0"/>
+              <a:t>state var. </a:t>
+            </a:r>
+          </a:p>
+        </p:txBody>
+      </p:sp>
+      <p:sp>
+        <p:nvSpPr>
+          <p:cNvPr id="11" name="TextBox 10">
+            <a:extLst>
+              <a:ext uri="{FF2B5EF4-FFF2-40B4-BE49-F238E27FC236}">
+                <a16:creationId xmlns:a16="http://schemas.microsoft.com/office/drawing/2014/main" id="{272370D2-9567-A802-C694-1D165ED631C5}"/>
+              </a:ext>
+            </a:extLst>
+          </p:cNvPr>
+          <p:cNvSpPr txBox="1"/>
+          <p:nvPr/>
+        </p:nvSpPr>
+        <p:spPr>
+          <a:xfrm>
+            <a:off x="43764" y="3477433"/>
+            <a:ext cx="9241524" cy="455984"/>
+          </a:xfrm>
+          <a:prstGeom prst="rect">
+            <a:avLst/>
+          </a:prstGeom>
+          <a:noFill/>
+          <a:ln w="28575">
+            <a:solidFill>
+              <a:srgbClr val="FF0000"/>
+            </a:solidFill>
+          </a:ln>
+        </p:spPr>
+        <p:txBody>
+          <a:bodyPr wrap="square" rtlCol="0">
+            <a:noAutofit/>
+          </a:bodyPr>
+          <a:lstStyle/>
+          <a:p>
+            <a:r>
+              <a:rPr lang="en-US" sz="1400" dirty="0"/>
+              <a:t>Compress.</a:t>
+            </a:r>
+            <a:br>
+              <a:rPr lang="en-US" sz="1400" dirty="0"/>
+            </a:br>
+            <a:r>
+              <a:rPr lang="en-US" sz="1400" dirty="0"/>
+              <a:t>calc</a:t>
+            </a:r>
+          </a:p>
+        </p:txBody>
+      </p:sp>
+      <p:sp>
+        <p:nvSpPr>
+          <p:cNvPr id="12" name="TextBox 11">
+            <a:extLst>
+              <a:ext uri="{FF2B5EF4-FFF2-40B4-BE49-F238E27FC236}">
+                <a16:creationId xmlns:a16="http://schemas.microsoft.com/office/drawing/2014/main" id="{61E146DB-B2C8-C390-CAAE-C3835726E99C}"/>
+              </a:ext>
+            </a:extLst>
+          </p:cNvPr>
+          <p:cNvSpPr txBox="1"/>
+          <p:nvPr/>
+        </p:nvSpPr>
+        <p:spPr>
+          <a:xfrm>
+            <a:off x="91412" y="4081268"/>
+            <a:ext cx="9241524" cy="482149"/>
+          </a:xfrm>
+          <a:prstGeom prst="rect">
+            <a:avLst/>
+          </a:prstGeom>
+          <a:noFill/>
+          <a:ln w="28575">
+            <a:solidFill>
+              <a:srgbClr val="FF0000"/>
+            </a:solidFill>
+          </a:ln>
+        </p:spPr>
+        <p:txBody>
+          <a:bodyPr wrap="square" rtlCol="0">
+            <a:noAutofit/>
+          </a:bodyPr>
+          <a:lstStyle/>
+          <a:p>
+            <a:r>
+              <a:rPr lang="en-US" sz="1400" dirty="0"/>
+              <a:t>error var.</a:t>
+            </a:r>
+            <a:br>
+              <a:rPr lang="en-US" sz="1400" dirty="0"/>
+            </a:br>
+            <a:r>
+              <a:rPr lang="en-US" sz="1400" dirty="0"/>
+              <a:t>calc</a:t>
+            </a:r>
+          </a:p>
+        </p:txBody>
+      </p:sp>
+    </p:spTree>
+    <p:extLst>
+      <p:ext uri="{BB962C8B-B14F-4D97-AF65-F5344CB8AC3E}">
+        <p14:creationId xmlns:p14="http://schemas.microsoft.com/office/powerpoint/2010/main" val="1502273492"/>
+      </p:ext>
+    </p:extLst>
+  </p:cSld>
+  <p:clrMapOvr>
+    <a:masterClrMapping/>
+  </p:clrMapOvr>
+</p:sld>
+</file>
+
+<file path=ppt/slides/slide51.xml><?xml version="1.0" encoding="utf-8"?>
+<p:sld xmlns:a="http://schemas.openxmlformats.org/drawingml/2006/main" xmlns:r="http://schemas.openxmlformats.org/officeDocument/2006/relationships" xmlns:p="http://schemas.openxmlformats.org/presentationml/2006/main">
+  <p:cSld>
+    <p:spTree>
+      <p:nvGrpSpPr>
+        <p:cNvPr id="1" name=""/>
+        <p:cNvGrpSpPr/>
+        <p:nvPr/>
+      </p:nvGrpSpPr>
+      <p:grpSpPr>
+        <a:xfrm>
+          <a:off x="0" y="0"/>
+          <a:ext cx="0" cy="0"/>
+          <a:chOff x="0" y="0"/>
+          <a:chExt cx="0" cy="0"/>
+        </a:xfrm>
+      </p:grpSpPr>
+      <p:sp>
+        <p:nvSpPr>
+          <p:cNvPr id="2" name="Content Placeholder 1">
+            <a:extLst>
+              <a:ext uri="{FF2B5EF4-FFF2-40B4-BE49-F238E27FC236}">
+                <a16:creationId xmlns:a16="http://schemas.microsoft.com/office/drawing/2014/main" id="{D88BDF1A-7E82-FC43-D81C-ECC873D3C7B1}"/>
+              </a:ext>
+            </a:extLst>
+          </p:cNvPr>
+          <p:cNvSpPr>
+            <a:spLocks noGrp="1"/>
+          </p:cNvSpPr>
+          <p:nvPr>
+            <p:ph idx="1"/>
+          </p:nvPr>
+        </p:nvSpPr>
+        <p:spPr/>
+        <p:txBody>
+          <a:bodyPr/>
+          <a:lstStyle/>
+          <a:p>
+            <a:r>
+              <a:rPr lang="en-US" dirty="0"/>
+              <a:t>open-source </a:t>
+            </a:r>
+            <a:r>
+              <a:rPr lang="en-US" dirty="0" err="1"/>
+              <a:t>TInlet</a:t>
+            </a:r>
+            <a:r>
+              <a:rPr lang="en-US" dirty="0"/>
+              <a:t> and </a:t>
+            </a:r>
+            <a:r>
+              <a:rPr lang="en-US" dirty="0" err="1"/>
+              <a:t>TCompressor</a:t>
+            </a:r>
+            <a:r>
+              <a:rPr lang="en-US" dirty="0"/>
+              <a:t> code implementation</a:t>
+            </a:r>
+          </a:p>
+          <a:p>
+            <a:r>
+              <a:rPr lang="en-US" dirty="0"/>
+              <a:t>Using generic functions</a:t>
+            </a:r>
+          </a:p>
+          <a:p>
+            <a:pPr lvl="1"/>
+            <a:r>
+              <a:rPr lang="en-US" dirty="0"/>
+              <a:t>Compression</a:t>
+            </a:r>
+          </a:p>
+          <a:p>
+            <a:pPr lvl="1"/>
+            <a:r>
+              <a:rPr lang="en-US" dirty="0"/>
+              <a:t>Expansion</a:t>
+            </a:r>
+          </a:p>
+          <a:p>
+            <a:r>
+              <a:rPr lang="en-US" dirty="0"/>
+              <a:t>See open-source code for</a:t>
+            </a:r>
+          </a:p>
+          <a:p>
+            <a:pPr lvl="1"/>
+            <a:r>
+              <a:rPr lang="en-US" dirty="0"/>
+              <a:t>Combustion (also see slides on Cantera)</a:t>
+            </a:r>
+          </a:p>
+          <a:p>
+            <a:pPr lvl="1"/>
+            <a:r>
+              <a:rPr lang="en-US" dirty="0"/>
+              <a:t>Duct: simple pressure loss</a:t>
+            </a:r>
+          </a:p>
+          <a:p>
+            <a:pPr lvl="1"/>
+            <a:r>
+              <a:rPr lang="en-US" dirty="0"/>
+              <a:t>Exhaust nozzle: isentropic expansion</a:t>
+            </a:r>
+          </a:p>
+          <a:p>
+            <a:pPr lvl="1"/>
+            <a:r>
+              <a:rPr lang="en-US" dirty="0"/>
+              <a:t>Control</a:t>
+            </a:r>
+          </a:p>
+          <a:p>
+            <a:pPr lvl="1"/>
+            <a:r>
+              <a:rPr lang="en-US" dirty="0"/>
+              <a:t>Ambient conditions (see </a:t>
+            </a:r>
+            <a:r>
+              <a:rPr lang="en-US" dirty="0" err="1"/>
+              <a:t>slided</a:t>
+            </a:r>
+            <a:r>
+              <a:rPr lang="en-US" dirty="0"/>
+              <a:t> on </a:t>
+            </a:r>
+            <a:r>
+              <a:rPr lang="en-US" dirty="0" err="1"/>
+              <a:t>Aerocalc</a:t>
+            </a:r>
+            <a:r>
+              <a:rPr lang="en-US" dirty="0"/>
+              <a:t>)</a:t>
+            </a:r>
+          </a:p>
+          <a:p>
+            <a:pPr lvl="1"/>
+            <a:endParaRPr lang="en-US" dirty="0"/>
+          </a:p>
+          <a:p>
+            <a:endParaRPr lang="en-US" dirty="0"/>
+          </a:p>
+        </p:txBody>
+      </p:sp>
+      <p:sp>
+        <p:nvSpPr>
+          <p:cNvPr id="3" name="Title 2">
+            <a:extLst>
+              <a:ext uri="{FF2B5EF4-FFF2-40B4-BE49-F238E27FC236}">
+                <a16:creationId xmlns:a16="http://schemas.microsoft.com/office/drawing/2014/main" id="{929AAC31-8088-91AB-5A6F-AF9A63617717}"/>
+              </a:ext>
+            </a:extLst>
+          </p:cNvPr>
+          <p:cNvSpPr>
+            <a:spLocks noGrp="1"/>
+          </p:cNvSpPr>
+          <p:nvPr>
+            <p:ph type="title"/>
+          </p:nvPr>
+        </p:nvSpPr>
+        <p:spPr/>
+        <p:txBody>
+          <a:bodyPr/>
+          <a:lstStyle/>
+          <a:p>
+            <a:r>
+              <a:rPr lang="en-US" dirty="0"/>
+              <a:t>Implementation other components</a:t>
+            </a:r>
+          </a:p>
+        </p:txBody>
+      </p:sp>
+      <p:sp>
+        <p:nvSpPr>
+          <p:cNvPr id="4" name="Text Placeholder 3">
+            <a:extLst>
+              <a:ext uri="{FF2B5EF4-FFF2-40B4-BE49-F238E27FC236}">
+                <a16:creationId xmlns:a16="http://schemas.microsoft.com/office/drawing/2014/main" id="{6E116533-CB90-D82D-1E80-901699847E53}"/>
+              </a:ext>
+            </a:extLst>
+          </p:cNvPr>
+          <p:cNvSpPr>
+            <a:spLocks noGrp="1"/>
+          </p:cNvSpPr>
+          <p:nvPr>
+            <p:ph type="body" sz="quarter" idx="10"/>
+          </p:nvPr>
+        </p:nvSpPr>
+        <p:spPr>
+          <a:xfrm>
+            <a:off x="5494373" y="1044000"/>
+            <a:ext cx="3793876" cy="352400"/>
+          </a:xfrm>
+        </p:spPr>
+        <p:txBody>
+          <a:bodyPr/>
+          <a:lstStyle/>
+          <a:p>
+            <a:r>
+              <a:rPr lang="en-US" dirty="0"/>
+              <a:t>Software implementation</a:t>
+            </a:r>
+          </a:p>
+        </p:txBody>
+      </p:sp>
+    </p:spTree>
+    <p:extLst>
+      <p:ext uri="{BB962C8B-B14F-4D97-AF65-F5344CB8AC3E}">
+        <p14:creationId xmlns:p14="http://schemas.microsoft.com/office/powerpoint/2010/main" val="458389880"/>
+      </p:ext>
+    </p:extLst>
+  </p:cSld>
+  <p:clrMapOvr>
+    <a:masterClrMapping/>
+  </p:clrMapOvr>
+</p:sld>
+</file>
+
+<file path=ppt/slides/slide52.xml><?xml version="1.0" encoding="utf-8"?>
+<p:sld xmlns:a="http://schemas.openxmlformats.org/drawingml/2006/main" xmlns:r="http://schemas.openxmlformats.org/officeDocument/2006/relationships" xmlns:p="http://schemas.openxmlformats.org/presentationml/2006/main">
+  <p:cSld>
+    <p:spTree>
+      <p:nvGrpSpPr>
+        <p:cNvPr id="1" name=""/>
+        <p:cNvGrpSpPr/>
+        <p:nvPr/>
+      </p:nvGrpSpPr>
+      <p:grpSpPr>
+        <a:xfrm>
+          <a:off x="0" y="0"/>
+          <a:ext cx="0" cy="0"/>
+          <a:chOff x="0" y="0"/>
+          <a:chExt cx="0" cy="0"/>
+        </a:xfrm>
+      </p:grpSpPr>
+      <p:sp>
+        <p:nvSpPr>
+          <p:cNvPr id="2" name="Content Placeholder 1">
+            <a:extLst>
+              <a:ext uri="{FF2B5EF4-FFF2-40B4-BE49-F238E27FC236}">
+                <a16:creationId xmlns:a16="http://schemas.microsoft.com/office/drawing/2014/main" id="{852F9F47-6156-D0BF-A56B-75EC09B462EF}"/>
+              </a:ext>
+            </a:extLst>
+          </p:cNvPr>
+          <p:cNvSpPr>
+            <a:spLocks noGrp="1"/>
+          </p:cNvSpPr>
+          <p:nvPr>
+            <p:ph idx="1"/>
+          </p:nvPr>
+        </p:nvSpPr>
+        <p:spPr/>
+        <p:txBody>
+          <a:bodyPr/>
+          <a:lstStyle/>
+          <a:p>
+            <a:r>
+              <a:rPr lang="en-US" dirty="0"/>
+              <a:t>Generic function used for calculating compressor or fan end conditions</a:t>
+            </a:r>
+          </a:p>
+          <a:p>
+            <a:pPr lvl="1"/>
+            <a:r>
+              <a:rPr lang="en-US" dirty="0"/>
+              <a:t>Use Cantera for isentropic compression</a:t>
+            </a:r>
+          </a:p>
+          <a:p>
+            <a:pPr lvl="1"/>
+            <a:r>
+              <a:rPr lang="en-US" dirty="0"/>
+              <a:t>Eta isentropic </a:t>
+            </a:r>
+          </a:p>
+          <a:p>
+            <a:endParaRPr lang="en-US" dirty="0"/>
+          </a:p>
+        </p:txBody>
+      </p:sp>
+      <p:sp>
+        <p:nvSpPr>
+          <p:cNvPr id="3" name="Title 2">
+            <a:extLst>
+              <a:ext uri="{FF2B5EF4-FFF2-40B4-BE49-F238E27FC236}">
+                <a16:creationId xmlns:a16="http://schemas.microsoft.com/office/drawing/2014/main" id="{0D72AAC6-5446-3E97-B993-24D81BE91DAE}"/>
+              </a:ext>
+            </a:extLst>
+          </p:cNvPr>
+          <p:cNvSpPr>
+            <a:spLocks noGrp="1"/>
+          </p:cNvSpPr>
+          <p:nvPr>
+            <p:ph type="title"/>
+          </p:nvPr>
+        </p:nvSpPr>
+        <p:spPr/>
+        <p:txBody>
+          <a:bodyPr/>
+          <a:lstStyle/>
+          <a:p>
+            <a:r>
+              <a:rPr lang="en-US" dirty="0"/>
+              <a:t>Compression code</a:t>
+            </a:r>
+          </a:p>
+        </p:txBody>
+      </p:sp>
+      <p:sp>
+        <p:nvSpPr>
+          <p:cNvPr id="4" name="Text Placeholder 3">
+            <a:extLst>
+              <a:ext uri="{FF2B5EF4-FFF2-40B4-BE49-F238E27FC236}">
+                <a16:creationId xmlns:a16="http://schemas.microsoft.com/office/drawing/2014/main" id="{4BA01E8A-197B-4ADE-7DF1-16F8C1DB7580}"/>
+              </a:ext>
+            </a:extLst>
+          </p:cNvPr>
+          <p:cNvSpPr>
+            <a:spLocks noGrp="1"/>
+          </p:cNvSpPr>
+          <p:nvPr>
+            <p:ph type="body" sz="quarter" idx="10"/>
+          </p:nvPr>
+        </p:nvSpPr>
+        <p:spPr/>
+        <p:txBody>
+          <a:bodyPr/>
+          <a:lstStyle/>
+          <a:p>
+            <a:endParaRPr lang="en-US"/>
+          </a:p>
+        </p:txBody>
+      </p:sp>
+      <p:pic>
+        <p:nvPicPr>
+          <p:cNvPr id="6" name="Picture 5">
+            <a:extLst>
+              <a:ext uri="{FF2B5EF4-FFF2-40B4-BE49-F238E27FC236}">
+                <a16:creationId xmlns:a16="http://schemas.microsoft.com/office/drawing/2014/main" id="{4D6E8920-AB82-CA5F-BCFF-3FE716273FD4}"/>
+              </a:ext>
+            </a:extLst>
+          </p:cNvPr>
+          <p:cNvPicPr>
+            <a:picLocks noChangeAspect="1"/>
+          </p:cNvPicPr>
+          <p:nvPr/>
+        </p:nvPicPr>
+        <p:blipFill>
+          <a:blip r:embed="rId2"/>
+          <a:stretch>
+            <a:fillRect/>
+          </a:stretch>
+        </p:blipFill>
+        <p:spPr>
+          <a:xfrm>
+            <a:off x="881629" y="3249000"/>
+            <a:ext cx="8404248" cy="1862019"/>
+          </a:xfrm>
+          <a:prstGeom prst="rect">
+            <a:avLst/>
+          </a:prstGeom>
+        </p:spPr>
+      </p:pic>
+    </p:spTree>
+    <p:extLst>
+      <p:ext uri="{BB962C8B-B14F-4D97-AF65-F5344CB8AC3E}">
+        <p14:creationId xmlns:p14="http://schemas.microsoft.com/office/powerpoint/2010/main" val="385549699"/>
+      </p:ext>
+    </p:extLst>
+  </p:cSld>
+  <p:clrMapOvr>
+    <a:masterClrMapping/>
+  </p:clrMapOvr>
+</p:sld>
+</file>
+
+<file path=ppt/slides/slide53.xml><?xml version="1.0" encoding="utf-8"?>
+<p:sld xmlns:a="http://schemas.openxmlformats.org/drawingml/2006/main" xmlns:r="http://schemas.openxmlformats.org/officeDocument/2006/relationships" xmlns:p="http://schemas.openxmlformats.org/presentationml/2006/main">
+  <p:cSld>
+    <p:spTree>
+      <p:nvGrpSpPr>
+        <p:cNvPr id="1" name="">
+          <a:extLst>
+            <a:ext uri="{FF2B5EF4-FFF2-40B4-BE49-F238E27FC236}">
+              <a16:creationId xmlns:a16="http://schemas.microsoft.com/office/drawing/2014/main" id="{8361C55E-1EA9-B8D2-B772-60318D6B956A}"/>
+            </a:ext>
+          </a:extLst>
+        </p:cNvPr>
+        <p:cNvGrpSpPr/>
+        <p:nvPr/>
+      </p:nvGrpSpPr>
+      <p:grpSpPr>
+        <a:xfrm>
+          <a:off x="0" y="0"/>
+          <a:ext cx="0" cy="0"/>
+          <a:chOff x="0" y="0"/>
+          <a:chExt cx="0" cy="0"/>
+        </a:xfrm>
+      </p:grpSpPr>
+      <p:sp>
+        <p:nvSpPr>
+          <p:cNvPr id="2" name="Content Placeholder 1">
+            <a:extLst>
+              <a:ext uri="{FF2B5EF4-FFF2-40B4-BE49-F238E27FC236}">
+                <a16:creationId xmlns:a16="http://schemas.microsoft.com/office/drawing/2014/main" id="{86EF9C1F-034B-5353-36FF-4540766256EF}"/>
+              </a:ext>
+            </a:extLst>
+          </p:cNvPr>
+          <p:cNvSpPr>
+            <a:spLocks noGrp="1"/>
+          </p:cNvSpPr>
+          <p:nvPr>
+            <p:ph idx="1"/>
+          </p:nvPr>
+        </p:nvSpPr>
+        <p:spPr/>
+        <p:txBody>
+          <a:bodyPr/>
+          <a:lstStyle/>
+          <a:p>
+            <a:r>
+              <a:rPr lang="en-US" dirty="0"/>
+              <a:t>Generic function used for calculating turbine end conditions</a:t>
+            </a:r>
+          </a:p>
+          <a:p>
+            <a:pPr lvl="1"/>
+            <a:r>
+              <a:rPr lang="en-US" dirty="0"/>
+              <a:t>Use Cantera for isentropic expansion</a:t>
+            </a:r>
+          </a:p>
+          <a:p>
+            <a:pPr lvl="1"/>
+            <a:r>
+              <a:rPr lang="en-US" dirty="0"/>
+              <a:t>Eta isentropic </a:t>
+            </a:r>
+          </a:p>
+          <a:p>
+            <a:endParaRPr lang="en-US" dirty="0"/>
+          </a:p>
+        </p:txBody>
+      </p:sp>
+      <p:sp>
+        <p:nvSpPr>
+          <p:cNvPr id="3" name="Title 2">
+            <a:extLst>
+              <a:ext uri="{FF2B5EF4-FFF2-40B4-BE49-F238E27FC236}">
+                <a16:creationId xmlns:a16="http://schemas.microsoft.com/office/drawing/2014/main" id="{2AC33A88-9E00-2045-C906-4140CE724E52}"/>
+              </a:ext>
+            </a:extLst>
+          </p:cNvPr>
+          <p:cNvSpPr>
+            <a:spLocks noGrp="1"/>
+          </p:cNvSpPr>
+          <p:nvPr>
+            <p:ph type="title"/>
+          </p:nvPr>
+        </p:nvSpPr>
+        <p:spPr/>
+        <p:txBody>
+          <a:bodyPr/>
+          <a:lstStyle/>
+          <a:p>
+            <a:r>
+              <a:rPr lang="en-US" dirty="0"/>
+              <a:t>Turbine expansion code</a:t>
+            </a:r>
+          </a:p>
+        </p:txBody>
+      </p:sp>
+      <p:sp>
+        <p:nvSpPr>
+          <p:cNvPr id="4" name="Text Placeholder 3">
+            <a:extLst>
+              <a:ext uri="{FF2B5EF4-FFF2-40B4-BE49-F238E27FC236}">
+                <a16:creationId xmlns:a16="http://schemas.microsoft.com/office/drawing/2014/main" id="{D59E8A6E-F2D8-9063-1574-CCDD418B68BE}"/>
+              </a:ext>
+            </a:extLst>
+          </p:cNvPr>
+          <p:cNvSpPr>
+            <a:spLocks noGrp="1"/>
+          </p:cNvSpPr>
+          <p:nvPr>
+            <p:ph type="body" sz="quarter" idx="10"/>
+          </p:nvPr>
+        </p:nvSpPr>
+        <p:spPr/>
+        <p:txBody>
+          <a:bodyPr/>
+          <a:lstStyle/>
+          <a:p>
+            <a:endParaRPr lang="en-US"/>
+          </a:p>
+        </p:txBody>
+      </p:sp>
+      <p:pic>
+        <p:nvPicPr>
+          <p:cNvPr id="7" name="Picture 6">
+            <a:extLst>
+              <a:ext uri="{FF2B5EF4-FFF2-40B4-BE49-F238E27FC236}">
+                <a16:creationId xmlns:a16="http://schemas.microsoft.com/office/drawing/2014/main" id="{CA585330-0E8A-4585-3372-6E0129DDD29D}"/>
+              </a:ext>
+            </a:extLst>
+          </p:cNvPr>
+          <p:cNvPicPr>
+            <a:picLocks noChangeAspect="1"/>
+          </p:cNvPicPr>
+          <p:nvPr/>
+        </p:nvPicPr>
+        <p:blipFill>
+          <a:blip r:embed="rId2"/>
+          <a:stretch>
+            <a:fillRect/>
+          </a:stretch>
+        </p:blipFill>
+        <p:spPr>
+          <a:xfrm>
+            <a:off x="811411" y="3294000"/>
+            <a:ext cx="8656425" cy="2040000"/>
+          </a:xfrm>
+          <a:prstGeom prst="rect">
+            <a:avLst/>
+          </a:prstGeom>
+        </p:spPr>
+      </p:pic>
+    </p:spTree>
+    <p:extLst>
+      <p:ext uri="{BB962C8B-B14F-4D97-AF65-F5344CB8AC3E}">
+        <p14:creationId xmlns:p14="http://schemas.microsoft.com/office/powerpoint/2010/main" val="3492036326"/>
+      </p:ext>
+    </p:extLst>
+  </p:cSld>
+  <p:clrMapOvr>
+    <a:masterClrMapping/>
+  </p:clrMapOvr>
+</p:sld>
+</file>
+
+<file path=ppt/slides/slide54.xml><?xml version="1.0" encoding="utf-8"?>
+<p:sld xmlns:a="http://schemas.openxmlformats.org/drawingml/2006/main" xmlns:r="http://schemas.openxmlformats.org/officeDocument/2006/relationships" xmlns:p="http://schemas.openxmlformats.org/presentationml/2006/main">
+  <p:cSld>
+    <p:spTree>
+      <p:nvGrpSpPr>
+        <p:cNvPr id="1" name=""/>
+        <p:cNvGrpSpPr/>
+        <p:nvPr/>
+      </p:nvGrpSpPr>
+      <p:grpSpPr>
+        <a:xfrm>
+          <a:off x="0" y="0"/>
+          <a:ext cx="0" cy="0"/>
+          <a:chOff x="0" y="0"/>
+          <a:chExt cx="0" cy="0"/>
+        </a:xfrm>
+      </p:grpSpPr>
+      <p:sp>
+        <p:nvSpPr>
+          <p:cNvPr id="2" name="Content Placeholder 1">
+            <a:extLst>
+              <a:ext uri="{FF2B5EF4-FFF2-40B4-BE49-F238E27FC236}">
+                <a16:creationId xmlns:a16="http://schemas.microsoft.com/office/drawing/2014/main" id="{E94F51B0-AE38-DA6E-4807-2E56F7B26F0B}"/>
+              </a:ext>
+            </a:extLst>
+          </p:cNvPr>
+          <p:cNvSpPr>
+            <a:spLocks noGrp="1"/>
+          </p:cNvSpPr>
+          <p:nvPr>
+            <p:ph idx="1"/>
+          </p:nvPr>
+        </p:nvSpPr>
+        <p:spPr/>
+        <p:txBody>
+          <a:bodyPr/>
+          <a:lstStyle/>
+          <a:p>
+            <a:r>
+              <a:rPr lang="en-US" dirty="0"/>
+              <a:t>Representing component performance </a:t>
+            </a:r>
+          </a:p>
+          <a:p>
+            <a:r>
+              <a:rPr lang="en-US" dirty="0"/>
+              <a:t>Tabular format</a:t>
+            </a:r>
+          </a:p>
+          <a:p>
+            <a:r>
+              <a:rPr lang="en-US" dirty="0"/>
+              <a:t>Examples</a:t>
+            </a:r>
+          </a:p>
+          <a:p>
+            <a:pPr lvl="1"/>
+            <a:r>
+              <a:rPr lang="en-US" dirty="0"/>
+              <a:t>Simple:	non-linear pressure loss relationship</a:t>
+            </a:r>
+          </a:p>
+          <a:p>
+            <a:pPr lvl="1"/>
+            <a:r>
+              <a:rPr lang="en-US" dirty="0"/>
+              <a:t>Complex: turbo machinery maps: </a:t>
+            </a:r>
+          </a:p>
+          <a:p>
+            <a:pPr lvl="2"/>
+            <a:r>
+              <a:rPr lang="en-US" dirty="0"/>
+              <a:t>fans, compressors, turbines, </a:t>
+            </a:r>
+          </a:p>
+          <a:p>
+            <a:r>
+              <a:rPr lang="en-US" dirty="0"/>
+              <a:t>Turbomachinery</a:t>
+            </a:r>
+          </a:p>
+          <a:p>
+            <a:pPr lvl="1"/>
+            <a:r>
+              <a:rPr lang="en-US" dirty="0"/>
+              <a:t>Nc, </a:t>
+            </a:r>
+            <a:r>
+              <a:rPr lang="en-US" dirty="0" err="1"/>
+              <a:t>Wc</a:t>
+            </a:r>
+            <a:r>
+              <a:rPr lang="en-US" dirty="0"/>
+              <a:t>, PR, Eta, (Re)</a:t>
+            </a:r>
+          </a:p>
+        </p:txBody>
+      </p:sp>
+      <p:sp>
+        <p:nvSpPr>
+          <p:cNvPr id="3" name="Title 2">
+            <a:extLst>
+              <a:ext uri="{FF2B5EF4-FFF2-40B4-BE49-F238E27FC236}">
+                <a16:creationId xmlns:a16="http://schemas.microsoft.com/office/drawing/2014/main" id="{08BAF073-8561-1850-0C35-89612343FC41}"/>
+              </a:ext>
+            </a:extLst>
+          </p:cNvPr>
+          <p:cNvSpPr>
+            <a:spLocks noGrp="1"/>
+          </p:cNvSpPr>
+          <p:nvPr>
+            <p:ph type="title"/>
+          </p:nvPr>
+        </p:nvSpPr>
+        <p:spPr/>
+        <p:txBody>
+          <a:bodyPr/>
+          <a:lstStyle/>
+          <a:p>
+            <a:r>
+              <a:rPr lang="en-US" dirty="0"/>
+              <a:t>Component characteristics or “maps”</a:t>
+            </a:r>
+          </a:p>
+        </p:txBody>
+      </p:sp>
+      <p:sp>
+        <p:nvSpPr>
+          <p:cNvPr id="4" name="Text Placeholder 3">
+            <a:extLst>
+              <a:ext uri="{FF2B5EF4-FFF2-40B4-BE49-F238E27FC236}">
+                <a16:creationId xmlns:a16="http://schemas.microsoft.com/office/drawing/2014/main" id="{2BD116BC-22F6-BD89-22D2-A03099B0D5AB}"/>
+              </a:ext>
+            </a:extLst>
+          </p:cNvPr>
+          <p:cNvSpPr>
+            <a:spLocks noGrp="1"/>
+          </p:cNvSpPr>
+          <p:nvPr>
+            <p:ph type="body" sz="quarter" idx="10"/>
+          </p:nvPr>
+        </p:nvSpPr>
+        <p:spPr/>
+        <p:txBody>
+          <a:bodyPr/>
+          <a:lstStyle/>
+          <a:p>
+            <a:endParaRPr lang="en-US"/>
+          </a:p>
+        </p:txBody>
+      </p:sp>
+    </p:spTree>
+    <p:extLst>
+      <p:ext uri="{BB962C8B-B14F-4D97-AF65-F5344CB8AC3E}">
+        <p14:creationId xmlns:p14="http://schemas.microsoft.com/office/powerpoint/2010/main" val="164742158"/>
+      </p:ext>
+    </p:extLst>
+  </p:cSld>
+  <p:clrMapOvr>
+    <a:masterClrMapping/>
+  </p:clrMapOvr>
+</p:sld>
+</file>
+
+<file path=ppt/slides/slide55.xml><?xml version="1.0" encoding="utf-8"?>
+<p:sld xmlns:a="http://schemas.openxmlformats.org/drawingml/2006/main" xmlns:r="http://schemas.openxmlformats.org/officeDocument/2006/relationships" xmlns:p="http://schemas.openxmlformats.org/presentationml/2006/main">
+  <p:cSld>
+    <p:spTree>
+      <p:nvGrpSpPr>
+        <p:cNvPr id="1" name=""/>
+        <p:cNvGrpSpPr/>
+        <p:nvPr/>
+      </p:nvGrpSpPr>
+      <p:grpSpPr>
+        <a:xfrm>
+          <a:off x="0" y="0"/>
+          <a:ext cx="0" cy="0"/>
+          <a:chOff x="0" y="0"/>
+          <a:chExt cx="0" cy="0"/>
+        </a:xfrm>
+      </p:grpSpPr>
+      <p:sp>
+        <p:nvSpPr>
+          <p:cNvPr id="2" name="Content Placeholder 1">
+            <a:extLst>
+              <a:ext uri="{FF2B5EF4-FFF2-40B4-BE49-F238E27FC236}">
+                <a16:creationId xmlns:a16="http://schemas.microsoft.com/office/drawing/2014/main" id="{5EDB697F-BDF1-838D-F885-28B9E463480F}"/>
+              </a:ext>
+            </a:extLst>
+          </p:cNvPr>
+          <p:cNvSpPr>
+            <a:spLocks noGrp="1"/>
+          </p:cNvSpPr>
+          <p:nvPr>
+            <p:ph idx="1"/>
+          </p:nvPr>
+        </p:nvSpPr>
+        <p:spPr/>
+        <p:txBody>
+          <a:bodyPr/>
+          <a:lstStyle/>
+          <a:p>
+            <a:endParaRPr lang="en-US"/>
+          </a:p>
+        </p:txBody>
+      </p:sp>
+      <p:sp>
+        <p:nvSpPr>
+          <p:cNvPr id="3" name="Title 2">
+            <a:extLst>
+              <a:ext uri="{FF2B5EF4-FFF2-40B4-BE49-F238E27FC236}">
+                <a16:creationId xmlns:a16="http://schemas.microsoft.com/office/drawing/2014/main" id="{B0BE4D85-4B50-A05F-EC15-55EBD7F8B56A}"/>
+              </a:ext>
+            </a:extLst>
+          </p:cNvPr>
+          <p:cNvSpPr>
+            <a:spLocks noGrp="1"/>
+          </p:cNvSpPr>
+          <p:nvPr>
+            <p:ph type="title"/>
+          </p:nvPr>
+        </p:nvSpPr>
+        <p:spPr/>
+        <p:txBody>
+          <a:bodyPr/>
+          <a:lstStyle/>
+          <a:p>
+            <a:r>
+              <a:rPr lang="en-US" dirty="0"/>
+              <a:t>Compressor / fan maps</a:t>
+            </a:r>
+          </a:p>
+        </p:txBody>
+      </p:sp>
+      <p:sp>
+        <p:nvSpPr>
+          <p:cNvPr id="4" name="Text Placeholder 3">
+            <a:extLst>
+              <a:ext uri="{FF2B5EF4-FFF2-40B4-BE49-F238E27FC236}">
+                <a16:creationId xmlns:a16="http://schemas.microsoft.com/office/drawing/2014/main" id="{73D94361-D430-046C-41FD-101942DCB038}"/>
+              </a:ext>
+            </a:extLst>
+          </p:cNvPr>
+          <p:cNvSpPr>
+            <a:spLocks noGrp="1"/>
+          </p:cNvSpPr>
+          <p:nvPr>
+            <p:ph type="body" sz="quarter" idx="10"/>
+          </p:nvPr>
+        </p:nvSpPr>
+        <p:spPr/>
+        <p:txBody>
+          <a:bodyPr/>
+          <a:lstStyle/>
+          <a:p>
+            <a:endParaRPr lang="en-US"/>
+          </a:p>
+        </p:txBody>
+      </p:sp>
+    </p:spTree>
+    <p:extLst>
+      <p:ext uri="{BB962C8B-B14F-4D97-AF65-F5344CB8AC3E}">
+        <p14:creationId xmlns:p14="http://schemas.microsoft.com/office/powerpoint/2010/main" val="2317654282"/>
+      </p:ext>
+    </p:extLst>
+  </p:cSld>
+  <p:clrMapOvr>
+    <a:masterClrMapping/>
+  </p:clrMapOvr>
+</p:sld>
+</file>
+
+<file path=ppt/slides/slide56.xml><?xml version="1.0" encoding="utf-8"?>
+<p:sld xmlns:a="http://schemas.openxmlformats.org/drawingml/2006/main" xmlns:r="http://schemas.openxmlformats.org/officeDocument/2006/relationships" xmlns:p="http://schemas.openxmlformats.org/presentationml/2006/main">
+  <p:cSld>
+    <p:spTree>
+      <p:nvGrpSpPr>
+        <p:cNvPr id="1" name=""/>
+        <p:cNvGrpSpPr/>
+        <p:nvPr/>
+      </p:nvGrpSpPr>
+      <p:grpSpPr>
+        <a:xfrm>
+          <a:off x="0" y="0"/>
+          <a:ext cx="0" cy="0"/>
+          <a:chOff x="0" y="0"/>
+          <a:chExt cx="0" cy="0"/>
+        </a:xfrm>
+      </p:grpSpPr>
+      <p:sp>
+        <p:nvSpPr>
+          <p:cNvPr id="2" name="Content Placeholder 1">
+            <a:extLst>
+              <a:ext uri="{FF2B5EF4-FFF2-40B4-BE49-F238E27FC236}">
+                <a16:creationId xmlns:a16="http://schemas.microsoft.com/office/drawing/2014/main" id="{EDB7C7EF-8122-A3BB-DDF2-0E7015AC0F63}"/>
+              </a:ext>
+            </a:extLst>
+          </p:cNvPr>
+          <p:cNvSpPr>
+            <a:spLocks noGrp="1"/>
+          </p:cNvSpPr>
+          <p:nvPr>
+            <p:ph idx="1"/>
+          </p:nvPr>
+        </p:nvSpPr>
+        <p:spPr/>
+        <p:txBody>
+          <a:bodyPr/>
+          <a:lstStyle/>
+          <a:p>
+            <a:endParaRPr lang="en-US"/>
+          </a:p>
+        </p:txBody>
+      </p:sp>
+      <p:sp>
+        <p:nvSpPr>
+          <p:cNvPr id="3" name="Title 2">
+            <a:extLst>
+              <a:ext uri="{FF2B5EF4-FFF2-40B4-BE49-F238E27FC236}">
+                <a16:creationId xmlns:a16="http://schemas.microsoft.com/office/drawing/2014/main" id="{C2197393-7133-6A7C-C155-D6EC5AC5FA68}"/>
+              </a:ext>
+            </a:extLst>
+          </p:cNvPr>
+          <p:cNvSpPr>
+            <a:spLocks noGrp="1"/>
+          </p:cNvSpPr>
+          <p:nvPr>
+            <p:ph type="title"/>
+          </p:nvPr>
+        </p:nvSpPr>
+        <p:spPr/>
+        <p:txBody>
+          <a:bodyPr/>
+          <a:lstStyle/>
+          <a:p>
+            <a:r>
+              <a:rPr lang="en-US" dirty="0"/>
+              <a:t>Turbine maps</a:t>
+            </a:r>
+          </a:p>
+        </p:txBody>
+      </p:sp>
+      <p:sp>
+        <p:nvSpPr>
+          <p:cNvPr id="4" name="Text Placeholder 3">
+            <a:extLst>
+              <a:ext uri="{FF2B5EF4-FFF2-40B4-BE49-F238E27FC236}">
+                <a16:creationId xmlns:a16="http://schemas.microsoft.com/office/drawing/2014/main" id="{5E0175FE-9032-49EB-2630-BF1D48EE8142}"/>
+              </a:ext>
+            </a:extLst>
+          </p:cNvPr>
+          <p:cNvSpPr>
+            <a:spLocks noGrp="1"/>
+          </p:cNvSpPr>
+          <p:nvPr>
+            <p:ph type="body" sz="quarter" idx="10"/>
+          </p:nvPr>
+        </p:nvSpPr>
+        <p:spPr/>
+        <p:txBody>
+          <a:bodyPr/>
+          <a:lstStyle/>
+          <a:p>
+            <a:endParaRPr lang="en-US"/>
+          </a:p>
+        </p:txBody>
+      </p:sp>
+    </p:spTree>
+    <p:extLst>
+      <p:ext uri="{BB962C8B-B14F-4D97-AF65-F5344CB8AC3E}">
+        <p14:creationId xmlns:p14="http://schemas.microsoft.com/office/powerpoint/2010/main" val="2681594747"/>
+      </p:ext>
+    </p:extLst>
+  </p:cSld>
+  <p:clrMapOvr>
+    <a:masterClrMapping/>
+  </p:clrMapOvr>
+</p:sld>
+</file>
+
+<file path=ppt/slides/slide57.xml><?xml version="1.0" encoding="utf-8"?>
+<p:sld xmlns:a="http://schemas.openxmlformats.org/drawingml/2006/main" xmlns:r="http://schemas.openxmlformats.org/officeDocument/2006/relationships" xmlns:p="http://schemas.openxmlformats.org/presentationml/2006/main">
+  <p:cSld>
+    <p:spTree>
+      <p:nvGrpSpPr>
+        <p:cNvPr id="1" name=""/>
+        <p:cNvGrpSpPr/>
+        <p:nvPr/>
+      </p:nvGrpSpPr>
+      <p:grpSpPr>
+        <a:xfrm>
+          <a:off x="0" y="0"/>
+          <a:ext cx="0" cy="0"/>
+          <a:chOff x="0" y="0"/>
+          <a:chExt cx="0" cy="0"/>
+        </a:xfrm>
+      </p:grpSpPr>
+      <p:sp>
+        <p:nvSpPr>
+          <p:cNvPr id="2" name="Content Placeholder 1">
+            <a:extLst>
+              <a:ext uri="{FF2B5EF4-FFF2-40B4-BE49-F238E27FC236}">
+                <a16:creationId xmlns:a16="http://schemas.microsoft.com/office/drawing/2014/main" id="{A7F2C7EA-0148-9EF3-25B5-66CB5B933B60}"/>
+              </a:ext>
+            </a:extLst>
+          </p:cNvPr>
+          <p:cNvSpPr>
+            <a:spLocks noGrp="1"/>
+          </p:cNvSpPr>
+          <p:nvPr>
+            <p:ph idx="1"/>
+          </p:nvPr>
+        </p:nvSpPr>
+        <p:spPr/>
+        <p:txBody>
+          <a:bodyPr/>
+          <a:lstStyle/>
+          <a:p>
+            <a:endParaRPr lang="en-US"/>
+          </a:p>
+        </p:txBody>
+      </p:sp>
+      <p:sp>
+        <p:nvSpPr>
+          <p:cNvPr id="3" name="Title 2">
+            <a:extLst>
+              <a:ext uri="{FF2B5EF4-FFF2-40B4-BE49-F238E27FC236}">
+                <a16:creationId xmlns:a16="http://schemas.microsoft.com/office/drawing/2014/main" id="{DAEA2A71-A73B-CE5F-A72A-CE2D24110BE4}"/>
+              </a:ext>
+            </a:extLst>
+          </p:cNvPr>
+          <p:cNvSpPr>
+            <a:spLocks noGrp="1"/>
+          </p:cNvSpPr>
+          <p:nvPr>
+            <p:ph type="title"/>
+          </p:nvPr>
+        </p:nvSpPr>
+        <p:spPr/>
+        <p:txBody>
+          <a:bodyPr/>
+          <a:lstStyle/>
+          <a:p>
+            <a:r>
+              <a:rPr lang="en-US" dirty="0"/>
+              <a:t>Map operation curve output</a:t>
+            </a:r>
+          </a:p>
+        </p:txBody>
+      </p:sp>
+      <p:sp>
+        <p:nvSpPr>
+          <p:cNvPr id="4" name="Text Placeholder 3">
+            <a:extLst>
+              <a:ext uri="{FF2B5EF4-FFF2-40B4-BE49-F238E27FC236}">
+                <a16:creationId xmlns:a16="http://schemas.microsoft.com/office/drawing/2014/main" id="{D40662AC-A67A-6EE4-4A40-DB174CD33196}"/>
+              </a:ext>
+            </a:extLst>
+          </p:cNvPr>
+          <p:cNvSpPr>
+            <a:spLocks noGrp="1"/>
+          </p:cNvSpPr>
+          <p:nvPr>
+            <p:ph type="body" sz="quarter" idx="10"/>
+          </p:nvPr>
+        </p:nvSpPr>
+        <p:spPr/>
+        <p:txBody>
+          <a:bodyPr/>
+          <a:lstStyle/>
+          <a:p>
+            <a:endParaRPr lang="en-US"/>
+          </a:p>
+        </p:txBody>
+      </p:sp>
+    </p:spTree>
+    <p:extLst>
+      <p:ext uri="{BB962C8B-B14F-4D97-AF65-F5344CB8AC3E}">
+        <p14:creationId xmlns:p14="http://schemas.microsoft.com/office/powerpoint/2010/main" val="1337401195"/>
+      </p:ext>
+    </p:extLst>
+  </p:cSld>
+  <p:clrMapOvr>
+    <a:masterClrMapping/>
+  </p:clrMapOvr>
+</p:sld>
+</file>
+
+<file path=ppt/slides/slide58.xml><?xml version="1.0" encoding="utf-8"?>
+<p:sld xmlns:a="http://schemas.openxmlformats.org/drawingml/2006/main" xmlns:r="http://schemas.openxmlformats.org/officeDocument/2006/relationships" xmlns:p="http://schemas.openxmlformats.org/presentationml/2006/main">
+  <p:cSld>
+    <p:spTree>
+      <p:nvGrpSpPr>
+        <p:cNvPr id="1" name="">
+          <a:extLst>
+            <a:ext uri="{FF2B5EF4-FFF2-40B4-BE49-F238E27FC236}">
+              <a16:creationId xmlns:a16="http://schemas.microsoft.com/office/drawing/2014/main" id="{F8391B30-BE46-4A27-5AD9-B2003806ABDC}"/>
+            </a:ext>
+          </a:extLst>
+        </p:cNvPr>
+        <p:cNvGrpSpPr/>
+        <p:nvPr/>
+      </p:nvGrpSpPr>
+      <p:grpSpPr>
+        <a:xfrm>
+          <a:off x="0" y="0"/>
+          <a:ext cx="0" cy="0"/>
+          <a:chOff x="0" y="0"/>
+          <a:chExt cx="0" cy="0"/>
+        </a:xfrm>
+      </p:grpSpPr>
+      <p:sp>
+        <p:nvSpPr>
+          <p:cNvPr id="3" name="Content Placeholder 2">
+            <a:extLst>
+              <a:ext uri="{FF2B5EF4-FFF2-40B4-BE49-F238E27FC236}">
+                <a16:creationId xmlns:a16="http://schemas.microsoft.com/office/drawing/2014/main" id="{F5825D5F-4061-D32A-9B08-5E4F104467B9}"/>
+              </a:ext>
+            </a:extLst>
+          </p:cNvPr>
+          <p:cNvSpPr>
+            <a:spLocks noGrp="1"/>
+          </p:cNvSpPr>
+          <p:nvPr>
+            <p:ph idx="1"/>
+          </p:nvPr>
+        </p:nvSpPr>
+        <p:spPr/>
+        <p:txBody>
+          <a:bodyPr/>
+          <a:lstStyle/>
+          <a:p>
+            <a:pPr>
+              <a:buClrTx/>
+            </a:pPr>
+            <a:r>
+              <a:rPr lang="en-US" sz="2600" dirty="0"/>
+              <a:t>Generate global output table			</a:t>
+            </a:r>
+            <a:r>
+              <a:rPr lang="en-US" i="1" dirty="0">
+                <a:solidFill>
+                  <a:srgbClr val="00B0F0"/>
+                </a:solidFill>
+              </a:rPr>
+              <a:t> pandas </a:t>
+            </a:r>
+            <a:r>
+              <a:rPr lang="en-US" sz="2600" dirty="0"/>
+              <a:t>	</a:t>
+            </a:r>
+          </a:p>
+          <a:p>
+            <a:pPr lvl="1">
+              <a:buClrTx/>
+            </a:pPr>
+            <a:r>
+              <a:rPr lang="en-US" sz="2200" dirty="0"/>
+              <a:t>Code output per component</a:t>
+            </a:r>
+          </a:p>
+          <a:p>
+            <a:pPr lvl="1">
+              <a:buClrTx/>
+            </a:pPr>
+            <a:r>
+              <a:rPr lang="en-US" sz="2200" dirty="0"/>
+              <a:t>System level output	(PW, FN, </a:t>
+            </a:r>
+            <a:r>
+              <a:rPr lang="en-US" sz="2200" dirty="0" err="1"/>
+              <a:t>Wf</a:t>
+            </a:r>
+            <a:r>
+              <a:rPr lang="en-US" sz="2200" dirty="0"/>
+              <a:t>, W2 etc.)</a:t>
+            </a:r>
+          </a:p>
+          <a:p>
+            <a:pPr lvl="1">
+              <a:buClrTx/>
+            </a:pPr>
+            <a:r>
+              <a:rPr lang="en-US" sz="2200" dirty="0"/>
+              <a:t>Export to .csv					</a:t>
+            </a:r>
+            <a:endParaRPr lang="en-US" i="1" dirty="0">
+              <a:solidFill>
+                <a:srgbClr val="00B0F0"/>
+              </a:solidFill>
+            </a:endParaRPr>
+          </a:p>
+          <a:p>
+            <a:pPr lvl="1">
+              <a:buClrTx/>
+            </a:pPr>
+            <a:r>
+              <a:rPr lang="en-US" sz="2200" dirty="0"/>
+              <a:t>Make graphs in Excel</a:t>
+            </a:r>
+          </a:p>
+          <a:p>
+            <a:pPr>
+              <a:buClrTx/>
+            </a:pPr>
+            <a:r>
+              <a:rPr lang="en-US" sz="2600" dirty="0"/>
+              <a:t>Component maps</a:t>
+            </a:r>
+          </a:p>
+          <a:p>
+            <a:pPr lvl="1">
+              <a:buClrTx/>
+            </a:pPr>
+            <a:r>
+              <a:rPr lang="en-US" sz="2200" dirty="0"/>
+              <a:t>Graphical output					</a:t>
+            </a:r>
+            <a:r>
+              <a:rPr lang="en-US" sz="2800" i="1" dirty="0">
+                <a:solidFill>
+                  <a:srgbClr val="00B0F0"/>
+                </a:solidFill>
+                <a:ea typeface="+mn-ea"/>
+                <a:cs typeface="+mn-cs"/>
+              </a:rPr>
+              <a:t>matplotlib</a:t>
+            </a:r>
+          </a:p>
+          <a:p>
+            <a:pPr lvl="1">
+              <a:buClrTx/>
+            </a:pPr>
+            <a:r>
+              <a:rPr lang="en-US" sz="2200" dirty="0" err="1"/>
+              <a:t>Compessors</a:t>
+            </a:r>
+            <a:r>
+              <a:rPr lang="en-US" sz="2200" dirty="0"/>
+              <a:t>, fans, turbines, …</a:t>
+            </a:r>
+          </a:p>
+          <a:p>
+            <a:pPr lvl="1">
+              <a:buClrTx/>
+            </a:pPr>
+            <a:r>
+              <a:rPr lang="en-US" sz="2200" dirty="0"/>
+              <a:t>Draw operating lines in maps</a:t>
+            </a:r>
+          </a:p>
+          <a:p>
+            <a:pPr lvl="2">
+              <a:buClrTx/>
+            </a:pPr>
+            <a:r>
+              <a:rPr lang="en-US" sz="1800" dirty="0"/>
+              <a:t>scaling</a:t>
+            </a:r>
+          </a:p>
+          <a:p>
+            <a:pPr lvl="1">
+              <a:buClrTx/>
+            </a:pPr>
+            <a:endParaRPr lang="en-US" sz="2000" dirty="0"/>
+          </a:p>
+          <a:p>
+            <a:pPr marL="385763" lvl="1" indent="0">
+              <a:buClrTx/>
+              <a:buNone/>
+            </a:pPr>
+            <a:endParaRPr lang="en-US" sz="2000" dirty="0"/>
+          </a:p>
+        </p:txBody>
+      </p:sp>
+      <p:sp>
+        <p:nvSpPr>
+          <p:cNvPr id="2" name="Title 1">
+            <a:extLst>
+              <a:ext uri="{FF2B5EF4-FFF2-40B4-BE49-F238E27FC236}">
+                <a16:creationId xmlns:a16="http://schemas.microsoft.com/office/drawing/2014/main" id="{0DAFFDB6-A898-DD7E-3034-E41D6E561B55}"/>
+              </a:ext>
+            </a:extLst>
+          </p:cNvPr>
+          <p:cNvSpPr>
+            <a:spLocks noGrp="1"/>
+          </p:cNvSpPr>
+          <p:nvPr>
+            <p:ph type="title"/>
+          </p:nvPr>
+        </p:nvSpPr>
+        <p:spPr>
+          <a:xfrm>
+            <a:off x="1001713" y="369000"/>
+            <a:ext cx="8294688" cy="631800"/>
+          </a:xfrm>
+        </p:spPr>
+        <p:txBody>
+          <a:bodyPr/>
+          <a:lstStyle/>
+          <a:p>
+            <a:r>
+              <a:rPr lang="en-US" dirty="0"/>
+              <a:t>Python implementation - output</a:t>
+            </a:r>
+            <a:endParaRPr lang="nl-NL" dirty="0"/>
+          </a:p>
+        </p:txBody>
+      </p:sp>
+      <p:sp>
+        <p:nvSpPr>
+          <p:cNvPr id="4" name="Text Placeholder 3">
+            <a:extLst>
+              <a:ext uri="{FF2B5EF4-FFF2-40B4-BE49-F238E27FC236}">
+                <a16:creationId xmlns:a16="http://schemas.microsoft.com/office/drawing/2014/main" id="{26C6F4DF-F993-7E7B-57A0-9368620AE436}"/>
+              </a:ext>
+            </a:extLst>
+          </p:cNvPr>
+          <p:cNvSpPr>
+            <a:spLocks noGrp="1"/>
+          </p:cNvSpPr>
+          <p:nvPr>
+            <p:ph type="body" sz="quarter" idx="10"/>
+          </p:nvPr>
+        </p:nvSpPr>
+        <p:spPr/>
+        <p:txBody>
+          <a:bodyPr/>
+          <a:lstStyle/>
+          <a:p>
+            <a:r>
+              <a:rPr lang="en-US" dirty="0"/>
+              <a:t>Software implementation</a:t>
+            </a:r>
+          </a:p>
+          <a:p>
+            <a:endParaRPr lang="en-US" dirty="0"/>
+          </a:p>
+        </p:txBody>
+      </p:sp>
+    </p:spTree>
+    <p:extLst>
+      <p:ext uri="{BB962C8B-B14F-4D97-AF65-F5344CB8AC3E}">
+        <p14:creationId xmlns:p14="http://schemas.microsoft.com/office/powerpoint/2010/main" val="2338760578"/>
+      </p:ext>
+    </p:extLst>
+  </p:cSld>
+  <p:clrMapOvr>
+    <a:masterClrMapping/>
+  </p:clrMapOvr>
+</p:sld>
+</file>
+
+<file path=ppt/slides/slide59.xml><?xml version="1.0" encoding="utf-8"?>
+<p:sld xmlns:a="http://schemas.openxmlformats.org/drawingml/2006/main" xmlns:r="http://schemas.openxmlformats.org/officeDocument/2006/relationships" xmlns:p="http://schemas.openxmlformats.org/presentationml/2006/main">
+  <p:cSld>
+    <p:spTree>
+      <p:nvGrpSpPr>
         <p:cNvPr id="1" name=""/>
         <p:cNvGrpSpPr/>
         <p:nvPr/>
@@ -46090,1345 +46283,6 @@
         <p14:creationId xmlns:p14="http://schemas.microsoft.com/office/powerpoint/2010/main" val="115241939"/>
       </p:ext>
     </p:extLst>
-  </p:cSld>
-  <p:clrMapOvr>
-    <a:masterClrMapping/>
-  </p:clrMapOvr>
-</p:sld>
-</file>
-
-<file path=ppt/slides/slide51.xml><?xml version="1.0" encoding="utf-8"?>
-<p:sld xmlns:a="http://schemas.openxmlformats.org/drawingml/2006/main" xmlns:r="http://schemas.openxmlformats.org/officeDocument/2006/relationships" xmlns:p="http://schemas.openxmlformats.org/presentationml/2006/main">
-  <p:cSld>
-    <p:spTree>
-      <p:nvGrpSpPr>
-        <p:cNvPr id="1" name="">
-          <a:extLst>
-            <a:ext uri="{FF2B5EF4-FFF2-40B4-BE49-F238E27FC236}">
-              <a16:creationId xmlns:a16="http://schemas.microsoft.com/office/drawing/2014/main" id="{768F262D-BA68-8172-4B3B-2D07D3363047}"/>
-            </a:ext>
-          </a:extLst>
-        </p:cNvPr>
-        <p:cNvGrpSpPr/>
-        <p:nvPr/>
-      </p:nvGrpSpPr>
-      <p:grpSpPr>
-        <a:xfrm>
-          <a:off x="0" y="0"/>
-          <a:ext cx="0" cy="0"/>
-          <a:chOff x="0" y="0"/>
-          <a:chExt cx="0" cy="0"/>
-        </a:xfrm>
-      </p:grpSpPr>
-      <p:sp>
-        <p:nvSpPr>
-          <p:cNvPr id="3" name="Content Placeholder 2">
-            <a:extLst>
-              <a:ext uri="{FF2B5EF4-FFF2-40B4-BE49-F238E27FC236}">
-                <a16:creationId xmlns:a16="http://schemas.microsoft.com/office/drawing/2014/main" id="{EAB3B54A-7C2F-CD71-D6FB-4A785BF6116F}"/>
-              </a:ext>
-            </a:extLst>
-          </p:cNvPr>
-          <p:cNvSpPr>
-            <a:spLocks noGrp="1"/>
-          </p:cNvSpPr>
-          <p:nvPr>
-            <p:ph idx="1"/>
-          </p:nvPr>
-        </p:nvSpPr>
-        <p:spPr/>
-        <p:txBody>
-          <a:bodyPr/>
-          <a:lstStyle/>
-          <a:p>
-            <a:pPr>
-              <a:buClrTx/>
-            </a:pPr>
-            <a:r>
-              <a:rPr lang="en-US" sz="2400" dirty="0"/>
-              <a:t>Other engine configurations</a:t>
-            </a:r>
-          </a:p>
-          <a:p>
-            <a:pPr lvl="1">
-              <a:buClrTx/>
-            </a:pPr>
-            <a:r>
-              <a:rPr lang="en-US" sz="2000" dirty="0"/>
-              <a:t>Turbofan</a:t>
-            </a:r>
-          </a:p>
-          <a:p>
-            <a:pPr lvl="1">
-              <a:buClrTx/>
-            </a:pPr>
-            <a:r>
-              <a:rPr lang="en-US" sz="2000" dirty="0"/>
-              <a:t>Mixer</a:t>
-            </a:r>
-          </a:p>
-          <a:p>
-            <a:pPr lvl="1">
-              <a:buClrTx/>
-            </a:pPr>
-            <a:r>
-              <a:rPr lang="en-US" sz="2000" dirty="0"/>
-              <a:t>Recuperator / heat exchanger</a:t>
-            </a:r>
-          </a:p>
-          <a:p>
-            <a:pPr lvl="1">
-              <a:buClrTx/>
-            </a:pPr>
-            <a:r>
-              <a:rPr lang="en-US" sz="2000" dirty="0"/>
-              <a:t>Turbogenerator</a:t>
-            </a:r>
-          </a:p>
-          <a:p>
-            <a:pPr>
-              <a:buClrTx/>
-            </a:pPr>
-            <a:r>
-              <a:rPr lang="en-US" sz="2400" dirty="0"/>
-              <a:t>Add propulsion system elements	</a:t>
-            </a:r>
-          </a:p>
-          <a:p>
-            <a:pPr lvl="1">
-              <a:buClrTx/>
-            </a:pPr>
-            <a:r>
-              <a:rPr lang="en-US" sz="2000" dirty="0"/>
-              <a:t>Generators, electric motors, propulsors, batteries, fuel cells</a:t>
-            </a:r>
-          </a:p>
-          <a:p>
-            <a:pPr marL="385763" lvl="1" indent="0">
-              <a:buClrTx/>
-              <a:buNone/>
-            </a:pPr>
-            <a:endParaRPr lang="en-US" sz="2000" dirty="0"/>
-          </a:p>
-        </p:txBody>
-      </p:sp>
-      <p:sp>
-        <p:nvSpPr>
-          <p:cNvPr id="2" name="Title 1">
-            <a:extLst>
-              <a:ext uri="{FF2B5EF4-FFF2-40B4-BE49-F238E27FC236}">
-                <a16:creationId xmlns:a16="http://schemas.microsoft.com/office/drawing/2014/main" id="{CD4B484B-919E-59C8-D3EC-4A724E76BD76}"/>
-              </a:ext>
-            </a:extLst>
-          </p:cNvPr>
-          <p:cNvSpPr>
-            <a:spLocks noGrp="1"/>
-          </p:cNvSpPr>
-          <p:nvPr>
-            <p:ph type="title"/>
-          </p:nvPr>
-        </p:nvSpPr>
-        <p:spPr/>
-        <p:txBody>
-          <a:bodyPr/>
-          <a:lstStyle/>
-          <a:p>
-            <a:r>
-              <a:rPr lang="en-US" dirty="0"/>
-              <a:t>Adapting the baseline code</a:t>
-            </a:r>
-            <a:endParaRPr lang="nl-NL" dirty="0"/>
-          </a:p>
-        </p:txBody>
-      </p:sp>
-      <p:sp>
-        <p:nvSpPr>
-          <p:cNvPr id="4" name="Text Placeholder 3">
-            <a:extLst>
-              <a:ext uri="{FF2B5EF4-FFF2-40B4-BE49-F238E27FC236}">
-                <a16:creationId xmlns:a16="http://schemas.microsoft.com/office/drawing/2014/main" id="{94C99FC4-A572-529B-7425-303E427DC027}"/>
-              </a:ext>
-            </a:extLst>
-          </p:cNvPr>
-          <p:cNvSpPr>
-            <a:spLocks noGrp="1"/>
-          </p:cNvSpPr>
-          <p:nvPr>
-            <p:ph type="body" sz="quarter" idx="10"/>
-          </p:nvPr>
-        </p:nvSpPr>
-        <p:spPr/>
-        <p:txBody>
-          <a:bodyPr/>
-          <a:lstStyle/>
-          <a:p>
-            <a:r>
-              <a:rPr lang="en-US" dirty="0"/>
-              <a:t>Software implementation</a:t>
-            </a:r>
-          </a:p>
-          <a:p>
-            <a:endParaRPr lang="en-US" dirty="0"/>
-          </a:p>
-        </p:txBody>
-      </p:sp>
-    </p:spTree>
-    <p:extLst>
-      <p:ext uri="{BB962C8B-B14F-4D97-AF65-F5344CB8AC3E}">
-        <p14:creationId xmlns:p14="http://schemas.microsoft.com/office/powerpoint/2010/main" val="2151383132"/>
-      </p:ext>
-    </p:extLst>
-  </p:cSld>
-  <p:clrMapOvr>
-    <a:masterClrMapping/>
-  </p:clrMapOvr>
-</p:sld>
-</file>
-
-<file path=ppt/slides/slide52.xml><?xml version="1.0" encoding="utf-8"?>
-<p:sld xmlns:a="http://schemas.openxmlformats.org/drawingml/2006/main" xmlns:r="http://schemas.openxmlformats.org/officeDocument/2006/relationships" xmlns:p="http://schemas.openxmlformats.org/presentationml/2006/main">
-  <p:cSld>
-    <p:spTree>
-      <p:nvGrpSpPr>
-        <p:cNvPr id="1" name="">
-          <a:extLst>
-            <a:ext uri="{FF2B5EF4-FFF2-40B4-BE49-F238E27FC236}">
-              <a16:creationId xmlns:a16="http://schemas.microsoft.com/office/drawing/2014/main" id="{523D679A-7B8C-9982-493A-B28CB2256E7B}"/>
-            </a:ext>
-          </a:extLst>
-        </p:cNvPr>
-        <p:cNvGrpSpPr/>
-        <p:nvPr/>
-      </p:nvGrpSpPr>
-      <p:grpSpPr>
-        <a:xfrm>
-          <a:off x="0" y="0"/>
-          <a:ext cx="0" cy="0"/>
-          <a:chOff x="0" y="0"/>
-          <a:chExt cx="0" cy="0"/>
-        </a:xfrm>
-      </p:grpSpPr>
-      <p:sp>
-        <p:nvSpPr>
-          <p:cNvPr id="3" name="Content Placeholder 2">
-            <a:extLst>
-              <a:ext uri="{FF2B5EF4-FFF2-40B4-BE49-F238E27FC236}">
-                <a16:creationId xmlns:a16="http://schemas.microsoft.com/office/drawing/2014/main" id="{4F30B43E-632A-8792-AA8C-01FBBD8BD816}"/>
-              </a:ext>
-            </a:extLst>
-          </p:cNvPr>
-          <p:cNvSpPr>
-            <a:spLocks noGrp="1"/>
-          </p:cNvSpPr>
-          <p:nvPr>
-            <p:ph idx="1"/>
-          </p:nvPr>
-        </p:nvSpPr>
-        <p:spPr/>
-        <p:txBody>
-          <a:bodyPr/>
-          <a:lstStyle/>
-          <a:p>
-            <a:pPr>
-              <a:buClrTx/>
-            </a:pPr>
-            <a:r>
-              <a:rPr lang="en-US" sz="2400" dirty="0"/>
-              <a:t>Component model extensions</a:t>
-            </a:r>
-          </a:p>
-          <a:p>
-            <a:pPr lvl="1">
-              <a:buClrTx/>
-            </a:pPr>
-            <a:r>
-              <a:rPr lang="en-US" sz="2000" dirty="0"/>
-              <a:t>Variable geometry</a:t>
-            </a:r>
-          </a:p>
-          <a:p>
-            <a:pPr lvl="1">
-              <a:buClrTx/>
-            </a:pPr>
-            <a:r>
-              <a:rPr lang="en-US" sz="2000" dirty="0"/>
-              <a:t>Bleed</a:t>
-            </a:r>
-          </a:p>
-          <a:p>
-            <a:pPr lvl="1">
-              <a:buClrTx/>
-            </a:pPr>
-            <a:r>
-              <a:rPr lang="en-US" sz="2000" dirty="0"/>
-              <a:t>Turbine cooling</a:t>
-            </a:r>
-          </a:p>
-          <a:p>
-            <a:pPr lvl="1">
-              <a:buClrTx/>
-            </a:pPr>
-            <a:r>
-              <a:rPr lang="en-US" sz="2000" dirty="0"/>
-              <a:t>1-D model code</a:t>
-            </a:r>
-          </a:p>
-          <a:p>
-            <a:pPr lvl="1">
-              <a:buClrTx/>
-            </a:pPr>
-            <a:r>
-              <a:rPr lang="en-US" sz="2000" dirty="0"/>
-              <a:t>Other fuels</a:t>
-            </a:r>
-          </a:p>
-          <a:p>
-            <a:pPr lvl="2">
-              <a:buClrTx/>
-            </a:pPr>
-            <a:r>
-              <a:rPr lang="en-US" sz="1600" dirty="0"/>
-              <a:t>Easily adapt fuel in combustor component (</a:t>
-            </a:r>
-            <a:r>
-              <a:rPr lang="en-US" sz="1600" dirty="0" err="1"/>
-              <a:t>cantera</a:t>
-            </a:r>
-            <a:r>
-              <a:rPr lang="en-US" sz="1600" dirty="0"/>
-              <a:t>)</a:t>
-            </a:r>
-          </a:p>
-          <a:p>
-            <a:pPr lvl="1">
-              <a:buClrTx/>
-            </a:pPr>
-            <a:r>
-              <a:rPr lang="en-US" sz="2000" dirty="0"/>
-              <a:t>…</a:t>
-            </a:r>
-          </a:p>
-          <a:p>
-            <a:pPr marL="385763" lvl="1" indent="0">
-              <a:buClrTx/>
-              <a:buNone/>
-            </a:pPr>
-            <a:endParaRPr lang="en-US" sz="2000" dirty="0"/>
-          </a:p>
-        </p:txBody>
-      </p:sp>
-      <p:sp>
-        <p:nvSpPr>
-          <p:cNvPr id="2" name="Title 1">
-            <a:extLst>
-              <a:ext uri="{FF2B5EF4-FFF2-40B4-BE49-F238E27FC236}">
-                <a16:creationId xmlns:a16="http://schemas.microsoft.com/office/drawing/2014/main" id="{B1805B9E-FFA7-4AEF-5DB1-FB97A7CB2D48}"/>
-              </a:ext>
-            </a:extLst>
-          </p:cNvPr>
-          <p:cNvSpPr>
-            <a:spLocks noGrp="1"/>
-          </p:cNvSpPr>
-          <p:nvPr>
-            <p:ph type="title"/>
-          </p:nvPr>
-        </p:nvSpPr>
-        <p:spPr/>
-        <p:txBody>
-          <a:bodyPr/>
-          <a:lstStyle/>
-          <a:p>
-            <a:r>
-              <a:rPr lang="en-US" dirty="0"/>
-              <a:t>Adapting the baseline code</a:t>
-            </a:r>
-            <a:endParaRPr lang="nl-NL" dirty="0"/>
-          </a:p>
-        </p:txBody>
-      </p:sp>
-      <p:sp>
-        <p:nvSpPr>
-          <p:cNvPr id="4" name="Text Placeholder 3">
-            <a:extLst>
-              <a:ext uri="{FF2B5EF4-FFF2-40B4-BE49-F238E27FC236}">
-                <a16:creationId xmlns:a16="http://schemas.microsoft.com/office/drawing/2014/main" id="{5DD88BCA-B6B1-DFB0-4219-C4F970838B02}"/>
-              </a:ext>
-            </a:extLst>
-          </p:cNvPr>
-          <p:cNvSpPr>
-            <a:spLocks noGrp="1"/>
-          </p:cNvSpPr>
-          <p:nvPr>
-            <p:ph type="body" sz="quarter" idx="10"/>
-          </p:nvPr>
-        </p:nvSpPr>
-        <p:spPr/>
-        <p:txBody>
-          <a:bodyPr/>
-          <a:lstStyle/>
-          <a:p>
-            <a:r>
-              <a:rPr lang="en-US" dirty="0"/>
-              <a:t>Software implementation</a:t>
-            </a:r>
-          </a:p>
-          <a:p>
-            <a:endParaRPr lang="en-US" dirty="0"/>
-          </a:p>
-        </p:txBody>
-      </p:sp>
-    </p:spTree>
-    <p:extLst>
-      <p:ext uri="{BB962C8B-B14F-4D97-AF65-F5344CB8AC3E}">
-        <p14:creationId xmlns:p14="http://schemas.microsoft.com/office/powerpoint/2010/main" val="2569672897"/>
-      </p:ext>
-    </p:extLst>
-  </p:cSld>
-  <p:clrMapOvr>
-    <a:masterClrMapping/>
-  </p:clrMapOvr>
-</p:sld>
-</file>
-
-<file path=ppt/slides/slide53.xml><?xml version="1.0" encoding="utf-8"?>
-<p:sld xmlns:a="http://schemas.openxmlformats.org/drawingml/2006/main" xmlns:r="http://schemas.openxmlformats.org/officeDocument/2006/relationships" xmlns:p="http://schemas.openxmlformats.org/presentationml/2006/main">
-  <p:cSld>
-    <p:spTree>
-      <p:nvGrpSpPr>
-        <p:cNvPr id="1" name="">
-          <a:extLst>
-            <a:ext uri="{FF2B5EF4-FFF2-40B4-BE49-F238E27FC236}">
-              <a16:creationId xmlns:a16="http://schemas.microsoft.com/office/drawing/2014/main" id="{6ABDE98C-E0C6-85F0-8419-F974D051D559}"/>
-            </a:ext>
-          </a:extLst>
-        </p:cNvPr>
-        <p:cNvGrpSpPr/>
-        <p:nvPr/>
-      </p:nvGrpSpPr>
-      <p:grpSpPr>
-        <a:xfrm>
-          <a:off x="0" y="0"/>
-          <a:ext cx="0" cy="0"/>
-          <a:chOff x="0" y="0"/>
-          <a:chExt cx="0" cy="0"/>
-        </a:xfrm>
-      </p:grpSpPr>
-      <p:sp>
-        <p:nvSpPr>
-          <p:cNvPr id="3" name="Content Placeholder 2">
-            <a:extLst>
-              <a:ext uri="{FF2B5EF4-FFF2-40B4-BE49-F238E27FC236}">
-                <a16:creationId xmlns:a16="http://schemas.microsoft.com/office/drawing/2014/main" id="{8B793A04-8B28-DDFE-027B-7ED3593144FC}"/>
-              </a:ext>
-            </a:extLst>
-          </p:cNvPr>
-          <p:cNvSpPr>
-            <a:spLocks noGrp="1"/>
-          </p:cNvSpPr>
-          <p:nvPr>
-            <p:ph idx="1"/>
-          </p:nvPr>
-        </p:nvSpPr>
-        <p:spPr/>
-        <p:txBody>
-          <a:bodyPr/>
-          <a:lstStyle/>
-          <a:p>
-            <a:pPr>
-              <a:buClrTx/>
-            </a:pPr>
-            <a:r>
-              <a:rPr lang="en-US" sz="2400" dirty="0"/>
-              <a:t>API (Application Programming Interface)</a:t>
-            </a:r>
-          </a:p>
-          <a:p>
-            <a:pPr lvl="1">
-              <a:buClrTx/>
-            </a:pPr>
-            <a:r>
-              <a:rPr lang="en-US" sz="2000" dirty="0"/>
-              <a:t>Couple with other models</a:t>
-            </a:r>
-          </a:p>
-          <a:p>
-            <a:pPr>
-              <a:buClrTx/>
-            </a:pPr>
-            <a:endParaRPr lang="en-US" sz="2400" dirty="0"/>
-          </a:p>
-          <a:p>
-            <a:pPr>
-              <a:buClrTx/>
-            </a:pPr>
-            <a:r>
-              <a:rPr lang="en-US" sz="2400" dirty="0"/>
-              <a:t>Extend user interface</a:t>
-            </a:r>
-          </a:p>
-          <a:p>
-            <a:pPr lvl="1">
-              <a:buClrTx/>
-            </a:pPr>
-            <a:r>
-              <a:rPr lang="en-US" sz="2000" dirty="0"/>
-              <a:t>Extend output</a:t>
-            </a:r>
-          </a:p>
-          <a:p>
-            <a:pPr lvl="2">
-              <a:buClrTx/>
-            </a:pPr>
-            <a:r>
-              <a:rPr lang="en-US" sz="1600" dirty="0"/>
-              <a:t>Graphs, tables, export</a:t>
-            </a:r>
-          </a:p>
-          <a:p>
-            <a:pPr lvl="1">
-              <a:buClrTx/>
-            </a:pPr>
-            <a:r>
-              <a:rPr lang="en-US" sz="2000" dirty="0"/>
-              <a:t>Add GUI</a:t>
-            </a:r>
-          </a:p>
-          <a:p>
-            <a:pPr marL="385763" lvl="1" indent="0">
-              <a:buClrTx/>
-              <a:buNone/>
-            </a:pPr>
-            <a:endParaRPr lang="en-US" sz="2000" dirty="0"/>
-          </a:p>
-        </p:txBody>
-      </p:sp>
-      <p:sp>
-        <p:nvSpPr>
-          <p:cNvPr id="2" name="Title 1">
-            <a:extLst>
-              <a:ext uri="{FF2B5EF4-FFF2-40B4-BE49-F238E27FC236}">
-                <a16:creationId xmlns:a16="http://schemas.microsoft.com/office/drawing/2014/main" id="{97671BBA-87C3-A484-0FA7-5370B45E06BD}"/>
-              </a:ext>
-            </a:extLst>
-          </p:cNvPr>
-          <p:cNvSpPr>
-            <a:spLocks noGrp="1"/>
-          </p:cNvSpPr>
-          <p:nvPr>
-            <p:ph type="title"/>
-          </p:nvPr>
-        </p:nvSpPr>
-        <p:spPr/>
-        <p:txBody>
-          <a:bodyPr/>
-          <a:lstStyle/>
-          <a:p>
-            <a:r>
-              <a:rPr lang="en-US" dirty="0"/>
-              <a:t>Adapting the baseline code</a:t>
-            </a:r>
-            <a:endParaRPr lang="nl-NL" dirty="0"/>
-          </a:p>
-        </p:txBody>
-      </p:sp>
-      <p:sp>
-        <p:nvSpPr>
-          <p:cNvPr id="4" name="Text Placeholder 3">
-            <a:extLst>
-              <a:ext uri="{FF2B5EF4-FFF2-40B4-BE49-F238E27FC236}">
-                <a16:creationId xmlns:a16="http://schemas.microsoft.com/office/drawing/2014/main" id="{E276D0C0-675A-D65D-ADFA-387FF14EEBEC}"/>
-              </a:ext>
-            </a:extLst>
-          </p:cNvPr>
-          <p:cNvSpPr>
-            <a:spLocks noGrp="1"/>
-          </p:cNvSpPr>
-          <p:nvPr>
-            <p:ph type="body" sz="quarter" idx="10"/>
-          </p:nvPr>
-        </p:nvSpPr>
-        <p:spPr/>
-        <p:txBody>
-          <a:bodyPr/>
-          <a:lstStyle/>
-          <a:p>
-            <a:r>
-              <a:rPr lang="en-US" dirty="0"/>
-              <a:t>Software implementation</a:t>
-            </a:r>
-          </a:p>
-          <a:p>
-            <a:endParaRPr lang="en-US" dirty="0"/>
-          </a:p>
-        </p:txBody>
-      </p:sp>
-    </p:spTree>
-    <p:extLst>
-      <p:ext uri="{BB962C8B-B14F-4D97-AF65-F5344CB8AC3E}">
-        <p14:creationId xmlns:p14="http://schemas.microsoft.com/office/powerpoint/2010/main" val="4050105259"/>
-      </p:ext>
-    </p:extLst>
-  </p:cSld>
-  <p:clrMapOvr>
-    <a:masterClrMapping/>
-  </p:clrMapOvr>
-</p:sld>
-</file>
-
-<file path=ppt/slides/slide54.xml><?xml version="1.0" encoding="utf-8"?>
-<p:sld xmlns:a="http://schemas.openxmlformats.org/drawingml/2006/main" xmlns:r="http://schemas.openxmlformats.org/officeDocument/2006/relationships" xmlns:p="http://schemas.openxmlformats.org/presentationml/2006/main">
-  <p:cSld>
-    <p:spTree>
-      <p:nvGrpSpPr>
-        <p:cNvPr id="1" name="">
-          <a:extLst>
-            <a:ext uri="{FF2B5EF4-FFF2-40B4-BE49-F238E27FC236}">
-              <a16:creationId xmlns:a16="http://schemas.microsoft.com/office/drawing/2014/main" id="{FA5C8DBC-D19F-62D1-AE4C-4F4784912561}"/>
-            </a:ext>
-          </a:extLst>
-        </p:cNvPr>
-        <p:cNvGrpSpPr/>
-        <p:nvPr/>
-      </p:nvGrpSpPr>
-      <p:grpSpPr>
-        <a:xfrm>
-          <a:off x="0" y="0"/>
-          <a:ext cx="0" cy="0"/>
-          <a:chOff x="0" y="0"/>
-          <a:chExt cx="0" cy="0"/>
-        </a:xfrm>
-      </p:grpSpPr>
-      <p:sp>
-        <p:nvSpPr>
-          <p:cNvPr id="5" name="Content Placeholder 2">
-            <a:extLst>
-              <a:ext uri="{FF2B5EF4-FFF2-40B4-BE49-F238E27FC236}">
-                <a16:creationId xmlns:a16="http://schemas.microsoft.com/office/drawing/2014/main" id="{1ED979B2-1DC3-6460-2791-42D8406DC65C}"/>
-              </a:ext>
-            </a:extLst>
-          </p:cNvPr>
-          <p:cNvSpPr>
-            <a:spLocks noGrp="1"/>
-          </p:cNvSpPr>
-          <p:nvPr>
-            <p:ph idx="1"/>
-          </p:nvPr>
-        </p:nvSpPr>
-        <p:spPr/>
-        <p:txBody>
-          <a:bodyPr/>
-          <a:lstStyle/>
-          <a:p>
-            <a:pPr>
-              <a:buClrTx/>
-            </a:pPr>
-            <a:r>
-              <a:rPr lang="en-US" dirty="0"/>
-              <a:t>Fidelity</a:t>
-            </a:r>
-          </a:p>
-          <a:p>
-            <a:pPr lvl="1">
-              <a:buClrTx/>
-            </a:pPr>
-            <a:r>
-              <a:rPr lang="en-US" dirty="0"/>
-              <a:t>1-D component models</a:t>
-            </a:r>
-          </a:p>
-          <a:p>
-            <a:pPr lvl="2">
-              <a:buClrTx/>
-            </a:pPr>
-            <a:r>
-              <a:rPr lang="en-US" dirty="0"/>
-              <a:t>Turbomachinery</a:t>
-            </a:r>
-          </a:p>
-          <a:p>
-            <a:pPr lvl="2">
-              <a:buClrTx/>
-            </a:pPr>
-            <a:r>
-              <a:rPr lang="en-US" dirty="0"/>
-              <a:t>Combustors </a:t>
-            </a:r>
-          </a:p>
-          <a:p>
-            <a:pPr lvl="1">
-              <a:buClrTx/>
-            </a:pPr>
-            <a:r>
-              <a:rPr lang="en-US" dirty="0"/>
-              <a:t>Couple with multi-D CFD models</a:t>
-            </a:r>
-          </a:p>
-          <a:p>
-            <a:pPr>
-              <a:buClrTx/>
-            </a:pPr>
-            <a:r>
-              <a:rPr lang="en-US" dirty="0"/>
-              <a:t>Gas turbine system</a:t>
-            </a:r>
-          </a:p>
-          <a:p>
-            <a:pPr lvl="1">
-              <a:buClrTx/>
-            </a:pPr>
-            <a:r>
-              <a:rPr lang="en-US" dirty="0"/>
-              <a:t>Control system</a:t>
-            </a:r>
-          </a:p>
-          <a:p>
-            <a:pPr lvl="1">
-              <a:buClrTx/>
-            </a:pPr>
-            <a:r>
-              <a:rPr lang="en-US" dirty="0"/>
-              <a:t>Fans, mixers</a:t>
-            </a:r>
-          </a:p>
-          <a:p>
-            <a:pPr lvl="1">
-              <a:buClrTx/>
-            </a:pPr>
-            <a:r>
-              <a:rPr lang="en-US" dirty="0"/>
-              <a:t>Recuperators</a:t>
-            </a:r>
-          </a:p>
-          <a:p>
-            <a:pPr>
-              <a:buClrTx/>
-            </a:pPr>
-            <a:r>
-              <a:rPr lang="en-US" dirty="0"/>
-              <a:t>Application Programmers Interface API</a:t>
-            </a:r>
-          </a:p>
-          <a:p>
-            <a:pPr lvl="1">
-              <a:buClrTx/>
-            </a:pPr>
-            <a:endParaRPr lang="en-US" dirty="0"/>
-          </a:p>
-          <a:p>
-            <a:pPr>
-              <a:buClrTx/>
-            </a:pPr>
-            <a:endParaRPr lang="en-US" dirty="0"/>
-          </a:p>
-        </p:txBody>
-      </p:sp>
-      <p:sp>
-        <p:nvSpPr>
-          <p:cNvPr id="2" name="Title 1">
-            <a:extLst>
-              <a:ext uri="{FF2B5EF4-FFF2-40B4-BE49-F238E27FC236}">
-                <a16:creationId xmlns:a16="http://schemas.microsoft.com/office/drawing/2014/main" id="{B255D249-7952-448B-ADC1-EE538A28B910}"/>
-              </a:ext>
-            </a:extLst>
-          </p:cNvPr>
-          <p:cNvSpPr>
-            <a:spLocks noGrp="1"/>
-          </p:cNvSpPr>
-          <p:nvPr>
-            <p:ph type="title"/>
-          </p:nvPr>
-        </p:nvSpPr>
-        <p:spPr/>
-        <p:txBody>
-          <a:bodyPr/>
-          <a:lstStyle/>
-          <a:p>
-            <a:r>
-              <a:rPr lang="en-US" dirty="0"/>
-              <a:t>Extending the models	- 1</a:t>
-            </a:r>
-            <a:endParaRPr lang="nl-NL" dirty="0"/>
-          </a:p>
-        </p:txBody>
-      </p:sp>
-      <p:sp>
-        <p:nvSpPr>
-          <p:cNvPr id="3" name="Text Placeholder 2">
-            <a:extLst>
-              <a:ext uri="{FF2B5EF4-FFF2-40B4-BE49-F238E27FC236}">
-                <a16:creationId xmlns:a16="http://schemas.microsoft.com/office/drawing/2014/main" id="{A45CDD36-12E2-89E4-69B8-BF4590428514}"/>
-              </a:ext>
-            </a:extLst>
-          </p:cNvPr>
-          <p:cNvSpPr>
-            <a:spLocks noGrp="1"/>
-          </p:cNvSpPr>
-          <p:nvPr>
-            <p:ph type="body" sz="quarter" idx="10"/>
-          </p:nvPr>
-        </p:nvSpPr>
-        <p:spPr/>
-        <p:txBody>
-          <a:bodyPr/>
-          <a:lstStyle/>
-          <a:p>
-            <a:r>
-              <a:rPr lang="en-US" dirty="0"/>
-              <a:t>Software implementation</a:t>
-            </a:r>
-          </a:p>
-        </p:txBody>
-      </p:sp>
-    </p:spTree>
-    <p:extLst>
-      <p:ext uri="{BB962C8B-B14F-4D97-AF65-F5344CB8AC3E}">
-        <p14:creationId xmlns:p14="http://schemas.microsoft.com/office/powerpoint/2010/main" val="2086849486"/>
-      </p:ext>
-    </p:extLst>
-  </p:cSld>
-  <p:clrMapOvr>
-    <a:masterClrMapping/>
-  </p:clrMapOvr>
-</p:sld>
-</file>
-
-<file path=ppt/slides/slide55.xml><?xml version="1.0" encoding="utf-8"?>
-<p:sld xmlns:a="http://schemas.openxmlformats.org/drawingml/2006/main" xmlns:r="http://schemas.openxmlformats.org/officeDocument/2006/relationships" xmlns:p="http://schemas.openxmlformats.org/presentationml/2006/main">
-  <p:cSld>
-    <p:spTree>
-      <p:nvGrpSpPr>
-        <p:cNvPr id="1" name="">
-          <a:extLst>
-            <a:ext uri="{FF2B5EF4-FFF2-40B4-BE49-F238E27FC236}">
-              <a16:creationId xmlns:a16="http://schemas.microsoft.com/office/drawing/2014/main" id="{CE259818-1CDD-879E-5767-82867AB95559}"/>
-            </a:ext>
-          </a:extLst>
-        </p:cNvPr>
-        <p:cNvGrpSpPr/>
-        <p:nvPr/>
-      </p:nvGrpSpPr>
-      <p:grpSpPr>
-        <a:xfrm>
-          <a:off x="0" y="0"/>
-          <a:ext cx="0" cy="0"/>
-          <a:chOff x="0" y="0"/>
-          <a:chExt cx="0" cy="0"/>
-        </a:xfrm>
-      </p:grpSpPr>
-      <p:sp>
-        <p:nvSpPr>
-          <p:cNvPr id="5" name="Content Placeholder 2">
-            <a:extLst>
-              <a:ext uri="{FF2B5EF4-FFF2-40B4-BE49-F238E27FC236}">
-                <a16:creationId xmlns:a16="http://schemas.microsoft.com/office/drawing/2014/main" id="{9363ED53-544E-2C56-0CD9-A7C35DD7AF73}"/>
-              </a:ext>
-            </a:extLst>
-          </p:cNvPr>
-          <p:cNvSpPr>
-            <a:spLocks noGrp="1"/>
-          </p:cNvSpPr>
-          <p:nvPr>
-            <p:ph idx="1"/>
-          </p:nvPr>
-        </p:nvSpPr>
-        <p:spPr/>
-        <p:txBody>
-          <a:bodyPr/>
-          <a:lstStyle/>
-          <a:p>
-            <a:pPr>
-              <a:buClrTx/>
-            </a:pPr>
-            <a:r>
-              <a:rPr lang="en-US" dirty="0"/>
-              <a:t>Propulsion system elements</a:t>
-            </a:r>
-          </a:p>
-          <a:p>
-            <a:pPr lvl="1">
-              <a:buClrTx/>
-            </a:pPr>
-            <a:r>
-              <a:rPr lang="en-US" dirty="0"/>
-              <a:t>Loads (propellers, generators)</a:t>
-            </a:r>
-          </a:p>
-          <a:p>
-            <a:pPr lvl="1">
-              <a:buClrTx/>
-            </a:pPr>
-            <a:r>
-              <a:rPr lang="en-US" dirty="0"/>
-              <a:t>Hybrid propulsion systems</a:t>
-            </a:r>
-          </a:p>
-          <a:p>
-            <a:pPr lvl="2">
-              <a:buClrTx/>
-            </a:pPr>
-            <a:r>
-              <a:rPr lang="en-US" dirty="0"/>
-              <a:t>Batteries</a:t>
-            </a:r>
-          </a:p>
-          <a:p>
-            <a:pPr lvl="2">
-              <a:buClrTx/>
-            </a:pPr>
-            <a:r>
-              <a:rPr lang="en-US" dirty="0"/>
-              <a:t>Fuel cells</a:t>
-            </a:r>
-          </a:p>
-          <a:p>
-            <a:pPr lvl="1">
-              <a:buClrTx/>
-            </a:pPr>
-            <a:endParaRPr lang="en-US" dirty="0"/>
-          </a:p>
-          <a:p>
-            <a:pPr>
-              <a:buClrTx/>
-            </a:pPr>
-            <a:endParaRPr lang="en-US" dirty="0"/>
-          </a:p>
-        </p:txBody>
-      </p:sp>
-      <p:sp>
-        <p:nvSpPr>
-          <p:cNvPr id="2" name="Title 1">
-            <a:extLst>
-              <a:ext uri="{FF2B5EF4-FFF2-40B4-BE49-F238E27FC236}">
-                <a16:creationId xmlns:a16="http://schemas.microsoft.com/office/drawing/2014/main" id="{E652A459-7B59-E4A0-F307-D3CA7C9334BA}"/>
-              </a:ext>
-            </a:extLst>
-          </p:cNvPr>
-          <p:cNvSpPr>
-            <a:spLocks noGrp="1"/>
-          </p:cNvSpPr>
-          <p:nvPr>
-            <p:ph type="title"/>
-          </p:nvPr>
-        </p:nvSpPr>
-        <p:spPr/>
-        <p:txBody>
-          <a:bodyPr/>
-          <a:lstStyle/>
-          <a:p>
-            <a:r>
-              <a:rPr lang="en-US" dirty="0"/>
-              <a:t>Extending the models	- 2</a:t>
-            </a:r>
-            <a:endParaRPr lang="nl-NL" dirty="0"/>
-          </a:p>
-        </p:txBody>
-      </p:sp>
-      <p:sp>
-        <p:nvSpPr>
-          <p:cNvPr id="3" name="Text Placeholder 2">
-            <a:extLst>
-              <a:ext uri="{FF2B5EF4-FFF2-40B4-BE49-F238E27FC236}">
-                <a16:creationId xmlns:a16="http://schemas.microsoft.com/office/drawing/2014/main" id="{EEA6F9F0-1F61-82C5-6C06-127588C4E9BF}"/>
-              </a:ext>
-            </a:extLst>
-          </p:cNvPr>
-          <p:cNvSpPr>
-            <a:spLocks noGrp="1"/>
-          </p:cNvSpPr>
-          <p:nvPr>
-            <p:ph type="body" sz="quarter" idx="10"/>
-          </p:nvPr>
-        </p:nvSpPr>
-        <p:spPr/>
-        <p:txBody>
-          <a:bodyPr/>
-          <a:lstStyle/>
-          <a:p>
-            <a:r>
-              <a:rPr lang="en-US" dirty="0"/>
-              <a:t>Software implementation</a:t>
-            </a:r>
-          </a:p>
-        </p:txBody>
-      </p:sp>
-    </p:spTree>
-    <p:extLst>
-      <p:ext uri="{BB962C8B-B14F-4D97-AF65-F5344CB8AC3E}">
-        <p14:creationId xmlns:p14="http://schemas.microsoft.com/office/powerpoint/2010/main" val="447980544"/>
-      </p:ext>
-    </p:extLst>
-  </p:cSld>
-  <p:clrMapOvr>
-    <a:masterClrMapping/>
-  </p:clrMapOvr>
-</p:sld>
-</file>
-
-<file path=ppt/slides/slide56.xml><?xml version="1.0" encoding="utf-8"?>
-<p:sld xmlns:a="http://schemas.openxmlformats.org/drawingml/2006/main" xmlns:r="http://schemas.openxmlformats.org/officeDocument/2006/relationships" xmlns:p="http://schemas.openxmlformats.org/presentationml/2006/main">
-  <p:cSld>
-    <p:spTree>
-      <p:nvGrpSpPr>
-        <p:cNvPr id="1" name=""/>
-        <p:cNvGrpSpPr/>
-        <p:nvPr/>
-      </p:nvGrpSpPr>
-      <p:grpSpPr>
-        <a:xfrm>
-          <a:off x="0" y="0"/>
-          <a:ext cx="0" cy="0"/>
-          <a:chOff x="0" y="0"/>
-          <a:chExt cx="0" cy="0"/>
-        </a:xfrm>
-      </p:grpSpPr>
-      <p:sp>
-        <p:nvSpPr>
-          <p:cNvPr id="2" name="Content Placeholder 1">
-            <a:extLst>
-              <a:ext uri="{FF2B5EF4-FFF2-40B4-BE49-F238E27FC236}">
-                <a16:creationId xmlns:a16="http://schemas.microsoft.com/office/drawing/2014/main" id="{8FC57EB0-2A3C-0339-B896-0E00A6E76330}"/>
-              </a:ext>
-            </a:extLst>
-          </p:cNvPr>
-          <p:cNvSpPr>
-            <a:spLocks noGrp="1"/>
-          </p:cNvSpPr>
-          <p:nvPr>
-            <p:ph idx="1"/>
-          </p:nvPr>
-        </p:nvSpPr>
-        <p:spPr/>
-        <p:txBody>
-          <a:bodyPr/>
-          <a:lstStyle/>
-          <a:p>
-            <a:endParaRPr lang="en-US" dirty="0"/>
-          </a:p>
-        </p:txBody>
-      </p:sp>
-      <p:sp>
-        <p:nvSpPr>
-          <p:cNvPr id="3" name="Title 2">
-            <a:extLst>
-              <a:ext uri="{FF2B5EF4-FFF2-40B4-BE49-F238E27FC236}">
-                <a16:creationId xmlns:a16="http://schemas.microsoft.com/office/drawing/2014/main" id="{75E6D945-5BE4-F0FA-A771-57E1EF393AAF}"/>
-              </a:ext>
-            </a:extLst>
-          </p:cNvPr>
-          <p:cNvSpPr>
-            <a:spLocks noGrp="1"/>
-          </p:cNvSpPr>
-          <p:nvPr>
-            <p:ph type="title"/>
-          </p:nvPr>
-        </p:nvSpPr>
-        <p:spPr/>
-        <p:txBody>
-          <a:bodyPr/>
-          <a:lstStyle/>
-          <a:p>
-            <a:r>
-              <a:rPr lang="en-US" dirty="0"/>
-              <a:t>Conclusion</a:t>
-            </a:r>
-          </a:p>
-        </p:txBody>
-      </p:sp>
-      <p:sp>
-        <p:nvSpPr>
-          <p:cNvPr id="4" name="Text Placeholder 3">
-            <a:extLst>
-              <a:ext uri="{FF2B5EF4-FFF2-40B4-BE49-F238E27FC236}">
-                <a16:creationId xmlns:a16="http://schemas.microsoft.com/office/drawing/2014/main" id="{1CCC332C-844B-6760-C6C0-20E7BE368646}"/>
-              </a:ext>
-            </a:extLst>
-          </p:cNvPr>
-          <p:cNvSpPr>
-            <a:spLocks noGrp="1"/>
-          </p:cNvSpPr>
-          <p:nvPr>
-            <p:ph type="body" sz="quarter" idx="10"/>
-          </p:nvPr>
-        </p:nvSpPr>
-        <p:spPr/>
-        <p:txBody>
-          <a:bodyPr/>
-          <a:lstStyle/>
-          <a:p>
-            <a:endParaRPr lang="en-US" dirty="0"/>
-          </a:p>
-        </p:txBody>
-      </p:sp>
-    </p:spTree>
-    <p:extLst>
-      <p:ext uri="{BB962C8B-B14F-4D97-AF65-F5344CB8AC3E}">
-        <p14:creationId xmlns:p14="http://schemas.microsoft.com/office/powerpoint/2010/main" val="1897916226"/>
-      </p:ext>
-    </p:extLst>
-  </p:cSld>
-  <p:clrMapOvr>
-    <a:masterClrMapping/>
-  </p:clrMapOvr>
-</p:sld>
-</file>
-
-<file path=ppt/slides/slide57.xml><?xml version="1.0" encoding="utf-8"?>
-<p:sld xmlns:a="http://schemas.openxmlformats.org/drawingml/2006/main" xmlns:r="http://schemas.openxmlformats.org/officeDocument/2006/relationships" xmlns:p="http://schemas.openxmlformats.org/presentationml/2006/main">
-  <p:cSld>
-    <p:spTree>
-      <p:nvGrpSpPr>
-        <p:cNvPr id="1" name=""/>
-        <p:cNvGrpSpPr/>
-        <p:nvPr/>
-      </p:nvGrpSpPr>
-      <p:grpSpPr>
-        <a:xfrm>
-          <a:off x="0" y="0"/>
-          <a:ext cx="0" cy="0"/>
-          <a:chOff x="0" y="0"/>
-          <a:chExt cx="0" cy="0"/>
-        </a:xfrm>
-      </p:grpSpPr>
-      <p:sp>
-        <p:nvSpPr>
-          <p:cNvPr id="2" name="Content Placeholder 1">
-            <a:extLst>
-              <a:ext uri="{FF2B5EF4-FFF2-40B4-BE49-F238E27FC236}">
-                <a16:creationId xmlns:a16="http://schemas.microsoft.com/office/drawing/2014/main" id="{1DDF8FD0-33DC-5342-0CD6-6E121ED57396}"/>
-              </a:ext>
-            </a:extLst>
-          </p:cNvPr>
-          <p:cNvSpPr>
-            <a:spLocks noGrp="1"/>
-          </p:cNvSpPr>
-          <p:nvPr>
-            <p:ph idx="1"/>
-          </p:nvPr>
-        </p:nvSpPr>
-        <p:spPr/>
-        <p:txBody>
-          <a:bodyPr/>
-          <a:lstStyle/>
-          <a:p>
-            <a:endParaRPr lang="en-US" dirty="0"/>
-          </a:p>
-        </p:txBody>
-      </p:sp>
-      <p:sp>
-        <p:nvSpPr>
-          <p:cNvPr id="3" name="Title 2">
-            <a:extLst>
-              <a:ext uri="{FF2B5EF4-FFF2-40B4-BE49-F238E27FC236}">
-                <a16:creationId xmlns:a16="http://schemas.microsoft.com/office/drawing/2014/main" id="{857E883F-20F7-1DC2-B995-F7DDFD83CB5D}"/>
-              </a:ext>
-            </a:extLst>
-          </p:cNvPr>
-          <p:cNvSpPr>
-            <a:spLocks noGrp="1"/>
-          </p:cNvSpPr>
-          <p:nvPr>
-            <p:ph type="title"/>
-          </p:nvPr>
-        </p:nvSpPr>
-        <p:spPr/>
-        <p:txBody>
-          <a:bodyPr/>
-          <a:lstStyle/>
-          <a:p>
-            <a:r>
-              <a:rPr lang="en-US" dirty="0"/>
-              <a:t>Questions?</a:t>
-            </a:r>
-          </a:p>
-        </p:txBody>
-      </p:sp>
-      <p:sp>
-        <p:nvSpPr>
-          <p:cNvPr id="4" name="Text Placeholder 3">
-            <a:extLst>
-              <a:ext uri="{FF2B5EF4-FFF2-40B4-BE49-F238E27FC236}">
-                <a16:creationId xmlns:a16="http://schemas.microsoft.com/office/drawing/2014/main" id="{AD6E9606-AFEC-F81C-4A9D-35FF6D7A5EC5}"/>
-              </a:ext>
-            </a:extLst>
-          </p:cNvPr>
-          <p:cNvSpPr>
-            <a:spLocks noGrp="1"/>
-          </p:cNvSpPr>
-          <p:nvPr>
-            <p:ph type="body" sz="quarter" idx="10"/>
-          </p:nvPr>
-        </p:nvSpPr>
-        <p:spPr/>
-        <p:txBody>
-          <a:bodyPr/>
-          <a:lstStyle/>
-          <a:p>
-            <a:endParaRPr lang="en-US"/>
-          </a:p>
-        </p:txBody>
-      </p:sp>
-    </p:spTree>
-    <p:extLst>
-      <p:ext uri="{BB962C8B-B14F-4D97-AF65-F5344CB8AC3E}">
-        <p14:creationId xmlns:p14="http://schemas.microsoft.com/office/powerpoint/2010/main" val="2643582744"/>
-      </p:ext>
-    </p:extLst>
-  </p:cSld>
-  <p:clrMapOvr>
-    <a:masterClrMapping/>
-  </p:clrMapOvr>
-</p:sld>
-</file>
-
-<file path=ppt/slides/slide58.xml><?xml version="1.0" encoding="utf-8"?>
-<p:sld xmlns:a="http://schemas.openxmlformats.org/drawingml/2006/main" xmlns:r="http://schemas.openxmlformats.org/officeDocument/2006/relationships" xmlns:p="http://schemas.openxmlformats.org/presentationml/2006/main">
-  <p:cSld>
-    <p:spTree>
-      <p:nvGrpSpPr>
-        <p:cNvPr id="1" name=""/>
-        <p:cNvGrpSpPr/>
-        <p:nvPr/>
-      </p:nvGrpSpPr>
-      <p:grpSpPr>
-        <a:xfrm>
-          <a:off x="0" y="0"/>
-          <a:ext cx="0" cy="0"/>
-          <a:chOff x="0" y="0"/>
-          <a:chExt cx="0" cy="0"/>
-        </a:xfrm>
-      </p:grpSpPr>
-      <p:sp>
-        <p:nvSpPr>
-          <p:cNvPr id="20482" name="Title 1"/>
-          <p:cNvSpPr>
-            <a:spLocks noGrp="1"/>
-          </p:cNvSpPr>
-          <p:nvPr>
-            <p:ph type="title"/>
-          </p:nvPr>
-        </p:nvSpPr>
-        <p:spPr>
-          <a:xfrm>
-            <a:off x="993775" y="260350"/>
-            <a:ext cx="8294688" cy="792163"/>
-          </a:xfrm>
-        </p:spPr>
-        <p:txBody>
-          <a:bodyPr/>
-          <a:lstStyle/>
-          <a:p>
-            <a:r>
-              <a:rPr lang="en-US" altLang="nl-NL"/>
-              <a:t>Other components </a:t>
-            </a:r>
-            <a:br>
-              <a:rPr lang="en-US" altLang="nl-NL"/>
-            </a:br>
-            <a:r>
-              <a:rPr lang="en-US" altLang="nl-NL"/>
-              <a:t>performance characteristics</a:t>
-            </a:r>
-            <a:endParaRPr lang="nl-NL" altLang="nl-NL"/>
-          </a:p>
-        </p:txBody>
-      </p:sp>
-      <p:sp>
-        <p:nvSpPr>
-          <p:cNvPr id="20483" name="Content Placeholder 2"/>
-          <p:cNvSpPr>
-            <a:spLocks noGrp="1"/>
-          </p:cNvSpPr>
-          <p:nvPr>
-            <p:ph idx="1"/>
-          </p:nvPr>
-        </p:nvSpPr>
-        <p:spPr>
-          <a:xfrm>
-            <a:off x="1001713" y="1484313"/>
-            <a:ext cx="8283575" cy="3849687"/>
-          </a:xfrm>
-        </p:spPr>
-        <p:txBody>
-          <a:bodyPr/>
-          <a:lstStyle/>
-          <a:p>
-            <a:r>
-              <a:rPr lang="en-US" altLang="nl-NL"/>
-              <a:t>Ducts</a:t>
-            </a:r>
-          </a:p>
-          <a:p>
-            <a:pPr lvl="1"/>
-            <a:r>
-              <a:rPr lang="en-US" altLang="nl-NL"/>
-              <a:t>Pressure loss function of flow (Wc) or Mach or other</a:t>
-            </a:r>
-          </a:p>
-          <a:p>
-            <a:r>
-              <a:rPr lang="en-US" altLang="nl-NL"/>
-              <a:t>Inlets</a:t>
-            </a:r>
-          </a:p>
-          <a:p>
-            <a:pPr lvl="1"/>
-            <a:r>
-              <a:rPr lang="en-US" altLang="nl-NL"/>
-              <a:t>Simular to ducts</a:t>
-            </a:r>
-          </a:p>
-          <a:p>
-            <a:pPr lvl="1"/>
-            <a:r>
-              <a:rPr lang="en-US" altLang="nl-NL"/>
-              <a:t>Also function of flight conditions (Ma</a:t>
-            </a:r>
-            <a:r>
-              <a:rPr lang="en-US" altLang="nl-NL" baseline="-25000"/>
-              <a:t>flight </a:t>
-            </a:r>
-            <a:r>
-              <a:rPr lang="en-US" altLang="nl-NL"/>
-              <a:t>)</a:t>
-            </a:r>
-          </a:p>
-          <a:p>
-            <a:r>
-              <a:rPr lang="en-US" altLang="nl-NL"/>
-              <a:t>Heat loss effects</a:t>
-            </a:r>
-          </a:p>
-          <a:p>
-            <a:pPr lvl="1"/>
-            <a:r>
-              <a:rPr lang="en-US" altLang="nl-NL"/>
-              <a:t>All components</a:t>
-            </a:r>
-          </a:p>
-          <a:p>
-            <a:pPr lvl="1"/>
-            <a:r>
-              <a:rPr lang="en-US" altLang="nl-NL"/>
-              <a:t>Heat transfer models</a:t>
-            </a:r>
-          </a:p>
-          <a:p>
-            <a:r>
-              <a:rPr lang="en-US" altLang="nl-NL"/>
-              <a:t>Other components</a:t>
-            </a:r>
-          </a:p>
-          <a:p>
-            <a:pPr lvl="1"/>
-            <a:r>
-              <a:rPr lang="en-US" altLang="nl-NL"/>
-              <a:t>Specific effects on gas path</a:t>
-            </a:r>
-            <a:endParaRPr lang="nl-NL" altLang="nl-NL"/>
-          </a:p>
-        </p:txBody>
-      </p:sp>
-    </p:spTree>
   </p:cSld>
   <p:clrMapOvr>
     <a:masterClrMapping/>
@@ -47678,6 +46532,1276 @@
     <p:extLst>
       <p:ext uri="{BB962C8B-B14F-4D97-AF65-F5344CB8AC3E}">
         <p14:creationId xmlns:p14="http://schemas.microsoft.com/office/powerpoint/2010/main" val="3382227418"/>
+      </p:ext>
+    </p:extLst>
+  </p:cSld>
+  <p:clrMapOvr>
+    <a:masterClrMapping/>
+  </p:clrMapOvr>
+</p:sld>
+</file>
+
+<file path=ppt/slides/slide60.xml><?xml version="1.0" encoding="utf-8"?>
+<p:sld xmlns:a="http://schemas.openxmlformats.org/drawingml/2006/main" xmlns:r="http://schemas.openxmlformats.org/officeDocument/2006/relationships" xmlns:p="http://schemas.openxmlformats.org/presentationml/2006/main">
+  <p:cSld>
+    <p:spTree>
+      <p:nvGrpSpPr>
+        <p:cNvPr id="1" name="">
+          <a:extLst>
+            <a:ext uri="{FF2B5EF4-FFF2-40B4-BE49-F238E27FC236}">
+              <a16:creationId xmlns:a16="http://schemas.microsoft.com/office/drawing/2014/main" id="{768F262D-BA68-8172-4B3B-2D07D3363047}"/>
+            </a:ext>
+          </a:extLst>
+        </p:cNvPr>
+        <p:cNvGrpSpPr/>
+        <p:nvPr/>
+      </p:nvGrpSpPr>
+      <p:grpSpPr>
+        <a:xfrm>
+          <a:off x="0" y="0"/>
+          <a:ext cx="0" cy="0"/>
+          <a:chOff x="0" y="0"/>
+          <a:chExt cx="0" cy="0"/>
+        </a:xfrm>
+      </p:grpSpPr>
+      <p:sp>
+        <p:nvSpPr>
+          <p:cNvPr id="3" name="Content Placeholder 2">
+            <a:extLst>
+              <a:ext uri="{FF2B5EF4-FFF2-40B4-BE49-F238E27FC236}">
+                <a16:creationId xmlns:a16="http://schemas.microsoft.com/office/drawing/2014/main" id="{EAB3B54A-7C2F-CD71-D6FB-4A785BF6116F}"/>
+              </a:ext>
+            </a:extLst>
+          </p:cNvPr>
+          <p:cNvSpPr>
+            <a:spLocks noGrp="1"/>
+          </p:cNvSpPr>
+          <p:nvPr>
+            <p:ph idx="1"/>
+          </p:nvPr>
+        </p:nvSpPr>
+        <p:spPr/>
+        <p:txBody>
+          <a:bodyPr/>
+          <a:lstStyle/>
+          <a:p>
+            <a:pPr>
+              <a:buClrTx/>
+            </a:pPr>
+            <a:r>
+              <a:rPr lang="en-US" sz="2400" dirty="0"/>
+              <a:t>Other engine configurations</a:t>
+            </a:r>
+          </a:p>
+          <a:p>
+            <a:pPr lvl="1">
+              <a:buClrTx/>
+            </a:pPr>
+            <a:r>
+              <a:rPr lang="en-US" sz="2000" dirty="0"/>
+              <a:t>Turbofan</a:t>
+            </a:r>
+          </a:p>
+          <a:p>
+            <a:pPr lvl="1">
+              <a:buClrTx/>
+            </a:pPr>
+            <a:r>
+              <a:rPr lang="en-US" sz="2000" dirty="0"/>
+              <a:t>Mixer</a:t>
+            </a:r>
+          </a:p>
+          <a:p>
+            <a:pPr lvl="1">
+              <a:buClrTx/>
+            </a:pPr>
+            <a:r>
+              <a:rPr lang="en-US" sz="2000" dirty="0"/>
+              <a:t>Recuperator / heat exchanger</a:t>
+            </a:r>
+          </a:p>
+          <a:p>
+            <a:pPr lvl="1">
+              <a:buClrTx/>
+            </a:pPr>
+            <a:r>
+              <a:rPr lang="en-US" sz="2000" dirty="0"/>
+              <a:t>Turbogenerator</a:t>
+            </a:r>
+          </a:p>
+          <a:p>
+            <a:pPr lvl="1">
+              <a:buClrTx/>
+            </a:pPr>
+            <a:r>
+              <a:rPr lang="en-US" sz="2000" dirty="0"/>
+              <a:t>Polytropic efficiencies</a:t>
+            </a:r>
+          </a:p>
+          <a:p>
+            <a:pPr lvl="1">
+              <a:buClrTx/>
+            </a:pPr>
+            <a:r>
+              <a:rPr lang="en-US" sz="2000" dirty="0"/>
+              <a:t>Variable geometry</a:t>
+            </a:r>
+          </a:p>
+          <a:p>
+            <a:pPr lvl="1">
+              <a:buClrTx/>
+            </a:pPr>
+            <a:r>
+              <a:rPr lang="en-US" sz="2000" dirty="0"/>
+              <a:t>Secondary air flows (bleed flow, cooling flows)</a:t>
+            </a:r>
+          </a:p>
+          <a:p>
+            <a:pPr>
+              <a:buClrTx/>
+            </a:pPr>
+            <a:r>
+              <a:rPr lang="en-US" sz="2400" dirty="0"/>
+              <a:t>Add propulsion system elements	</a:t>
+            </a:r>
+          </a:p>
+          <a:p>
+            <a:pPr lvl="1">
+              <a:buClrTx/>
+            </a:pPr>
+            <a:r>
+              <a:rPr lang="en-US" sz="2000" dirty="0"/>
+              <a:t>Generators, electric motors, propulsors, batteries, fuel cells</a:t>
+            </a:r>
+          </a:p>
+          <a:p>
+            <a:pPr marL="385763" lvl="1" indent="0">
+              <a:buClrTx/>
+              <a:buNone/>
+            </a:pPr>
+            <a:endParaRPr lang="en-US" sz="2000" dirty="0"/>
+          </a:p>
+        </p:txBody>
+      </p:sp>
+      <p:sp>
+        <p:nvSpPr>
+          <p:cNvPr id="2" name="Title 1">
+            <a:extLst>
+              <a:ext uri="{FF2B5EF4-FFF2-40B4-BE49-F238E27FC236}">
+                <a16:creationId xmlns:a16="http://schemas.microsoft.com/office/drawing/2014/main" id="{CD4B484B-919E-59C8-D3EC-4A724E76BD76}"/>
+              </a:ext>
+            </a:extLst>
+          </p:cNvPr>
+          <p:cNvSpPr>
+            <a:spLocks noGrp="1"/>
+          </p:cNvSpPr>
+          <p:nvPr>
+            <p:ph type="title"/>
+          </p:nvPr>
+        </p:nvSpPr>
+        <p:spPr/>
+        <p:txBody>
+          <a:bodyPr/>
+          <a:lstStyle/>
+          <a:p>
+            <a:r>
+              <a:rPr lang="en-US" dirty="0"/>
+              <a:t>Adapting the baseline code</a:t>
+            </a:r>
+            <a:endParaRPr lang="nl-NL" dirty="0"/>
+          </a:p>
+        </p:txBody>
+      </p:sp>
+      <p:sp>
+        <p:nvSpPr>
+          <p:cNvPr id="4" name="Text Placeholder 3">
+            <a:extLst>
+              <a:ext uri="{FF2B5EF4-FFF2-40B4-BE49-F238E27FC236}">
+                <a16:creationId xmlns:a16="http://schemas.microsoft.com/office/drawing/2014/main" id="{94C99FC4-A572-529B-7425-303E427DC027}"/>
+              </a:ext>
+            </a:extLst>
+          </p:cNvPr>
+          <p:cNvSpPr>
+            <a:spLocks noGrp="1"/>
+          </p:cNvSpPr>
+          <p:nvPr>
+            <p:ph type="body" sz="quarter" idx="10"/>
+          </p:nvPr>
+        </p:nvSpPr>
+        <p:spPr/>
+        <p:txBody>
+          <a:bodyPr/>
+          <a:lstStyle/>
+          <a:p>
+            <a:r>
+              <a:rPr lang="en-US" dirty="0"/>
+              <a:t>Software implementation</a:t>
+            </a:r>
+          </a:p>
+          <a:p>
+            <a:endParaRPr lang="en-US" dirty="0"/>
+          </a:p>
+        </p:txBody>
+      </p:sp>
+    </p:spTree>
+    <p:extLst>
+      <p:ext uri="{BB962C8B-B14F-4D97-AF65-F5344CB8AC3E}">
+        <p14:creationId xmlns:p14="http://schemas.microsoft.com/office/powerpoint/2010/main" val="2151383132"/>
+      </p:ext>
+    </p:extLst>
+  </p:cSld>
+  <p:clrMapOvr>
+    <a:masterClrMapping/>
+  </p:clrMapOvr>
+</p:sld>
+</file>
+
+<file path=ppt/slides/slide61.xml><?xml version="1.0" encoding="utf-8"?>
+<p:sld xmlns:a="http://schemas.openxmlformats.org/drawingml/2006/main" xmlns:r="http://schemas.openxmlformats.org/officeDocument/2006/relationships" xmlns:p="http://schemas.openxmlformats.org/presentationml/2006/main">
+  <p:cSld>
+    <p:spTree>
+      <p:nvGrpSpPr>
+        <p:cNvPr id="1" name="">
+          <a:extLst>
+            <a:ext uri="{FF2B5EF4-FFF2-40B4-BE49-F238E27FC236}">
+              <a16:creationId xmlns:a16="http://schemas.microsoft.com/office/drawing/2014/main" id="{523D679A-7B8C-9982-493A-B28CB2256E7B}"/>
+            </a:ext>
+          </a:extLst>
+        </p:cNvPr>
+        <p:cNvGrpSpPr/>
+        <p:nvPr/>
+      </p:nvGrpSpPr>
+      <p:grpSpPr>
+        <a:xfrm>
+          <a:off x="0" y="0"/>
+          <a:ext cx="0" cy="0"/>
+          <a:chOff x="0" y="0"/>
+          <a:chExt cx="0" cy="0"/>
+        </a:xfrm>
+      </p:grpSpPr>
+      <p:sp>
+        <p:nvSpPr>
+          <p:cNvPr id="3" name="Content Placeholder 2">
+            <a:extLst>
+              <a:ext uri="{FF2B5EF4-FFF2-40B4-BE49-F238E27FC236}">
+                <a16:creationId xmlns:a16="http://schemas.microsoft.com/office/drawing/2014/main" id="{4F30B43E-632A-8792-AA8C-01FBBD8BD816}"/>
+              </a:ext>
+            </a:extLst>
+          </p:cNvPr>
+          <p:cNvSpPr>
+            <a:spLocks noGrp="1"/>
+          </p:cNvSpPr>
+          <p:nvPr>
+            <p:ph idx="1"/>
+          </p:nvPr>
+        </p:nvSpPr>
+        <p:spPr/>
+        <p:txBody>
+          <a:bodyPr/>
+          <a:lstStyle/>
+          <a:p>
+            <a:pPr>
+              <a:buClrTx/>
+            </a:pPr>
+            <a:r>
+              <a:rPr lang="en-US" sz="2400" dirty="0"/>
+              <a:t>Component model extensions</a:t>
+            </a:r>
+          </a:p>
+          <a:p>
+            <a:pPr lvl="1">
+              <a:buClrTx/>
+            </a:pPr>
+            <a:r>
+              <a:rPr lang="en-US" sz="2000" dirty="0"/>
+              <a:t>Variable geometry</a:t>
+            </a:r>
+          </a:p>
+          <a:p>
+            <a:pPr lvl="1">
+              <a:buClrTx/>
+            </a:pPr>
+            <a:r>
+              <a:rPr lang="en-US" sz="2000" dirty="0"/>
+              <a:t>Bleed</a:t>
+            </a:r>
+          </a:p>
+          <a:p>
+            <a:pPr lvl="1">
+              <a:buClrTx/>
+            </a:pPr>
+            <a:r>
+              <a:rPr lang="en-US" sz="2000" dirty="0"/>
+              <a:t>Turbine cooling</a:t>
+            </a:r>
+          </a:p>
+          <a:p>
+            <a:pPr lvl="1">
+              <a:buClrTx/>
+            </a:pPr>
+            <a:r>
+              <a:rPr lang="en-US" sz="2000" dirty="0"/>
+              <a:t>1-D model code</a:t>
+            </a:r>
+          </a:p>
+          <a:p>
+            <a:pPr lvl="1">
+              <a:buClrTx/>
+            </a:pPr>
+            <a:r>
+              <a:rPr lang="en-US" sz="2000" dirty="0"/>
+              <a:t>Other fuels</a:t>
+            </a:r>
+          </a:p>
+          <a:p>
+            <a:pPr lvl="2">
+              <a:buClrTx/>
+            </a:pPr>
+            <a:r>
+              <a:rPr lang="en-US" sz="1600" dirty="0"/>
+              <a:t>Easily adapt fuel in combustor component (</a:t>
+            </a:r>
+            <a:r>
+              <a:rPr lang="en-US" sz="1600" dirty="0" err="1"/>
+              <a:t>cantera</a:t>
+            </a:r>
+            <a:r>
+              <a:rPr lang="en-US" sz="1600" dirty="0"/>
+              <a:t>)</a:t>
+            </a:r>
+          </a:p>
+          <a:p>
+            <a:pPr marL="385763" lvl="1" indent="0">
+              <a:buClrTx/>
+              <a:buNone/>
+            </a:pPr>
+            <a:endParaRPr lang="en-US" sz="2000" dirty="0"/>
+          </a:p>
+        </p:txBody>
+      </p:sp>
+      <p:sp>
+        <p:nvSpPr>
+          <p:cNvPr id="2" name="Title 1">
+            <a:extLst>
+              <a:ext uri="{FF2B5EF4-FFF2-40B4-BE49-F238E27FC236}">
+                <a16:creationId xmlns:a16="http://schemas.microsoft.com/office/drawing/2014/main" id="{B1805B9E-FFA7-4AEF-5DB1-FB97A7CB2D48}"/>
+              </a:ext>
+            </a:extLst>
+          </p:cNvPr>
+          <p:cNvSpPr>
+            <a:spLocks noGrp="1"/>
+          </p:cNvSpPr>
+          <p:nvPr>
+            <p:ph type="title"/>
+          </p:nvPr>
+        </p:nvSpPr>
+        <p:spPr/>
+        <p:txBody>
+          <a:bodyPr/>
+          <a:lstStyle/>
+          <a:p>
+            <a:r>
+              <a:rPr lang="en-US" dirty="0"/>
+              <a:t>Adapting the baseline code</a:t>
+            </a:r>
+            <a:endParaRPr lang="nl-NL" dirty="0"/>
+          </a:p>
+        </p:txBody>
+      </p:sp>
+      <p:sp>
+        <p:nvSpPr>
+          <p:cNvPr id="4" name="Text Placeholder 3">
+            <a:extLst>
+              <a:ext uri="{FF2B5EF4-FFF2-40B4-BE49-F238E27FC236}">
+                <a16:creationId xmlns:a16="http://schemas.microsoft.com/office/drawing/2014/main" id="{5DD88BCA-B6B1-DFB0-4219-C4F970838B02}"/>
+              </a:ext>
+            </a:extLst>
+          </p:cNvPr>
+          <p:cNvSpPr>
+            <a:spLocks noGrp="1"/>
+          </p:cNvSpPr>
+          <p:nvPr>
+            <p:ph type="body" sz="quarter" idx="10"/>
+          </p:nvPr>
+        </p:nvSpPr>
+        <p:spPr/>
+        <p:txBody>
+          <a:bodyPr/>
+          <a:lstStyle/>
+          <a:p>
+            <a:r>
+              <a:rPr lang="en-US" dirty="0"/>
+              <a:t>Software implementation</a:t>
+            </a:r>
+          </a:p>
+          <a:p>
+            <a:endParaRPr lang="en-US" dirty="0"/>
+          </a:p>
+        </p:txBody>
+      </p:sp>
+    </p:spTree>
+    <p:extLst>
+      <p:ext uri="{BB962C8B-B14F-4D97-AF65-F5344CB8AC3E}">
+        <p14:creationId xmlns:p14="http://schemas.microsoft.com/office/powerpoint/2010/main" val="2569672897"/>
+      </p:ext>
+    </p:extLst>
+  </p:cSld>
+  <p:clrMapOvr>
+    <a:masterClrMapping/>
+  </p:clrMapOvr>
+</p:sld>
+</file>
+
+<file path=ppt/slides/slide62.xml><?xml version="1.0" encoding="utf-8"?>
+<p:sld xmlns:a="http://schemas.openxmlformats.org/drawingml/2006/main" xmlns:r="http://schemas.openxmlformats.org/officeDocument/2006/relationships" xmlns:p="http://schemas.openxmlformats.org/presentationml/2006/main">
+  <p:cSld>
+    <p:spTree>
+      <p:nvGrpSpPr>
+        <p:cNvPr id="1" name="">
+          <a:extLst>
+            <a:ext uri="{FF2B5EF4-FFF2-40B4-BE49-F238E27FC236}">
+              <a16:creationId xmlns:a16="http://schemas.microsoft.com/office/drawing/2014/main" id="{6ABDE98C-E0C6-85F0-8419-F974D051D559}"/>
+            </a:ext>
+          </a:extLst>
+        </p:cNvPr>
+        <p:cNvGrpSpPr/>
+        <p:nvPr/>
+      </p:nvGrpSpPr>
+      <p:grpSpPr>
+        <a:xfrm>
+          <a:off x="0" y="0"/>
+          <a:ext cx="0" cy="0"/>
+          <a:chOff x="0" y="0"/>
+          <a:chExt cx="0" cy="0"/>
+        </a:xfrm>
+      </p:grpSpPr>
+      <p:sp>
+        <p:nvSpPr>
+          <p:cNvPr id="3" name="Content Placeholder 2">
+            <a:extLst>
+              <a:ext uri="{FF2B5EF4-FFF2-40B4-BE49-F238E27FC236}">
+                <a16:creationId xmlns:a16="http://schemas.microsoft.com/office/drawing/2014/main" id="{8B793A04-8B28-DDFE-027B-7ED3593144FC}"/>
+              </a:ext>
+            </a:extLst>
+          </p:cNvPr>
+          <p:cNvSpPr>
+            <a:spLocks noGrp="1"/>
+          </p:cNvSpPr>
+          <p:nvPr>
+            <p:ph idx="1"/>
+          </p:nvPr>
+        </p:nvSpPr>
+        <p:spPr/>
+        <p:txBody>
+          <a:bodyPr/>
+          <a:lstStyle/>
+          <a:p>
+            <a:pPr>
+              <a:buClrTx/>
+            </a:pPr>
+            <a:r>
+              <a:rPr lang="en-US" sz="2400" dirty="0"/>
+              <a:t>API (Application Programming Interface)</a:t>
+            </a:r>
+          </a:p>
+          <a:p>
+            <a:pPr lvl="1">
+              <a:buClrTx/>
+            </a:pPr>
+            <a:r>
+              <a:rPr lang="en-US" sz="2000" dirty="0"/>
+              <a:t>Couple with other models</a:t>
+            </a:r>
+          </a:p>
+          <a:p>
+            <a:pPr>
+              <a:buClrTx/>
+            </a:pPr>
+            <a:endParaRPr lang="en-US" sz="2400" dirty="0"/>
+          </a:p>
+          <a:p>
+            <a:pPr>
+              <a:buClrTx/>
+            </a:pPr>
+            <a:r>
+              <a:rPr lang="en-US" sz="2400" dirty="0"/>
+              <a:t>Extend user interface</a:t>
+            </a:r>
+          </a:p>
+          <a:p>
+            <a:pPr lvl="1">
+              <a:buClrTx/>
+            </a:pPr>
+            <a:r>
+              <a:rPr lang="en-US" sz="2000" dirty="0"/>
+              <a:t>Extend output</a:t>
+            </a:r>
+          </a:p>
+          <a:p>
+            <a:pPr lvl="2">
+              <a:buClrTx/>
+            </a:pPr>
+            <a:r>
+              <a:rPr lang="en-US" sz="1600" dirty="0"/>
+              <a:t>Graphs, tables, export</a:t>
+            </a:r>
+          </a:p>
+          <a:p>
+            <a:pPr lvl="1">
+              <a:buClrTx/>
+            </a:pPr>
+            <a:r>
+              <a:rPr lang="en-US" sz="2000" dirty="0"/>
+              <a:t>Add GUI</a:t>
+            </a:r>
+          </a:p>
+          <a:p>
+            <a:pPr marL="385763" lvl="1" indent="0">
+              <a:buClrTx/>
+              <a:buNone/>
+            </a:pPr>
+            <a:endParaRPr lang="en-US" sz="2000" dirty="0"/>
+          </a:p>
+        </p:txBody>
+      </p:sp>
+      <p:sp>
+        <p:nvSpPr>
+          <p:cNvPr id="2" name="Title 1">
+            <a:extLst>
+              <a:ext uri="{FF2B5EF4-FFF2-40B4-BE49-F238E27FC236}">
+                <a16:creationId xmlns:a16="http://schemas.microsoft.com/office/drawing/2014/main" id="{97671BBA-87C3-A484-0FA7-5370B45E06BD}"/>
+              </a:ext>
+            </a:extLst>
+          </p:cNvPr>
+          <p:cNvSpPr>
+            <a:spLocks noGrp="1"/>
+          </p:cNvSpPr>
+          <p:nvPr>
+            <p:ph type="title"/>
+          </p:nvPr>
+        </p:nvSpPr>
+        <p:spPr/>
+        <p:txBody>
+          <a:bodyPr/>
+          <a:lstStyle/>
+          <a:p>
+            <a:r>
+              <a:rPr lang="en-US" dirty="0"/>
+              <a:t>Adapting the baseline code</a:t>
+            </a:r>
+            <a:endParaRPr lang="nl-NL" dirty="0"/>
+          </a:p>
+        </p:txBody>
+      </p:sp>
+      <p:sp>
+        <p:nvSpPr>
+          <p:cNvPr id="4" name="Text Placeholder 3">
+            <a:extLst>
+              <a:ext uri="{FF2B5EF4-FFF2-40B4-BE49-F238E27FC236}">
+                <a16:creationId xmlns:a16="http://schemas.microsoft.com/office/drawing/2014/main" id="{E276D0C0-675A-D65D-ADFA-387FF14EEBEC}"/>
+              </a:ext>
+            </a:extLst>
+          </p:cNvPr>
+          <p:cNvSpPr>
+            <a:spLocks noGrp="1"/>
+          </p:cNvSpPr>
+          <p:nvPr>
+            <p:ph type="body" sz="quarter" idx="10"/>
+          </p:nvPr>
+        </p:nvSpPr>
+        <p:spPr/>
+        <p:txBody>
+          <a:bodyPr/>
+          <a:lstStyle/>
+          <a:p>
+            <a:r>
+              <a:rPr lang="en-US" dirty="0"/>
+              <a:t>Software implementation</a:t>
+            </a:r>
+          </a:p>
+          <a:p>
+            <a:endParaRPr lang="en-US" dirty="0"/>
+          </a:p>
+        </p:txBody>
+      </p:sp>
+    </p:spTree>
+    <p:extLst>
+      <p:ext uri="{BB962C8B-B14F-4D97-AF65-F5344CB8AC3E}">
+        <p14:creationId xmlns:p14="http://schemas.microsoft.com/office/powerpoint/2010/main" val="4050105259"/>
+      </p:ext>
+    </p:extLst>
+  </p:cSld>
+  <p:clrMapOvr>
+    <a:masterClrMapping/>
+  </p:clrMapOvr>
+</p:sld>
+</file>
+
+<file path=ppt/slides/slide63.xml><?xml version="1.0" encoding="utf-8"?>
+<p:sld xmlns:a="http://schemas.openxmlformats.org/drawingml/2006/main" xmlns:r="http://schemas.openxmlformats.org/officeDocument/2006/relationships" xmlns:p="http://schemas.openxmlformats.org/presentationml/2006/main">
+  <p:cSld>
+    <p:spTree>
+      <p:nvGrpSpPr>
+        <p:cNvPr id="1" name="">
+          <a:extLst>
+            <a:ext uri="{FF2B5EF4-FFF2-40B4-BE49-F238E27FC236}">
+              <a16:creationId xmlns:a16="http://schemas.microsoft.com/office/drawing/2014/main" id="{FA5C8DBC-D19F-62D1-AE4C-4F4784912561}"/>
+            </a:ext>
+          </a:extLst>
+        </p:cNvPr>
+        <p:cNvGrpSpPr/>
+        <p:nvPr/>
+      </p:nvGrpSpPr>
+      <p:grpSpPr>
+        <a:xfrm>
+          <a:off x="0" y="0"/>
+          <a:ext cx="0" cy="0"/>
+          <a:chOff x="0" y="0"/>
+          <a:chExt cx="0" cy="0"/>
+        </a:xfrm>
+      </p:grpSpPr>
+      <p:sp>
+        <p:nvSpPr>
+          <p:cNvPr id="5" name="Content Placeholder 2">
+            <a:extLst>
+              <a:ext uri="{FF2B5EF4-FFF2-40B4-BE49-F238E27FC236}">
+                <a16:creationId xmlns:a16="http://schemas.microsoft.com/office/drawing/2014/main" id="{1ED979B2-1DC3-6460-2791-42D8406DC65C}"/>
+              </a:ext>
+            </a:extLst>
+          </p:cNvPr>
+          <p:cNvSpPr>
+            <a:spLocks noGrp="1"/>
+          </p:cNvSpPr>
+          <p:nvPr>
+            <p:ph idx="1"/>
+          </p:nvPr>
+        </p:nvSpPr>
+        <p:spPr/>
+        <p:txBody>
+          <a:bodyPr/>
+          <a:lstStyle/>
+          <a:p>
+            <a:pPr>
+              <a:buClrTx/>
+            </a:pPr>
+            <a:r>
+              <a:rPr lang="en-US" dirty="0"/>
+              <a:t>Fidelity</a:t>
+            </a:r>
+          </a:p>
+          <a:p>
+            <a:pPr lvl="1">
+              <a:buClrTx/>
+            </a:pPr>
+            <a:r>
+              <a:rPr lang="en-US" dirty="0"/>
+              <a:t>1-D component models</a:t>
+            </a:r>
+          </a:p>
+          <a:p>
+            <a:pPr lvl="2">
+              <a:buClrTx/>
+            </a:pPr>
+            <a:r>
+              <a:rPr lang="en-US" dirty="0"/>
+              <a:t>Turbomachinery</a:t>
+            </a:r>
+          </a:p>
+          <a:p>
+            <a:pPr lvl="2">
+              <a:buClrTx/>
+            </a:pPr>
+            <a:r>
+              <a:rPr lang="en-US" dirty="0"/>
+              <a:t>Combustors </a:t>
+            </a:r>
+          </a:p>
+          <a:p>
+            <a:pPr lvl="1">
+              <a:buClrTx/>
+            </a:pPr>
+            <a:r>
+              <a:rPr lang="en-US" dirty="0"/>
+              <a:t>Couple with multi-D CFD models</a:t>
+            </a:r>
+          </a:p>
+          <a:p>
+            <a:pPr>
+              <a:buClrTx/>
+            </a:pPr>
+            <a:r>
+              <a:rPr lang="en-US" dirty="0"/>
+              <a:t>Gas turbine system</a:t>
+            </a:r>
+          </a:p>
+          <a:p>
+            <a:pPr lvl="1">
+              <a:buClrTx/>
+            </a:pPr>
+            <a:r>
+              <a:rPr lang="en-US" dirty="0"/>
+              <a:t>Control system</a:t>
+            </a:r>
+          </a:p>
+          <a:p>
+            <a:pPr lvl="1">
+              <a:buClrTx/>
+            </a:pPr>
+            <a:r>
+              <a:rPr lang="en-US" dirty="0"/>
+              <a:t>Fans, mixers</a:t>
+            </a:r>
+          </a:p>
+          <a:p>
+            <a:pPr lvl="1">
+              <a:buClrTx/>
+            </a:pPr>
+            <a:r>
+              <a:rPr lang="en-US" dirty="0"/>
+              <a:t>Recuperators</a:t>
+            </a:r>
+          </a:p>
+          <a:p>
+            <a:pPr>
+              <a:buClrTx/>
+            </a:pPr>
+            <a:r>
+              <a:rPr lang="en-US" dirty="0"/>
+              <a:t>Application Programmers Interface API</a:t>
+            </a:r>
+          </a:p>
+          <a:p>
+            <a:pPr lvl="1">
+              <a:buClrTx/>
+            </a:pPr>
+            <a:endParaRPr lang="en-US" dirty="0"/>
+          </a:p>
+          <a:p>
+            <a:pPr>
+              <a:buClrTx/>
+            </a:pPr>
+            <a:endParaRPr lang="en-US" dirty="0"/>
+          </a:p>
+        </p:txBody>
+      </p:sp>
+      <p:sp>
+        <p:nvSpPr>
+          <p:cNvPr id="2" name="Title 1">
+            <a:extLst>
+              <a:ext uri="{FF2B5EF4-FFF2-40B4-BE49-F238E27FC236}">
+                <a16:creationId xmlns:a16="http://schemas.microsoft.com/office/drawing/2014/main" id="{B255D249-7952-448B-ADC1-EE538A28B910}"/>
+              </a:ext>
+            </a:extLst>
+          </p:cNvPr>
+          <p:cNvSpPr>
+            <a:spLocks noGrp="1"/>
+          </p:cNvSpPr>
+          <p:nvPr>
+            <p:ph type="title"/>
+          </p:nvPr>
+        </p:nvSpPr>
+        <p:spPr/>
+        <p:txBody>
+          <a:bodyPr/>
+          <a:lstStyle/>
+          <a:p>
+            <a:r>
+              <a:rPr lang="en-US" dirty="0"/>
+              <a:t>Extending the models	- 1</a:t>
+            </a:r>
+            <a:endParaRPr lang="nl-NL" dirty="0"/>
+          </a:p>
+        </p:txBody>
+      </p:sp>
+      <p:sp>
+        <p:nvSpPr>
+          <p:cNvPr id="3" name="Text Placeholder 2">
+            <a:extLst>
+              <a:ext uri="{FF2B5EF4-FFF2-40B4-BE49-F238E27FC236}">
+                <a16:creationId xmlns:a16="http://schemas.microsoft.com/office/drawing/2014/main" id="{A45CDD36-12E2-89E4-69B8-BF4590428514}"/>
+              </a:ext>
+            </a:extLst>
+          </p:cNvPr>
+          <p:cNvSpPr>
+            <a:spLocks noGrp="1"/>
+          </p:cNvSpPr>
+          <p:nvPr>
+            <p:ph type="body" sz="quarter" idx="10"/>
+          </p:nvPr>
+        </p:nvSpPr>
+        <p:spPr/>
+        <p:txBody>
+          <a:bodyPr/>
+          <a:lstStyle/>
+          <a:p>
+            <a:r>
+              <a:rPr lang="en-US" dirty="0"/>
+              <a:t>Software implementation</a:t>
+            </a:r>
+          </a:p>
+        </p:txBody>
+      </p:sp>
+    </p:spTree>
+    <p:extLst>
+      <p:ext uri="{BB962C8B-B14F-4D97-AF65-F5344CB8AC3E}">
+        <p14:creationId xmlns:p14="http://schemas.microsoft.com/office/powerpoint/2010/main" val="2086849486"/>
+      </p:ext>
+    </p:extLst>
+  </p:cSld>
+  <p:clrMapOvr>
+    <a:masterClrMapping/>
+  </p:clrMapOvr>
+</p:sld>
+</file>
+
+<file path=ppt/slides/slide64.xml><?xml version="1.0" encoding="utf-8"?>
+<p:sld xmlns:a="http://schemas.openxmlformats.org/drawingml/2006/main" xmlns:r="http://schemas.openxmlformats.org/officeDocument/2006/relationships" xmlns:p="http://schemas.openxmlformats.org/presentationml/2006/main">
+  <p:cSld>
+    <p:spTree>
+      <p:nvGrpSpPr>
+        <p:cNvPr id="1" name="">
+          <a:extLst>
+            <a:ext uri="{FF2B5EF4-FFF2-40B4-BE49-F238E27FC236}">
+              <a16:creationId xmlns:a16="http://schemas.microsoft.com/office/drawing/2014/main" id="{CE259818-1CDD-879E-5767-82867AB95559}"/>
+            </a:ext>
+          </a:extLst>
+        </p:cNvPr>
+        <p:cNvGrpSpPr/>
+        <p:nvPr/>
+      </p:nvGrpSpPr>
+      <p:grpSpPr>
+        <a:xfrm>
+          <a:off x="0" y="0"/>
+          <a:ext cx="0" cy="0"/>
+          <a:chOff x="0" y="0"/>
+          <a:chExt cx="0" cy="0"/>
+        </a:xfrm>
+      </p:grpSpPr>
+      <p:sp>
+        <p:nvSpPr>
+          <p:cNvPr id="5" name="Content Placeholder 2">
+            <a:extLst>
+              <a:ext uri="{FF2B5EF4-FFF2-40B4-BE49-F238E27FC236}">
+                <a16:creationId xmlns:a16="http://schemas.microsoft.com/office/drawing/2014/main" id="{9363ED53-544E-2C56-0CD9-A7C35DD7AF73}"/>
+              </a:ext>
+            </a:extLst>
+          </p:cNvPr>
+          <p:cNvSpPr>
+            <a:spLocks noGrp="1"/>
+          </p:cNvSpPr>
+          <p:nvPr>
+            <p:ph idx="1"/>
+          </p:nvPr>
+        </p:nvSpPr>
+        <p:spPr/>
+        <p:txBody>
+          <a:bodyPr/>
+          <a:lstStyle/>
+          <a:p>
+            <a:pPr>
+              <a:buClrTx/>
+            </a:pPr>
+            <a:r>
+              <a:rPr lang="en-US" dirty="0"/>
+              <a:t>Propulsion system elements</a:t>
+            </a:r>
+          </a:p>
+          <a:p>
+            <a:pPr lvl="1">
+              <a:buClrTx/>
+            </a:pPr>
+            <a:r>
+              <a:rPr lang="en-US" dirty="0"/>
+              <a:t>Loads (propellers, generators)</a:t>
+            </a:r>
+          </a:p>
+          <a:p>
+            <a:pPr lvl="1">
+              <a:buClrTx/>
+            </a:pPr>
+            <a:r>
+              <a:rPr lang="en-US" dirty="0"/>
+              <a:t>Hybrid propulsion systems</a:t>
+            </a:r>
+          </a:p>
+          <a:p>
+            <a:pPr lvl="2">
+              <a:buClrTx/>
+            </a:pPr>
+            <a:r>
+              <a:rPr lang="en-US" dirty="0"/>
+              <a:t>Batteries</a:t>
+            </a:r>
+          </a:p>
+          <a:p>
+            <a:pPr lvl="2">
+              <a:buClrTx/>
+            </a:pPr>
+            <a:r>
+              <a:rPr lang="en-US" dirty="0"/>
+              <a:t>Fuel cells</a:t>
+            </a:r>
+          </a:p>
+          <a:p>
+            <a:pPr lvl="1">
+              <a:buClrTx/>
+            </a:pPr>
+            <a:endParaRPr lang="en-US" dirty="0"/>
+          </a:p>
+          <a:p>
+            <a:pPr>
+              <a:buClrTx/>
+            </a:pPr>
+            <a:endParaRPr lang="en-US" dirty="0"/>
+          </a:p>
+        </p:txBody>
+      </p:sp>
+      <p:sp>
+        <p:nvSpPr>
+          <p:cNvPr id="2" name="Title 1">
+            <a:extLst>
+              <a:ext uri="{FF2B5EF4-FFF2-40B4-BE49-F238E27FC236}">
+                <a16:creationId xmlns:a16="http://schemas.microsoft.com/office/drawing/2014/main" id="{E652A459-7B59-E4A0-F307-D3CA7C9334BA}"/>
+              </a:ext>
+            </a:extLst>
+          </p:cNvPr>
+          <p:cNvSpPr>
+            <a:spLocks noGrp="1"/>
+          </p:cNvSpPr>
+          <p:nvPr>
+            <p:ph type="title"/>
+          </p:nvPr>
+        </p:nvSpPr>
+        <p:spPr/>
+        <p:txBody>
+          <a:bodyPr/>
+          <a:lstStyle/>
+          <a:p>
+            <a:r>
+              <a:rPr lang="en-US" dirty="0"/>
+              <a:t>Extending the models	- 2</a:t>
+            </a:r>
+            <a:endParaRPr lang="nl-NL" dirty="0"/>
+          </a:p>
+        </p:txBody>
+      </p:sp>
+      <p:sp>
+        <p:nvSpPr>
+          <p:cNvPr id="3" name="Text Placeholder 2">
+            <a:extLst>
+              <a:ext uri="{FF2B5EF4-FFF2-40B4-BE49-F238E27FC236}">
+                <a16:creationId xmlns:a16="http://schemas.microsoft.com/office/drawing/2014/main" id="{EEA6F9F0-1F61-82C5-6C06-127588C4E9BF}"/>
+              </a:ext>
+            </a:extLst>
+          </p:cNvPr>
+          <p:cNvSpPr>
+            <a:spLocks noGrp="1"/>
+          </p:cNvSpPr>
+          <p:nvPr>
+            <p:ph type="body" sz="quarter" idx="10"/>
+          </p:nvPr>
+        </p:nvSpPr>
+        <p:spPr/>
+        <p:txBody>
+          <a:bodyPr/>
+          <a:lstStyle/>
+          <a:p>
+            <a:r>
+              <a:rPr lang="en-US" dirty="0"/>
+              <a:t>Software implementation</a:t>
+            </a:r>
+          </a:p>
+        </p:txBody>
+      </p:sp>
+    </p:spTree>
+    <p:extLst>
+      <p:ext uri="{BB962C8B-B14F-4D97-AF65-F5344CB8AC3E}">
+        <p14:creationId xmlns:p14="http://schemas.microsoft.com/office/powerpoint/2010/main" val="447980544"/>
+      </p:ext>
+    </p:extLst>
+  </p:cSld>
+  <p:clrMapOvr>
+    <a:masterClrMapping/>
+  </p:clrMapOvr>
+</p:sld>
+</file>
+
+<file path=ppt/slides/slide65.xml><?xml version="1.0" encoding="utf-8"?>
+<p:sld xmlns:a="http://schemas.openxmlformats.org/drawingml/2006/main" xmlns:r="http://schemas.openxmlformats.org/officeDocument/2006/relationships" xmlns:p="http://schemas.openxmlformats.org/presentationml/2006/main">
+  <p:cSld>
+    <p:spTree>
+      <p:nvGrpSpPr>
+        <p:cNvPr id="1" name=""/>
+        <p:cNvGrpSpPr/>
+        <p:nvPr/>
+      </p:nvGrpSpPr>
+      <p:grpSpPr>
+        <a:xfrm>
+          <a:off x="0" y="0"/>
+          <a:ext cx="0" cy="0"/>
+          <a:chOff x="0" y="0"/>
+          <a:chExt cx="0" cy="0"/>
+        </a:xfrm>
+      </p:grpSpPr>
+      <p:sp>
+        <p:nvSpPr>
+          <p:cNvPr id="2" name="Content Placeholder 1">
+            <a:extLst>
+              <a:ext uri="{FF2B5EF4-FFF2-40B4-BE49-F238E27FC236}">
+                <a16:creationId xmlns:a16="http://schemas.microsoft.com/office/drawing/2014/main" id="{8FC57EB0-2A3C-0339-B896-0E00A6E76330}"/>
+              </a:ext>
+            </a:extLst>
+          </p:cNvPr>
+          <p:cNvSpPr>
+            <a:spLocks noGrp="1"/>
+          </p:cNvSpPr>
+          <p:nvPr>
+            <p:ph idx="1"/>
+          </p:nvPr>
+        </p:nvSpPr>
+        <p:spPr/>
+        <p:txBody>
+          <a:bodyPr/>
+          <a:lstStyle/>
+          <a:p>
+            <a:r>
+              <a:rPr lang="en-US" dirty="0"/>
+              <a:t>Baseline open-source code available from</a:t>
+            </a:r>
+          </a:p>
+          <a:p>
+            <a:pPr lvl="1"/>
+            <a:r>
+              <a:rPr lang="en-US" dirty="0">
+                <a:hlinkClick r:id="rId2"/>
+              </a:rPr>
+              <a:t>https://github.com/wvisser1958/gsppysim</a:t>
+            </a:r>
+            <a:endParaRPr lang="en-US" dirty="0"/>
+          </a:p>
+          <a:p>
+            <a:pPr lvl="1"/>
+            <a:r>
+              <a:rPr lang="en-US" dirty="0"/>
+              <a:t>Limited set of </a:t>
+            </a:r>
+            <a:r>
+              <a:rPr lang="en-US"/>
+              <a:t>component model classes</a:t>
+            </a:r>
+            <a:endParaRPr lang="en-US" dirty="0"/>
+          </a:p>
+          <a:p>
+            <a:endParaRPr lang="en-US" dirty="0"/>
+          </a:p>
+          <a:p>
+            <a:r>
+              <a:rPr lang="en-US" dirty="0"/>
+              <a:t>Contact authors for advanced, extended versions</a:t>
+            </a:r>
+          </a:p>
+          <a:p>
+            <a:pPr lvl="1"/>
+            <a:r>
+              <a:rPr lang="en-US" dirty="0"/>
+              <a:t>Dr. Wilfried Visser </a:t>
+            </a:r>
+            <a:r>
+              <a:rPr lang="en-US" dirty="0">
+                <a:hlinkClick r:id="rId3"/>
+              </a:rPr>
+              <a:t>w.p.j.Visser@tudelft.nl</a:t>
+            </a:r>
+            <a:endParaRPr lang="en-US" dirty="0"/>
+          </a:p>
+          <a:p>
+            <a:pPr lvl="1"/>
+            <a:r>
+              <a:rPr lang="en-US" dirty="0"/>
+              <a:t>Oscar Kogenhop MSc </a:t>
+            </a:r>
+            <a:r>
+              <a:rPr lang="en-US" dirty="0">
+                <a:hlinkClick r:id="rId4"/>
+              </a:rPr>
+              <a:t>oscar.kogenhop@epcor.nl</a:t>
+            </a:r>
+            <a:r>
+              <a:rPr lang="en-US" dirty="0"/>
+              <a:t>  </a:t>
+            </a:r>
+          </a:p>
+          <a:p>
+            <a:pPr lvl="1"/>
+            <a:endParaRPr lang="en-US" dirty="0"/>
+          </a:p>
+        </p:txBody>
+      </p:sp>
+      <p:sp>
+        <p:nvSpPr>
+          <p:cNvPr id="3" name="Title 2">
+            <a:extLst>
+              <a:ext uri="{FF2B5EF4-FFF2-40B4-BE49-F238E27FC236}">
+                <a16:creationId xmlns:a16="http://schemas.microsoft.com/office/drawing/2014/main" id="{75E6D945-5BE4-F0FA-A771-57E1EF393AAF}"/>
+              </a:ext>
+            </a:extLst>
+          </p:cNvPr>
+          <p:cNvSpPr>
+            <a:spLocks noGrp="1"/>
+          </p:cNvSpPr>
+          <p:nvPr>
+            <p:ph type="title"/>
+          </p:nvPr>
+        </p:nvSpPr>
+        <p:spPr/>
+        <p:txBody>
+          <a:bodyPr/>
+          <a:lstStyle/>
+          <a:p>
+            <a:r>
+              <a:rPr lang="en-US" dirty="0"/>
+              <a:t>Conclusion</a:t>
+            </a:r>
+          </a:p>
+        </p:txBody>
+      </p:sp>
+      <p:sp>
+        <p:nvSpPr>
+          <p:cNvPr id="4" name="Text Placeholder 3">
+            <a:extLst>
+              <a:ext uri="{FF2B5EF4-FFF2-40B4-BE49-F238E27FC236}">
+                <a16:creationId xmlns:a16="http://schemas.microsoft.com/office/drawing/2014/main" id="{1CCC332C-844B-6760-C6C0-20E7BE368646}"/>
+              </a:ext>
+            </a:extLst>
+          </p:cNvPr>
+          <p:cNvSpPr>
+            <a:spLocks noGrp="1"/>
+          </p:cNvSpPr>
+          <p:nvPr>
+            <p:ph type="body" sz="quarter" idx="10"/>
+          </p:nvPr>
+        </p:nvSpPr>
+        <p:spPr/>
+        <p:txBody>
+          <a:bodyPr/>
+          <a:lstStyle/>
+          <a:p>
+            <a:endParaRPr lang="en-US" dirty="0"/>
+          </a:p>
+        </p:txBody>
+      </p:sp>
+    </p:spTree>
+    <p:extLst>
+      <p:ext uri="{BB962C8B-B14F-4D97-AF65-F5344CB8AC3E}">
+        <p14:creationId xmlns:p14="http://schemas.microsoft.com/office/powerpoint/2010/main" val="1897916226"/>
+      </p:ext>
+    </p:extLst>
+  </p:cSld>
+  <p:clrMapOvr>
+    <a:masterClrMapping/>
+  </p:clrMapOvr>
+</p:sld>
+</file>
+
+<file path=ppt/slides/slide66.xml><?xml version="1.0" encoding="utf-8"?>
+<p:sld xmlns:a="http://schemas.openxmlformats.org/drawingml/2006/main" xmlns:r="http://schemas.openxmlformats.org/officeDocument/2006/relationships" xmlns:p="http://schemas.openxmlformats.org/presentationml/2006/main">
+  <p:cSld>
+    <p:spTree>
+      <p:nvGrpSpPr>
+        <p:cNvPr id="1" name=""/>
+        <p:cNvGrpSpPr/>
+        <p:nvPr/>
+      </p:nvGrpSpPr>
+      <p:grpSpPr>
+        <a:xfrm>
+          <a:off x="0" y="0"/>
+          <a:ext cx="0" cy="0"/>
+          <a:chOff x="0" y="0"/>
+          <a:chExt cx="0" cy="0"/>
+        </a:xfrm>
+      </p:grpSpPr>
+      <p:sp>
+        <p:nvSpPr>
+          <p:cNvPr id="2" name="Content Placeholder 1">
+            <a:extLst>
+              <a:ext uri="{FF2B5EF4-FFF2-40B4-BE49-F238E27FC236}">
+                <a16:creationId xmlns:a16="http://schemas.microsoft.com/office/drawing/2014/main" id="{1DDF8FD0-33DC-5342-0CD6-6E121ED57396}"/>
+              </a:ext>
+            </a:extLst>
+          </p:cNvPr>
+          <p:cNvSpPr>
+            <a:spLocks noGrp="1"/>
+          </p:cNvSpPr>
+          <p:nvPr>
+            <p:ph idx="1"/>
+          </p:nvPr>
+        </p:nvSpPr>
+        <p:spPr/>
+        <p:txBody>
+          <a:bodyPr/>
+          <a:lstStyle/>
+          <a:p>
+            <a:endParaRPr lang="en-US" dirty="0"/>
+          </a:p>
+        </p:txBody>
+      </p:sp>
+      <p:sp>
+        <p:nvSpPr>
+          <p:cNvPr id="3" name="Title 2">
+            <a:extLst>
+              <a:ext uri="{FF2B5EF4-FFF2-40B4-BE49-F238E27FC236}">
+                <a16:creationId xmlns:a16="http://schemas.microsoft.com/office/drawing/2014/main" id="{857E883F-20F7-1DC2-B995-F7DDFD83CB5D}"/>
+              </a:ext>
+            </a:extLst>
+          </p:cNvPr>
+          <p:cNvSpPr>
+            <a:spLocks noGrp="1"/>
+          </p:cNvSpPr>
+          <p:nvPr>
+            <p:ph type="title"/>
+          </p:nvPr>
+        </p:nvSpPr>
+        <p:spPr/>
+        <p:txBody>
+          <a:bodyPr/>
+          <a:lstStyle/>
+          <a:p>
+            <a:r>
+              <a:rPr lang="en-US" dirty="0"/>
+              <a:t>Questions?</a:t>
+            </a:r>
+          </a:p>
+        </p:txBody>
+      </p:sp>
+      <p:sp>
+        <p:nvSpPr>
+          <p:cNvPr id="4" name="Text Placeholder 3">
+            <a:extLst>
+              <a:ext uri="{FF2B5EF4-FFF2-40B4-BE49-F238E27FC236}">
+                <a16:creationId xmlns:a16="http://schemas.microsoft.com/office/drawing/2014/main" id="{AD6E9606-AFEC-F81C-4A9D-35FF6D7A5EC5}"/>
+              </a:ext>
+            </a:extLst>
+          </p:cNvPr>
+          <p:cNvSpPr>
+            <a:spLocks noGrp="1"/>
+          </p:cNvSpPr>
+          <p:nvPr>
+            <p:ph type="body" sz="quarter" idx="10"/>
+          </p:nvPr>
+        </p:nvSpPr>
+        <p:spPr/>
+        <p:txBody>
+          <a:bodyPr/>
+          <a:lstStyle/>
+          <a:p>
+            <a:endParaRPr lang="en-US"/>
+          </a:p>
+        </p:txBody>
+      </p:sp>
+    </p:spTree>
+    <p:extLst>
+      <p:ext uri="{BB962C8B-B14F-4D97-AF65-F5344CB8AC3E}">
+        <p14:creationId xmlns:p14="http://schemas.microsoft.com/office/powerpoint/2010/main" val="2643582744"/>
       </p:ext>
     </p:extLst>
   </p:cSld>
